--- a/Resources/Documentation/Data-Design.pptx
+++ b/Resources/Documentation/Data-Design.pptx
@@ -6,8 +6,11 @@
   </p:sldMasterIdLst>
   <p:sldIdLst>
     <p:sldId id="256" r:id="rId2"/>
-    <p:sldId id="257" r:id="rId3"/>
-    <p:sldId id="258" r:id="rId4"/>
+    <p:sldId id="260" r:id="rId3"/>
+    <p:sldId id="261" r:id="rId4"/>
+    <p:sldId id="259" r:id="rId5"/>
+    <p:sldId id="257" r:id="rId6"/>
+    <p:sldId id="258" r:id="rId7"/>
   </p:sldIdLst>
   <p:sldSz cx="9144000" cy="6858000" type="screen4x3"/>
   <p:notesSz cx="6858000" cy="9144000"/>
@@ -291,7 +294,7 @@
             <a:fld id="{1D8BD707-D9CF-40AE-B4C6-C98DA3205C09}" type="datetimeFigureOut">
               <a:rPr lang="en-US" smtClean="0"/>
               <a:pPr/>
-              <a:t>6/24/2012</a:t>
+              <a:t>8/11/2012</a:t>
             </a:fld>
             <a:endParaRPr lang="en-US"/>
           </a:p>
@@ -458,7 +461,7 @@
             <a:fld id="{1D8BD707-D9CF-40AE-B4C6-C98DA3205C09}" type="datetimeFigureOut">
               <a:rPr lang="en-US" smtClean="0"/>
               <a:pPr/>
-              <a:t>6/24/2012</a:t>
+              <a:t>8/11/2012</a:t>
             </a:fld>
             <a:endParaRPr lang="en-US"/>
           </a:p>
@@ -635,7 +638,7 @@
             <a:fld id="{1D8BD707-D9CF-40AE-B4C6-C98DA3205C09}" type="datetimeFigureOut">
               <a:rPr lang="en-US" smtClean="0"/>
               <a:pPr/>
-              <a:t>6/24/2012</a:t>
+              <a:t>8/11/2012</a:t>
             </a:fld>
             <a:endParaRPr lang="en-US"/>
           </a:p>
@@ -802,7 +805,7 @@
             <a:fld id="{1D8BD707-D9CF-40AE-B4C6-C98DA3205C09}" type="datetimeFigureOut">
               <a:rPr lang="en-US" smtClean="0"/>
               <a:pPr/>
-              <a:t>6/24/2012</a:t>
+              <a:t>8/11/2012</a:t>
             </a:fld>
             <a:endParaRPr lang="en-US"/>
           </a:p>
@@ -1045,7 +1048,7 @@
             <a:fld id="{1D8BD707-D9CF-40AE-B4C6-C98DA3205C09}" type="datetimeFigureOut">
               <a:rPr lang="en-US" smtClean="0"/>
               <a:pPr/>
-              <a:t>6/24/2012</a:t>
+              <a:t>8/11/2012</a:t>
             </a:fld>
             <a:endParaRPr lang="en-US"/>
           </a:p>
@@ -1330,7 +1333,7 @@
             <a:fld id="{1D8BD707-D9CF-40AE-B4C6-C98DA3205C09}" type="datetimeFigureOut">
               <a:rPr lang="en-US" smtClean="0"/>
               <a:pPr/>
-              <a:t>6/24/2012</a:t>
+              <a:t>8/11/2012</a:t>
             </a:fld>
             <a:endParaRPr lang="en-US"/>
           </a:p>
@@ -1749,7 +1752,7 @@
             <a:fld id="{1D8BD707-D9CF-40AE-B4C6-C98DA3205C09}" type="datetimeFigureOut">
               <a:rPr lang="en-US" smtClean="0"/>
               <a:pPr/>
-              <a:t>6/24/2012</a:t>
+              <a:t>8/11/2012</a:t>
             </a:fld>
             <a:endParaRPr lang="en-US"/>
           </a:p>
@@ -1864,7 +1867,7 @@
             <a:fld id="{1D8BD707-D9CF-40AE-B4C6-C98DA3205C09}" type="datetimeFigureOut">
               <a:rPr lang="en-US" smtClean="0"/>
               <a:pPr/>
-              <a:t>6/24/2012</a:t>
+              <a:t>8/11/2012</a:t>
             </a:fld>
             <a:endParaRPr lang="en-US"/>
           </a:p>
@@ -1956,7 +1959,7 @@
             <a:fld id="{1D8BD707-D9CF-40AE-B4C6-C98DA3205C09}" type="datetimeFigureOut">
               <a:rPr lang="en-US" smtClean="0"/>
               <a:pPr/>
-              <a:t>6/24/2012</a:t>
+              <a:t>8/11/2012</a:t>
             </a:fld>
             <a:endParaRPr lang="en-US"/>
           </a:p>
@@ -2230,7 +2233,7 @@
             <a:fld id="{1D8BD707-D9CF-40AE-B4C6-C98DA3205C09}" type="datetimeFigureOut">
               <a:rPr lang="en-US" smtClean="0"/>
               <a:pPr/>
-              <a:t>6/24/2012</a:t>
+              <a:t>8/11/2012</a:t>
             </a:fld>
             <a:endParaRPr lang="en-US"/>
           </a:p>
@@ -2480,7 +2483,7 @@
             <a:fld id="{1D8BD707-D9CF-40AE-B4C6-C98DA3205C09}" type="datetimeFigureOut">
               <a:rPr lang="en-US" smtClean="0"/>
               <a:pPr/>
-              <a:t>6/24/2012</a:t>
+              <a:t>8/11/2012</a:t>
             </a:fld>
             <a:endParaRPr lang="en-US"/>
           </a:p>
@@ -2690,7 +2693,7 @@
             <a:fld id="{1D8BD707-D9CF-40AE-B4C6-C98DA3205C09}" type="datetimeFigureOut">
               <a:rPr lang="en-US" smtClean="0"/>
               <a:pPr/>
-              <a:t>6/24/2012</a:t>
+              <a:t>8/11/2012</a:t>
             </a:fld>
             <a:endParaRPr lang="en-US"/>
           </a:p>
@@ -3406,9 +3409,13 @@
           <a:p>
             <a:r>
               <a:rPr lang="en-US" sz="2400" dirty="0" smtClean="0"/>
-              <a:t>Basic Data Type: INKV</a:t>
-            </a:r>
-            <a:endParaRPr lang="en-US" sz="2400" dirty="0"/>
+              <a:t>Basic Data Type: </a:t>
+            </a:r>
+            <a:r>
+              <a:rPr lang="en-US" sz="2400" b="1" dirty="0" err="1" smtClean="0"/>
+              <a:t>HoopKV</a:t>
+            </a:r>
+            <a:endParaRPr lang="en-US" sz="2400" b="1" dirty="0"/>
           </a:p>
         </p:txBody>
       </p:sp>
@@ -3742,7 +3749,7 @@
         <p:spPr>
           <a:xfrm>
             <a:off x="228600" y="3124200"/>
-            <a:ext cx="3962400" cy="461665"/>
+            <a:ext cx="5105400" cy="461665"/>
           </a:xfrm>
           <a:prstGeom prst="rect">
             <a:avLst/>
@@ -3757,9 +3764,21 @@
           <a:p>
             <a:r>
               <a:rPr lang="en-US" sz="2400" dirty="0" smtClean="0"/>
-              <a:t>Extended Data Type: INKV</a:t>
-            </a:r>
-            <a:endParaRPr lang="en-US" sz="2400" dirty="0"/>
+              <a:t>Extended Data </a:t>
+            </a:r>
+            <a:r>
+              <a:rPr lang="en-US" sz="2400" dirty="0" smtClean="0"/>
+              <a:t>for Type</a:t>
+            </a:r>
+            <a:r>
+              <a:rPr lang="en-US" sz="2400" dirty="0" smtClean="0"/>
+              <a:t>: </a:t>
+            </a:r>
+            <a:r>
+              <a:rPr lang="en-US" sz="2400" b="1" dirty="0" err="1" smtClean="0"/>
+              <a:t>HoopKV</a:t>
+            </a:r>
+            <a:endParaRPr lang="en-US" sz="2400" b="1" dirty="0"/>
           </a:p>
         </p:txBody>
       </p:sp>
@@ -3976,8 +3995,13 @@
                   <a:schemeClr val="tx1"/>
                 </a:solidFill>
               </a:rPr>
-              <a:t>Default: String</a:t>
-            </a:r>
+              <a:t>String</a:t>
+            </a:r>
+            <a:endParaRPr lang="en-US" sz="1400" b="1" dirty="0" smtClean="0">
+              <a:solidFill>
+                <a:schemeClr val="tx1"/>
+              </a:solidFill>
+            </a:endParaRPr>
           </a:p>
         </p:txBody>
       </p:sp>
@@ -4040,11 +4064,49 @@
                   <a:schemeClr val="tx1"/>
                 </a:solidFill>
               </a:rPr>
-              <a:t>Default: String</a:t>
-            </a:r>
-          </a:p>
-        </p:txBody>
-      </p:sp>
+              <a:t>String</a:t>
+            </a:r>
+            <a:endParaRPr lang="en-US" sz="1400" b="1" dirty="0" smtClean="0">
+              <a:solidFill>
+                <a:schemeClr val="tx1"/>
+              </a:solidFill>
+            </a:endParaRPr>
+          </a:p>
+        </p:txBody>
+      </p:sp>
+      <p:cxnSp>
+        <p:nvCxnSpPr>
+          <p:cNvPr id="20" name="Straight Connector 19"/>
+          <p:cNvCxnSpPr/>
+          <p:nvPr/>
+        </p:nvCxnSpPr>
+        <p:spPr>
+          <a:xfrm>
+            <a:off x="4598634" y="3048000"/>
+            <a:ext cx="0" cy="3505200"/>
+          </a:xfrm>
+          <a:prstGeom prst="line">
+            <a:avLst/>
+          </a:prstGeom>
+          <a:ln>
+            <a:prstDash val="dash"/>
+          </a:ln>
+        </p:spPr>
+        <p:style>
+          <a:lnRef idx="1">
+            <a:schemeClr val="accent1"/>
+          </a:lnRef>
+          <a:fillRef idx="0">
+            <a:schemeClr val="accent1"/>
+          </a:fillRef>
+          <a:effectRef idx="0">
+            <a:schemeClr val="accent1"/>
+          </a:effectRef>
+          <a:fontRef idx="minor">
+            <a:schemeClr val="tx1"/>
+          </a:fontRef>
+        </p:style>
+      </p:cxnSp>
     </p:spTree>
   </p:cSld>
   <p:clrMapOvr>
@@ -4078,8 +4140,8 @@
         </p:nvSpPr>
         <p:spPr>
           <a:xfrm>
-            <a:off x="304800" y="1219200"/>
-            <a:ext cx="2971800" cy="609600"/>
+            <a:off x="685800" y="990600"/>
+            <a:ext cx="4038600" cy="762000"/>
           </a:xfrm>
           <a:prstGeom prst="roundRect">
             <a:avLst/>
@@ -4132,8 +4194,8 @@
         </p:nvSpPr>
         <p:spPr>
           <a:xfrm>
-            <a:off x="457200" y="1371600"/>
-            <a:ext cx="1295400" cy="312366"/>
+            <a:off x="838200" y="1143000"/>
+            <a:ext cx="1790700" cy="431800"/>
           </a:xfrm>
           <a:prstGeom prst="roundRect">
             <a:avLst/>
@@ -4171,14 +4233,153 @@
           <a:p>
             <a:pPr algn="ctr"/>
             <a:r>
+              <a:rPr lang="en-US" b="1" dirty="0" smtClean="0">
+                <a:solidFill>
+                  <a:schemeClr val="tx1"/>
+                </a:solidFill>
+              </a:rPr>
+              <a:t>Key</a:t>
+            </a:r>
+            <a:endParaRPr lang="en-US" b="1" dirty="0">
+              <a:solidFill>
+                <a:schemeClr val="tx1"/>
+              </a:solidFill>
+            </a:endParaRPr>
+          </a:p>
+        </p:txBody>
+      </p:sp>
+      <p:sp>
+        <p:nvSpPr>
+          <p:cNvPr id="60" name="Rounded Rectangle 59"/>
+          <p:cNvSpPr/>
+          <p:nvPr/>
+        </p:nvSpPr>
+        <p:spPr>
+          <a:xfrm>
+            <a:off x="2743200" y="1143000"/>
+            <a:ext cx="1790700" cy="431800"/>
+          </a:xfrm>
+          <a:prstGeom prst="roundRect">
+            <a:avLst/>
+          </a:prstGeom>
+          <a:solidFill>
+            <a:schemeClr val="bg1">
+              <a:lumMod val="85000"/>
+            </a:schemeClr>
+          </a:solidFill>
+          <a:ln>
+            <a:solidFill>
+              <a:schemeClr val="tx1"/>
+            </a:solidFill>
+          </a:ln>
+        </p:spPr>
+        <p:style>
+          <a:lnRef idx="2">
+            <a:schemeClr val="accent1">
+              <a:shade val="50000"/>
+            </a:schemeClr>
+          </a:lnRef>
+          <a:fillRef idx="1">
+            <a:schemeClr val="accent1"/>
+          </a:fillRef>
+          <a:effectRef idx="0">
+            <a:schemeClr val="accent1"/>
+          </a:effectRef>
+          <a:fontRef idx="minor">
+            <a:schemeClr val="lt1"/>
+          </a:fontRef>
+        </p:style>
+        <p:txBody>
+          <a:bodyPr rtlCol="0" anchor="ctr"/>
+          <a:lstStyle/>
+          <a:p>
+            <a:pPr algn="ctr"/>
+            <a:r>
+              <a:rPr lang="en-US" b="1" dirty="0" smtClean="0">
+                <a:solidFill>
+                  <a:schemeClr val="tx1"/>
+                </a:solidFill>
+              </a:rPr>
+              <a:t>Value</a:t>
+            </a:r>
+            <a:endParaRPr lang="en-US" b="1" dirty="0">
+              <a:solidFill>
+                <a:schemeClr val="tx1"/>
+              </a:solidFill>
+            </a:endParaRPr>
+          </a:p>
+        </p:txBody>
+      </p:sp>
+      <p:sp>
+        <p:nvSpPr>
+          <p:cNvPr id="68" name="Rectangular Callout 67"/>
+          <p:cNvSpPr/>
+          <p:nvPr/>
+        </p:nvSpPr>
+        <p:spPr>
+          <a:xfrm>
+            <a:off x="381000" y="1676400"/>
+            <a:ext cx="2133600" cy="990600"/>
+          </a:xfrm>
+          <a:prstGeom prst="wedgeRectCallout">
+            <a:avLst>
+              <a:gd name="adj1" fmla="val 13558"/>
+              <a:gd name="adj2" fmla="val -65705"/>
+            </a:avLst>
+          </a:prstGeom>
+          <a:solidFill>
+            <a:schemeClr val="bg2"/>
+          </a:solidFill>
+          <a:ln>
+            <a:solidFill>
+              <a:schemeClr val="tx1"/>
+            </a:solidFill>
+          </a:ln>
+          <a:effectLst>
+            <a:outerShdw blurRad="50800" dist="38100" dir="2700000" algn="tl" rotWithShape="0">
+              <a:prstClr val="black">
+                <a:alpha val="40000"/>
+              </a:prstClr>
+            </a:outerShdw>
+          </a:effectLst>
+        </p:spPr>
+        <p:style>
+          <a:lnRef idx="2">
+            <a:schemeClr val="accent1">
+              <a:shade val="50000"/>
+            </a:schemeClr>
+          </a:lnRef>
+          <a:fillRef idx="1">
+            <a:schemeClr val="accent1"/>
+          </a:fillRef>
+          <a:effectRef idx="0">
+            <a:schemeClr val="accent1"/>
+          </a:effectRef>
+          <a:fontRef idx="minor">
+            <a:schemeClr val="lt1"/>
+          </a:fontRef>
+        </p:style>
+        <p:txBody>
+          <a:bodyPr rtlCol="0" anchor="t"/>
+          <a:lstStyle/>
+          <a:p>
+            <a:r>
               <a:rPr lang="en-US" sz="1400" b="1" dirty="0" smtClean="0">
                 <a:solidFill>
                   <a:schemeClr val="tx1"/>
                 </a:solidFill>
               </a:rPr>
-              <a:t>0</a:t>
-            </a:r>
-            <a:endParaRPr lang="en-US" sz="1400" b="1" dirty="0">
+              <a:t>Default: </a:t>
+            </a:r>
+            <a:r>
+              <a:rPr lang="en-US" sz="1400" b="1" dirty="0" smtClean="0">
+                <a:solidFill>
+                  <a:schemeClr val="tx1"/>
+                </a:solidFill>
+              </a:rPr>
+              <a:t>String</a:t>
+            </a:r>
+            <a:endParaRPr lang="en-US" sz="1400" b="1" dirty="0" smtClean="0">
               <a:solidFill>
                 <a:schemeClr val="tx1"/>
               </a:solidFill>
@@ -4188,28 +4389,36 @@
       </p:sp>
       <p:sp>
         <p:nvSpPr>
-          <p:cNvPr id="60" name="Rounded Rectangle 59"/>
+          <p:cNvPr id="70" name="Rectangular Callout 69"/>
           <p:cNvSpPr/>
           <p:nvPr/>
         </p:nvSpPr>
         <p:spPr>
           <a:xfrm>
-            <a:off x="1905000" y="1371600"/>
-            <a:ext cx="1264024" cy="304800"/>
-          </a:xfrm>
-          <a:prstGeom prst="roundRect">
-            <a:avLst/>
+            <a:off x="2743200" y="1676400"/>
+            <a:ext cx="2133600" cy="990600"/>
+          </a:xfrm>
+          <a:prstGeom prst="wedgeRectCallout">
+            <a:avLst>
+              <a:gd name="adj1" fmla="val -9061"/>
+              <a:gd name="adj2" fmla="val -68269"/>
+            </a:avLst>
           </a:prstGeom>
           <a:solidFill>
-            <a:schemeClr val="bg1">
-              <a:lumMod val="85000"/>
-            </a:schemeClr>
+            <a:schemeClr val="bg2"/>
           </a:solidFill>
           <a:ln>
             <a:solidFill>
               <a:schemeClr val="tx1"/>
             </a:solidFill>
           </a:ln>
+          <a:effectLst>
+            <a:outerShdw blurRad="50800" dist="38100" dir="2700000" algn="tl" rotWithShape="0">
+              <a:prstClr val="black">
+                <a:alpha val="40000"/>
+              </a:prstClr>
+            </a:outerShdw>
+          </a:effectLst>
         </p:spPr>
         <p:style>
           <a:lnRef idx="2">
@@ -4228,19 +4437,18 @@
           </a:fontRef>
         </p:style>
         <p:txBody>
-          <a:bodyPr rtlCol="0" anchor="ctr"/>
-          <a:lstStyle/>
-          <a:p>
-            <a:pPr algn="ctr"/>
+          <a:bodyPr rtlCol="0" anchor="t"/>
+          <a:lstStyle/>
+          <a:p>
             <a:r>
               <a:rPr lang="en-US" sz="1400" b="1" dirty="0" smtClean="0">
                 <a:solidFill>
                   <a:schemeClr val="tx1"/>
                 </a:solidFill>
               </a:rPr>
-              <a:t>The</a:t>
-            </a:r>
-            <a:endParaRPr lang="en-US" sz="1400" b="1" dirty="0">
+              <a:t>String</a:t>
+            </a:r>
+            <a:endParaRPr lang="en-US" sz="1400" b="1" dirty="0" smtClean="0">
               <a:solidFill>
                 <a:schemeClr val="tx1"/>
               </a:solidFill>
@@ -4256,8 +4464,8 @@
         </p:nvSpPr>
         <p:spPr>
           <a:xfrm>
-            <a:off x="152400" y="152400"/>
-            <a:ext cx="8610600" cy="830997"/>
+            <a:off x="228600" y="304800"/>
+            <a:ext cx="3962400" cy="461665"/>
           </a:xfrm>
           <a:prstGeom prst="rect">
             <a:avLst/>
@@ -4272,44 +4480,30 @@
           <a:p>
             <a:r>
               <a:rPr lang="en-US" sz="2400" dirty="0" smtClean="0"/>
-              <a:t>Example KV List for sentence: </a:t>
-            </a:r>
-          </a:p>
-          <a:p>
-            <a:r>
-              <a:rPr lang="en-US" sz="2400" b="1" dirty="0" smtClean="0"/>
-              <a:t>The </a:t>
-            </a:r>
-            <a:r>
-              <a:rPr lang="en-US" sz="2400" b="1" dirty="0" smtClean="0"/>
-              <a:t>Quick Red </a:t>
-            </a:r>
-            <a:r>
-              <a:rPr lang="en-US" sz="2400" b="1" i="1" dirty="0" smtClean="0"/>
-              <a:t>Fox Jumps Over</a:t>
-            </a:r>
-            <a:r>
-              <a:rPr lang="en-US" sz="2400" b="1" dirty="0" smtClean="0"/>
-              <a:t> the Lazy Brown </a:t>
-            </a:r>
-            <a:r>
-              <a:rPr lang="en-US" sz="2400" b="1" dirty="0" smtClean="0"/>
-              <a:t>Dog</a:t>
-            </a:r>
-            <a:endParaRPr lang="en-US" sz="2400" b="1" dirty="0" smtClean="0"/>
-          </a:p>
-        </p:txBody>
-      </p:sp>
-      <p:sp>
-        <p:nvSpPr>
-          <p:cNvPr id="19" name="Rounded Rectangle 18"/>
+              <a:t>Data </a:t>
+            </a:r>
+            <a:r>
+              <a:rPr lang="en-US" sz="2400" dirty="0" smtClean="0"/>
+              <a:t>Type: </a:t>
+            </a:r>
+            <a:r>
+              <a:rPr lang="en-US" sz="2400" dirty="0" err="1" smtClean="0"/>
+              <a:t>HoopStringKV</a:t>
+            </a:r>
+            <a:endParaRPr lang="en-US" sz="2400" dirty="0"/>
+          </a:p>
+        </p:txBody>
+      </p:sp>
+      <p:sp>
+        <p:nvSpPr>
+          <p:cNvPr id="73" name="Rounded Rectangle 72"/>
           <p:cNvSpPr/>
           <p:nvPr/>
         </p:nvSpPr>
         <p:spPr>
           <a:xfrm>
-            <a:off x="304800" y="1905000"/>
-            <a:ext cx="2971800" cy="609600"/>
+            <a:off x="685800" y="3810000"/>
+            <a:ext cx="8229600" cy="762000"/>
           </a:xfrm>
           <a:prstGeom prst="roundRect">
             <a:avLst/>
@@ -4356,14 +4550,14 @@
       </p:sp>
       <p:sp>
         <p:nvSpPr>
-          <p:cNvPr id="20" name="Rounded Rectangle 19"/>
+          <p:cNvPr id="74" name="Rounded Rectangle 73"/>
           <p:cNvSpPr/>
           <p:nvPr/>
         </p:nvSpPr>
         <p:spPr>
           <a:xfrm>
-            <a:off x="457200" y="2057400"/>
-            <a:ext cx="1295400" cy="312366"/>
+            <a:off x="838200" y="3962400"/>
+            <a:ext cx="1790700" cy="431800"/>
           </a:xfrm>
           <a:prstGeom prst="roundRect">
             <a:avLst/>
@@ -4401,14 +4595,153 @@
           <a:p>
             <a:pPr algn="ctr"/>
             <a:r>
+              <a:rPr lang="en-US" b="1" dirty="0" smtClean="0">
+                <a:solidFill>
+                  <a:schemeClr val="tx1"/>
+                </a:solidFill>
+              </a:rPr>
+              <a:t>Key</a:t>
+            </a:r>
+            <a:endParaRPr lang="en-US" b="1" dirty="0">
+              <a:solidFill>
+                <a:schemeClr val="tx1"/>
+              </a:solidFill>
+            </a:endParaRPr>
+          </a:p>
+        </p:txBody>
+      </p:sp>
+      <p:sp>
+        <p:nvSpPr>
+          <p:cNvPr id="75" name="Rounded Rectangle 74"/>
+          <p:cNvSpPr/>
+          <p:nvPr/>
+        </p:nvSpPr>
+        <p:spPr>
+          <a:xfrm>
+            <a:off x="2743200" y="3962400"/>
+            <a:ext cx="1790700" cy="431800"/>
+          </a:xfrm>
+          <a:prstGeom prst="roundRect">
+            <a:avLst/>
+          </a:prstGeom>
+          <a:solidFill>
+            <a:schemeClr val="bg1">
+              <a:lumMod val="85000"/>
+            </a:schemeClr>
+          </a:solidFill>
+          <a:ln>
+            <a:solidFill>
+              <a:schemeClr val="tx1"/>
+            </a:solidFill>
+          </a:ln>
+        </p:spPr>
+        <p:style>
+          <a:lnRef idx="2">
+            <a:schemeClr val="accent1">
+              <a:shade val="50000"/>
+            </a:schemeClr>
+          </a:lnRef>
+          <a:fillRef idx="1">
+            <a:schemeClr val="accent1"/>
+          </a:fillRef>
+          <a:effectRef idx="0">
+            <a:schemeClr val="accent1"/>
+          </a:effectRef>
+          <a:fontRef idx="minor">
+            <a:schemeClr val="lt1"/>
+          </a:fontRef>
+        </p:style>
+        <p:txBody>
+          <a:bodyPr rtlCol="0" anchor="ctr"/>
+          <a:lstStyle/>
+          <a:p>
+            <a:pPr algn="ctr"/>
+            <a:r>
+              <a:rPr lang="en-US" b="1" dirty="0" smtClean="0">
+                <a:solidFill>
+                  <a:schemeClr val="tx1"/>
+                </a:solidFill>
+              </a:rPr>
+              <a:t>Primary Value</a:t>
+            </a:r>
+            <a:endParaRPr lang="en-US" b="1" dirty="0">
+              <a:solidFill>
+                <a:schemeClr val="tx1"/>
+              </a:solidFill>
+            </a:endParaRPr>
+          </a:p>
+        </p:txBody>
+      </p:sp>
+      <p:sp>
+        <p:nvSpPr>
+          <p:cNvPr id="76" name="Rectangular Callout 75"/>
+          <p:cNvSpPr/>
+          <p:nvPr/>
+        </p:nvSpPr>
+        <p:spPr>
+          <a:xfrm>
+            <a:off x="381000" y="4495800"/>
+            <a:ext cx="2133600" cy="990600"/>
+          </a:xfrm>
+          <a:prstGeom prst="wedgeRectCallout">
+            <a:avLst>
+              <a:gd name="adj1" fmla="val 13558"/>
+              <a:gd name="adj2" fmla="val -65705"/>
+            </a:avLst>
+          </a:prstGeom>
+          <a:solidFill>
+            <a:schemeClr val="bg2"/>
+          </a:solidFill>
+          <a:ln>
+            <a:solidFill>
+              <a:schemeClr val="tx1"/>
+            </a:solidFill>
+          </a:ln>
+          <a:effectLst>
+            <a:outerShdw blurRad="50800" dist="38100" dir="2700000" algn="tl" rotWithShape="0">
+              <a:prstClr val="black">
+                <a:alpha val="40000"/>
+              </a:prstClr>
+            </a:outerShdw>
+          </a:effectLst>
+        </p:spPr>
+        <p:style>
+          <a:lnRef idx="2">
+            <a:schemeClr val="accent1">
+              <a:shade val="50000"/>
+            </a:schemeClr>
+          </a:lnRef>
+          <a:fillRef idx="1">
+            <a:schemeClr val="accent1"/>
+          </a:fillRef>
+          <a:effectRef idx="0">
+            <a:schemeClr val="accent1"/>
+          </a:effectRef>
+          <a:fontRef idx="minor">
+            <a:schemeClr val="lt1"/>
+          </a:fontRef>
+        </p:style>
+        <p:txBody>
+          <a:bodyPr rtlCol="0" anchor="t"/>
+          <a:lstStyle/>
+          <a:p>
+            <a:r>
               <a:rPr lang="en-US" sz="1400" b="1" dirty="0" smtClean="0">
                 <a:solidFill>
                   <a:schemeClr val="tx1"/>
                 </a:solidFill>
               </a:rPr>
-              <a:t>1</a:t>
-            </a:r>
-            <a:endParaRPr lang="en-US" sz="1400" b="1" dirty="0">
+              <a:t>Default: </a:t>
+            </a:r>
+            <a:r>
+              <a:rPr lang="en-US" sz="1400" b="1" dirty="0" smtClean="0">
+                <a:solidFill>
+                  <a:schemeClr val="tx1"/>
+                </a:solidFill>
+              </a:rPr>
+              <a:t>String</a:t>
+            </a:r>
+            <a:endParaRPr lang="en-US" sz="1400" b="1" dirty="0" smtClean="0">
               <a:solidFill>
                 <a:schemeClr val="tx1"/>
               </a:solidFill>
@@ -4418,28 +4751,36 @@
       </p:sp>
       <p:sp>
         <p:nvSpPr>
-          <p:cNvPr id="21" name="Rounded Rectangle 20"/>
+          <p:cNvPr id="77" name="Rectangular Callout 76"/>
           <p:cNvSpPr/>
           <p:nvPr/>
         </p:nvSpPr>
         <p:spPr>
           <a:xfrm>
-            <a:off x="1905000" y="2057400"/>
-            <a:ext cx="1264024" cy="304800"/>
-          </a:xfrm>
-          <a:prstGeom prst="roundRect">
-            <a:avLst/>
+            <a:off x="2819400" y="4495800"/>
+            <a:ext cx="1600200" cy="990600"/>
+          </a:xfrm>
+          <a:prstGeom prst="wedgeRectCallout">
+            <a:avLst>
+              <a:gd name="adj1" fmla="val 5225"/>
+              <a:gd name="adj2" fmla="val -65705"/>
+            </a:avLst>
           </a:prstGeom>
           <a:solidFill>
-            <a:schemeClr val="bg1">
-              <a:lumMod val="85000"/>
-            </a:schemeClr>
+            <a:schemeClr val="bg2"/>
           </a:solidFill>
           <a:ln>
             <a:solidFill>
               <a:schemeClr val="tx1"/>
             </a:solidFill>
           </a:ln>
+          <a:effectLst>
+            <a:outerShdw blurRad="50800" dist="38100" dir="2700000" algn="tl" rotWithShape="0">
+              <a:prstClr val="black">
+                <a:alpha val="40000"/>
+              </a:prstClr>
+            </a:outerShdw>
+          </a:effectLst>
         </p:spPr>
         <p:style>
           <a:lnRef idx="2">
@@ -4458,43 +4799,71 @@
           </a:fontRef>
         </p:style>
         <p:txBody>
-          <a:bodyPr rtlCol="0" anchor="ctr"/>
-          <a:lstStyle/>
-          <a:p>
-            <a:pPr algn="ctr"/>
+          <a:bodyPr rtlCol="0" anchor="t"/>
+          <a:lstStyle/>
+          <a:p>
             <a:r>
               <a:rPr lang="en-US" sz="1400" b="1" dirty="0" smtClean="0">
                 <a:solidFill>
                   <a:schemeClr val="tx1"/>
                 </a:solidFill>
               </a:rPr>
-              <a:t>Quick</a:t>
-            </a:r>
-            <a:endParaRPr lang="en-US" sz="1400" b="1" dirty="0">
-              <a:solidFill>
-                <a:schemeClr val="tx1"/>
-              </a:solidFill>
-            </a:endParaRPr>
-          </a:p>
-        </p:txBody>
-      </p:sp>
-      <p:sp>
-        <p:nvSpPr>
-          <p:cNvPr id="22" name="Rounded Rectangle 21"/>
+              <a:t>Default: String</a:t>
+            </a:r>
+          </a:p>
+        </p:txBody>
+      </p:sp>
+      <p:sp>
+        <p:nvSpPr>
+          <p:cNvPr id="78" name="TextBox 77"/>
+          <p:cNvSpPr txBox="1"/>
+          <p:nvPr/>
+        </p:nvSpPr>
+        <p:spPr>
+          <a:xfrm>
+            <a:off x="228600" y="3124200"/>
+            <a:ext cx="3962400" cy="461665"/>
+          </a:xfrm>
+          <a:prstGeom prst="rect">
+            <a:avLst/>
+          </a:prstGeom>
+          <a:noFill/>
+        </p:spPr>
+        <p:txBody>
+          <a:bodyPr wrap="square" rtlCol="0">
+            <a:spAutoFit/>
+          </a:bodyPr>
+          <a:lstStyle/>
+          <a:p>
+            <a:r>
+              <a:rPr lang="en-US" sz="2400" dirty="0" smtClean="0"/>
+              <a:t>Extended Data Type: </a:t>
+            </a:r>
+            <a:r>
+              <a:rPr lang="en-US" sz="2400" dirty="0" err="1" smtClean="0"/>
+              <a:t>HoopKV</a:t>
+            </a:r>
+            <a:endParaRPr lang="en-US" sz="2400" dirty="0"/>
+          </a:p>
+        </p:txBody>
+      </p:sp>
+      <p:sp>
+        <p:nvSpPr>
+          <p:cNvPr id="79" name="Rounded Rectangle 78"/>
           <p:cNvSpPr/>
           <p:nvPr/>
         </p:nvSpPr>
         <p:spPr>
           <a:xfrm>
-            <a:off x="304800" y="2590800"/>
-            <a:ext cx="2971800" cy="609600"/>
+            <a:off x="4648200" y="3962400"/>
+            <a:ext cx="1790700" cy="431800"/>
           </a:xfrm>
           <a:prstGeom prst="roundRect">
             <a:avLst/>
           </a:prstGeom>
           <a:solidFill>
             <a:schemeClr val="bg1">
-              <a:lumMod val="95000"/>
+              <a:lumMod val="85000"/>
             </a:schemeClr>
           </a:solidFill>
           <a:ln>
@@ -4524,6 +4893,14 @@
           <a:lstStyle/>
           <a:p>
             <a:pPr algn="ctr"/>
+            <a:r>
+              <a:rPr lang="en-US" b="1" dirty="0" smtClean="0">
+                <a:solidFill>
+                  <a:schemeClr val="tx1"/>
+                </a:solidFill>
+              </a:rPr>
+              <a:t>Secondary Value</a:t>
+            </a:r>
             <a:endParaRPr lang="en-US" b="1" dirty="0">
               <a:solidFill>
                 <a:schemeClr val="tx1"/>
@@ -4534,14 +4911,14 @@
       </p:sp>
       <p:sp>
         <p:nvSpPr>
-          <p:cNvPr id="23" name="Rounded Rectangle 22"/>
+          <p:cNvPr id="80" name="Rounded Rectangle 79"/>
           <p:cNvSpPr/>
           <p:nvPr/>
         </p:nvSpPr>
         <p:spPr>
           <a:xfrm>
-            <a:off x="457200" y="2743200"/>
-            <a:ext cx="1295400" cy="312366"/>
+            <a:off x="7010400" y="3962400"/>
+            <a:ext cx="1790700" cy="431800"/>
           </a:xfrm>
           <a:prstGeom prst="roundRect">
             <a:avLst/>
@@ -4579,14 +4956,113 @@
           <a:p>
             <a:pPr algn="ctr"/>
             <a:r>
+              <a:rPr lang="en-US" b="1" dirty="0" smtClean="0">
+                <a:solidFill>
+                  <a:schemeClr val="tx1"/>
+                </a:solidFill>
+              </a:rPr>
+              <a:t>N</a:t>
+            </a:r>
+            <a:endParaRPr lang="en-US" b="1" dirty="0">
+              <a:solidFill>
+                <a:schemeClr val="tx1"/>
+              </a:solidFill>
+            </a:endParaRPr>
+          </a:p>
+        </p:txBody>
+      </p:sp>
+      <p:sp>
+        <p:nvSpPr>
+          <p:cNvPr id="81" name="TextBox 80"/>
+          <p:cNvSpPr txBox="1"/>
+          <p:nvPr/>
+        </p:nvSpPr>
+        <p:spPr>
+          <a:xfrm>
+            <a:off x="6553200" y="3962400"/>
+            <a:ext cx="381000" cy="461665"/>
+          </a:xfrm>
+          <a:prstGeom prst="rect">
+            <a:avLst/>
+          </a:prstGeom>
+          <a:noFill/>
+        </p:spPr>
+        <p:txBody>
+          <a:bodyPr wrap="square" rtlCol="0">
+            <a:spAutoFit/>
+          </a:bodyPr>
+          <a:lstStyle/>
+          <a:p>
+            <a:r>
+              <a:rPr lang="en-US" sz="2400" dirty="0" smtClean="0"/>
+              <a:t>…</a:t>
+            </a:r>
+            <a:endParaRPr lang="en-US" sz="2400" dirty="0"/>
+          </a:p>
+        </p:txBody>
+      </p:sp>
+      <p:sp>
+        <p:nvSpPr>
+          <p:cNvPr id="82" name="Rectangular Callout 81"/>
+          <p:cNvSpPr/>
+          <p:nvPr/>
+        </p:nvSpPr>
+        <p:spPr>
+          <a:xfrm>
+            <a:off x="4724400" y="4495800"/>
+            <a:ext cx="1600200" cy="990600"/>
+          </a:xfrm>
+          <a:prstGeom prst="wedgeRectCallout">
+            <a:avLst>
+              <a:gd name="adj1" fmla="val 5225"/>
+              <a:gd name="adj2" fmla="val -65705"/>
+            </a:avLst>
+          </a:prstGeom>
+          <a:solidFill>
+            <a:schemeClr val="bg2"/>
+          </a:solidFill>
+          <a:ln>
+            <a:solidFill>
+              <a:schemeClr val="tx1"/>
+            </a:solidFill>
+          </a:ln>
+          <a:effectLst>
+            <a:outerShdw blurRad="50800" dist="38100" dir="2700000" algn="tl" rotWithShape="0">
+              <a:prstClr val="black">
+                <a:alpha val="40000"/>
+              </a:prstClr>
+            </a:outerShdw>
+          </a:effectLst>
+        </p:spPr>
+        <p:style>
+          <a:lnRef idx="2">
+            <a:schemeClr val="accent1">
+              <a:shade val="50000"/>
+            </a:schemeClr>
+          </a:lnRef>
+          <a:fillRef idx="1">
+            <a:schemeClr val="accent1"/>
+          </a:fillRef>
+          <a:effectRef idx="0">
+            <a:schemeClr val="accent1"/>
+          </a:effectRef>
+          <a:fontRef idx="minor">
+            <a:schemeClr val="lt1"/>
+          </a:fontRef>
+        </p:style>
+        <p:txBody>
+          <a:bodyPr rtlCol="0" anchor="t"/>
+          <a:lstStyle/>
+          <a:p>
+            <a:r>
               <a:rPr lang="en-US" sz="1400" b="1" dirty="0" smtClean="0">
                 <a:solidFill>
                   <a:schemeClr val="tx1"/>
                 </a:solidFill>
               </a:rPr>
-              <a:t>2</a:t>
-            </a:r>
-            <a:endParaRPr lang="en-US" sz="1400" b="1" dirty="0">
+              <a:t>String</a:t>
+            </a:r>
+            <a:endParaRPr lang="en-US" sz="1400" b="1" dirty="0" smtClean="0">
               <a:solidFill>
                 <a:schemeClr val="tx1"/>
               </a:solidFill>
@@ -4596,28 +5072,36 @@
       </p:sp>
       <p:sp>
         <p:nvSpPr>
-          <p:cNvPr id="24" name="Rounded Rectangle 23"/>
+          <p:cNvPr id="83" name="Rectangular Callout 82"/>
           <p:cNvSpPr/>
           <p:nvPr/>
         </p:nvSpPr>
         <p:spPr>
           <a:xfrm>
-            <a:off x="1905000" y="2743200"/>
-            <a:ext cx="1264024" cy="304800"/>
-          </a:xfrm>
-          <a:prstGeom prst="roundRect">
-            <a:avLst/>
+            <a:off x="7086600" y="4495800"/>
+            <a:ext cx="1600200" cy="990600"/>
+          </a:xfrm>
+          <a:prstGeom prst="wedgeRectCallout">
+            <a:avLst>
+              <a:gd name="adj1" fmla="val 5225"/>
+              <a:gd name="adj2" fmla="val -65705"/>
+            </a:avLst>
           </a:prstGeom>
           <a:solidFill>
-            <a:schemeClr val="bg1">
-              <a:lumMod val="85000"/>
-            </a:schemeClr>
+            <a:schemeClr val="bg2"/>
           </a:solidFill>
           <a:ln>
             <a:solidFill>
               <a:schemeClr val="tx1"/>
             </a:solidFill>
           </a:ln>
+          <a:effectLst>
+            <a:outerShdw blurRad="50800" dist="38100" dir="2700000" algn="tl" rotWithShape="0">
+              <a:prstClr val="black">
+                <a:alpha val="40000"/>
+              </a:prstClr>
+            </a:outerShdw>
+          </a:effectLst>
         </p:spPr>
         <p:style>
           <a:lnRef idx="2">
@@ -4636,19 +5120,18 @@
           </a:fontRef>
         </p:style>
         <p:txBody>
-          <a:bodyPr rtlCol="0" anchor="ctr"/>
-          <a:lstStyle/>
-          <a:p>
-            <a:pPr algn="ctr"/>
+          <a:bodyPr rtlCol="0" anchor="t"/>
+          <a:lstStyle/>
+          <a:p>
             <a:r>
               <a:rPr lang="en-US" sz="1400" b="1" dirty="0" smtClean="0">
                 <a:solidFill>
                   <a:schemeClr val="tx1"/>
                 </a:solidFill>
               </a:rPr>
-              <a:t>Red</a:t>
-            </a:r>
-            <a:endParaRPr lang="en-US" sz="1400" b="1" dirty="0">
+              <a:t>String</a:t>
+            </a:r>
+            <a:endParaRPr lang="en-US" sz="1400" b="1" dirty="0" smtClean="0">
               <a:solidFill>
                 <a:schemeClr val="tx1"/>
               </a:solidFill>
@@ -4656,1252 +5139,39 @@
           </a:p>
         </p:txBody>
       </p:sp>
-      <p:sp>
-        <p:nvSpPr>
-          <p:cNvPr id="25" name="Rounded Rectangle 24"/>
-          <p:cNvSpPr/>
+      <p:cxnSp>
+        <p:nvCxnSpPr>
+          <p:cNvPr id="20" name="Straight Connector 19"/>
+          <p:cNvCxnSpPr/>
           <p:nvPr/>
-        </p:nvSpPr>
-        <p:spPr>
-          <a:xfrm>
-            <a:off x="304800" y="3276600"/>
-            <a:ext cx="2971800" cy="609600"/>
-          </a:xfrm>
-          <a:prstGeom prst="roundRect">
+        </p:nvCxnSpPr>
+        <p:spPr>
+          <a:xfrm>
+            <a:off x="4598634" y="3048000"/>
+            <a:ext cx="0" cy="3505200"/>
+          </a:xfrm>
+          <a:prstGeom prst="line">
             <a:avLst/>
           </a:prstGeom>
-          <a:solidFill>
-            <a:schemeClr val="bg1">
-              <a:lumMod val="95000"/>
-            </a:schemeClr>
-          </a:solidFill>
           <a:ln>
-            <a:solidFill>
-              <a:schemeClr val="tx1"/>
-            </a:solidFill>
+            <a:prstDash val="dash"/>
           </a:ln>
         </p:spPr>
         <p:style>
-          <a:lnRef idx="2">
-            <a:schemeClr val="accent1">
-              <a:shade val="50000"/>
-            </a:schemeClr>
+          <a:lnRef idx="1">
+            <a:schemeClr val="accent1"/>
           </a:lnRef>
-          <a:fillRef idx="1">
+          <a:fillRef idx="0">
             <a:schemeClr val="accent1"/>
           </a:fillRef>
           <a:effectRef idx="0">
             <a:schemeClr val="accent1"/>
           </a:effectRef>
           <a:fontRef idx="minor">
-            <a:schemeClr val="lt1"/>
+            <a:schemeClr val="tx1"/>
           </a:fontRef>
         </p:style>
-        <p:txBody>
-          <a:bodyPr rtlCol="0" anchor="ctr"/>
-          <a:lstStyle/>
-          <a:p>
-            <a:pPr algn="ctr"/>
-            <a:endParaRPr lang="en-US" b="1" dirty="0">
-              <a:solidFill>
-                <a:schemeClr val="tx1"/>
-              </a:solidFill>
-            </a:endParaRPr>
-          </a:p>
-        </p:txBody>
-      </p:sp>
-      <p:sp>
-        <p:nvSpPr>
-          <p:cNvPr id="26" name="Rounded Rectangle 25"/>
-          <p:cNvSpPr/>
-          <p:nvPr/>
-        </p:nvSpPr>
-        <p:spPr>
-          <a:xfrm>
-            <a:off x="457200" y="3429000"/>
-            <a:ext cx="1295400" cy="312366"/>
-          </a:xfrm>
-          <a:prstGeom prst="roundRect">
-            <a:avLst/>
-          </a:prstGeom>
-          <a:solidFill>
-            <a:schemeClr val="bg1">
-              <a:lumMod val="85000"/>
-            </a:schemeClr>
-          </a:solidFill>
-          <a:ln>
-            <a:solidFill>
-              <a:schemeClr val="tx1"/>
-            </a:solidFill>
-          </a:ln>
-        </p:spPr>
-        <p:style>
-          <a:lnRef idx="2">
-            <a:schemeClr val="accent1">
-              <a:shade val="50000"/>
-            </a:schemeClr>
-          </a:lnRef>
-          <a:fillRef idx="1">
-            <a:schemeClr val="accent1"/>
-          </a:fillRef>
-          <a:effectRef idx="0">
-            <a:schemeClr val="accent1"/>
-          </a:effectRef>
-          <a:fontRef idx="minor">
-            <a:schemeClr val="lt1"/>
-          </a:fontRef>
-        </p:style>
-        <p:txBody>
-          <a:bodyPr rtlCol="0" anchor="ctr"/>
-          <a:lstStyle/>
-          <a:p>
-            <a:pPr algn="ctr"/>
-            <a:r>
-              <a:rPr lang="en-US" sz="1400" b="1" dirty="0" smtClean="0">
-                <a:solidFill>
-                  <a:schemeClr val="tx1"/>
-                </a:solidFill>
-              </a:rPr>
-              <a:t>3</a:t>
-            </a:r>
-            <a:endParaRPr lang="en-US" sz="1400" b="1" dirty="0">
-              <a:solidFill>
-                <a:schemeClr val="tx1"/>
-              </a:solidFill>
-            </a:endParaRPr>
-          </a:p>
-        </p:txBody>
-      </p:sp>
-      <p:sp>
-        <p:nvSpPr>
-          <p:cNvPr id="27" name="Rounded Rectangle 26"/>
-          <p:cNvSpPr/>
-          <p:nvPr/>
-        </p:nvSpPr>
-        <p:spPr>
-          <a:xfrm>
-            <a:off x="1905000" y="3429000"/>
-            <a:ext cx="1264024" cy="304800"/>
-          </a:xfrm>
-          <a:prstGeom prst="roundRect">
-            <a:avLst/>
-          </a:prstGeom>
-          <a:solidFill>
-            <a:schemeClr val="bg1">
-              <a:lumMod val="85000"/>
-            </a:schemeClr>
-          </a:solidFill>
-          <a:ln>
-            <a:solidFill>
-              <a:schemeClr val="tx1"/>
-            </a:solidFill>
-          </a:ln>
-        </p:spPr>
-        <p:style>
-          <a:lnRef idx="2">
-            <a:schemeClr val="accent1">
-              <a:shade val="50000"/>
-            </a:schemeClr>
-          </a:lnRef>
-          <a:fillRef idx="1">
-            <a:schemeClr val="accent1"/>
-          </a:fillRef>
-          <a:effectRef idx="0">
-            <a:schemeClr val="accent1"/>
-          </a:effectRef>
-          <a:fontRef idx="minor">
-            <a:schemeClr val="lt1"/>
-          </a:fontRef>
-        </p:style>
-        <p:txBody>
-          <a:bodyPr rtlCol="0" anchor="ctr"/>
-          <a:lstStyle/>
-          <a:p>
-            <a:pPr algn="ctr"/>
-            <a:r>
-              <a:rPr lang="en-US" sz="1400" b="1" dirty="0" smtClean="0">
-                <a:solidFill>
-                  <a:schemeClr val="tx1"/>
-                </a:solidFill>
-              </a:rPr>
-              <a:t>Fox</a:t>
-            </a:r>
-            <a:endParaRPr lang="en-US" sz="1400" b="1" dirty="0">
-              <a:solidFill>
-                <a:schemeClr val="tx1"/>
-              </a:solidFill>
-            </a:endParaRPr>
-          </a:p>
-        </p:txBody>
-      </p:sp>
-      <p:sp>
-        <p:nvSpPr>
-          <p:cNvPr id="28" name="Rounded Rectangle 27"/>
-          <p:cNvSpPr/>
-          <p:nvPr/>
-        </p:nvSpPr>
-        <p:spPr>
-          <a:xfrm>
-            <a:off x="304800" y="3962400"/>
-            <a:ext cx="2971800" cy="609600"/>
-          </a:xfrm>
-          <a:prstGeom prst="roundRect">
-            <a:avLst/>
-          </a:prstGeom>
-          <a:solidFill>
-            <a:schemeClr val="bg1">
-              <a:lumMod val="95000"/>
-            </a:schemeClr>
-          </a:solidFill>
-          <a:ln>
-            <a:solidFill>
-              <a:schemeClr val="tx1"/>
-            </a:solidFill>
-          </a:ln>
-        </p:spPr>
-        <p:style>
-          <a:lnRef idx="2">
-            <a:schemeClr val="accent1">
-              <a:shade val="50000"/>
-            </a:schemeClr>
-          </a:lnRef>
-          <a:fillRef idx="1">
-            <a:schemeClr val="accent1"/>
-          </a:fillRef>
-          <a:effectRef idx="0">
-            <a:schemeClr val="accent1"/>
-          </a:effectRef>
-          <a:fontRef idx="minor">
-            <a:schemeClr val="lt1"/>
-          </a:fontRef>
-        </p:style>
-        <p:txBody>
-          <a:bodyPr rtlCol="0" anchor="ctr"/>
-          <a:lstStyle/>
-          <a:p>
-            <a:pPr algn="ctr"/>
-            <a:endParaRPr lang="en-US" b="1" dirty="0">
-              <a:solidFill>
-                <a:schemeClr val="tx1"/>
-              </a:solidFill>
-            </a:endParaRPr>
-          </a:p>
-        </p:txBody>
-      </p:sp>
-      <p:sp>
-        <p:nvSpPr>
-          <p:cNvPr id="29" name="Rounded Rectangle 28"/>
-          <p:cNvSpPr/>
-          <p:nvPr/>
-        </p:nvSpPr>
-        <p:spPr>
-          <a:xfrm>
-            <a:off x="457200" y="4114800"/>
-            <a:ext cx="1295400" cy="312366"/>
-          </a:xfrm>
-          <a:prstGeom prst="roundRect">
-            <a:avLst/>
-          </a:prstGeom>
-          <a:solidFill>
-            <a:schemeClr val="bg1">
-              <a:lumMod val="85000"/>
-            </a:schemeClr>
-          </a:solidFill>
-          <a:ln>
-            <a:solidFill>
-              <a:schemeClr val="tx1"/>
-            </a:solidFill>
-          </a:ln>
-        </p:spPr>
-        <p:style>
-          <a:lnRef idx="2">
-            <a:schemeClr val="accent1">
-              <a:shade val="50000"/>
-            </a:schemeClr>
-          </a:lnRef>
-          <a:fillRef idx="1">
-            <a:schemeClr val="accent1"/>
-          </a:fillRef>
-          <a:effectRef idx="0">
-            <a:schemeClr val="accent1"/>
-          </a:effectRef>
-          <a:fontRef idx="minor">
-            <a:schemeClr val="lt1"/>
-          </a:fontRef>
-        </p:style>
-        <p:txBody>
-          <a:bodyPr rtlCol="0" anchor="ctr"/>
-          <a:lstStyle/>
-          <a:p>
-            <a:pPr algn="ctr"/>
-            <a:r>
-              <a:rPr lang="en-US" sz="1400" b="1" dirty="0" smtClean="0">
-                <a:solidFill>
-                  <a:schemeClr val="tx1"/>
-                </a:solidFill>
-              </a:rPr>
-              <a:t>4</a:t>
-            </a:r>
-            <a:endParaRPr lang="en-US" sz="1400" b="1" dirty="0">
-              <a:solidFill>
-                <a:schemeClr val="tx1"/>
-              </a:solidFill>
-            </a:endParaRPr>
-          </a:p>
-        </p:txBody>
-      </p:sp>
-      <p:sp>
-        <p:nvSpPr>
-          <p:cNvPr id="30" name="Rounded Rectangle 29"/>
-          <p:cNvSpPr/>
-          <p:nvPr/>
-        </p:nvSpPr>
-        <p:spPr>
-          <a:xfrm>
-            <a:off x="1905000" y="4114800"/>
-            <a:ext cx="1264024" cy="304800"/>
-          </a:xfrm>
-          <a:prstGeom prst="roundRect">
-            <a:avLst/>
-          </a:prstGeom>
-          <a:solidFill>
-            <a:schemeClr val="bg1">
-              <a:lumMod val="85000"/>
-            </a:schemeClr>
-          </a:solidFill>
-          <a:ln>
-            <a:solidFill>
-              <a:schemeClr val="tx1"/>
-            </a:solidFill>
-          </a:ln>
-        </p:spPr>
-        <p:style>
-          <a:lnRef idx="2">
-            <a:schemeClr val="accent1">
-              <a:shade val="50000"/>
-            </a:schemeClr>
-          </a:lnRef>
-          <a:fillRef idx="1">
-            <a:schemeClr val="accent1"/>
-          </a:fillRef>
-          <a:effectRef idx="0">
-            <a:schemeClr val="accent1"/>
-          </a:effectRef>
-          <a:fontRef idx="minor">
-            <a:schemeClr val="lt1"/>
-          </a:fontRef>
-        </p:style>
-        <p:txBody>
-          <a:bodyPr rtlCol="0" anchor="ctr"/>
-          <a:lstStyle/>
-          <a:p>
-            <a:pPr algn="ctr"/>
-            <a:r>
-              <a:rPr lang="en-US" sz="1400" b="1" dirty="0" smtClean="0">
-                <a:solidFill>
-                  <a:schemeClr val="tx1"/>
-                </a:solidFill>
-              </a:rPr>
-              <a:t>Jumps</a:t>
-            </a:r>
-            <a:endParaRPr lang="en-US" sz="1400" b="1" dirty="0">
-              <a:solidFill>
-                <a:schemeClr val="tx1"/>
-              </a:solidFill>
-            </a:endParaRPr>
-          </a:p>
-        </p:txBody>
-      </p:sp>
-      <p:sp>
-        <p:nvSpPr>
-          <p:cNvPr id="31" name="Rounded Rectangle 30"/>
-          <p:cNvSpPr/>
-          <p:nvPr/>
-        </p:nvSpPr>
-        <p:spPr>
-          <a:xfrm>
-            <a:off x="304800" y="4648200"/>
-            <a:ext cx="2971800" cy="609600"/>
-          </a:xfrm>
-          <a:prstGeom prst="roundRect">
-            <a:avLst/>
-          </a:prstGeom>
-          <a:solidFill>
-            <a:schemeClr val="bg1">
-              <a:lumMod val="95000"/>
-            </a:schemeClr>
-          </a:solidFill>
-          <a:ln>
-            <a:solidFill>
-              <a:schemeClr val="tx1"/>
-            </a:solidFill>
-          </a:ln>
-        </p:spPr>
-        <p:style>
-          <a:lnRef idx="2">
-            <a:schemeClr val="accent1">
-              <a:shade val="50000"/>
-            </a:schemeClr>
-          </a:lnRef>
-          <a:fillRef idx="1">
-            <a:schemeClr val="accent1"/>
-          </a:fillRef>
-          <a:effectRef idx="0">
-            <a:schemeClr val="accent1"/>
-          </a:effectRef>
-          <a:fontRef idx="minor">
-            <a:schemeClr val="lt1"/>
-          </a:fontRef>
-        </p:style>
-        <p:txBody>
-          <a:bodyPr rtlCol="0" anchor="ctr"/>
-          <a:lstStyle/>
-          <a:p>
-            <a:pPr algn="ctr"/>
-            <a:endParaRPr lang="en-US" b="1" dirty="0">
-              <a:solidFill>
-                <a:schemeClr val="tx1"/>
-              </a:solidFill>
-            </a:endParaRPr>
-          </a:p>
-        </p:txBody>
-      </p:sp>
-      <p:sp>
-        <p:nvSpPr>
-          <p:cNvPr id="32" name="Rounded Rectangle 31"/>
-          <p:cNvSpPr/>
-          <p:nvPr/>
-        </p:nvSpPr>
-        <p:spPr>
-          <a:xfrm>
-            <a:off x="457200" y="4800600"/>
-            <a:ext cx="1295400" cy="312366"/>
-          </a:xfrm>
-          <a:prstGeom prst="roundRect">
-            <a:avLst/>
-          </a:prstGeom>
-          <a:solidFill>
-            <a:schemeClr val="bg1">
-              <a:lumMod val="85000"/>
-            </a:schemeClr>
-          </a:solidFill>
-          <a:ln>
-            <a:solidFill>
-              <a:schemeClr val="tx1"/>
-            </a:solidFill>
-          </a:ln>
-        </p:spPr>
-        <p:style>
-          <a:lnRef idx="2">
-            <a:schemeClr val="accent1">
-              <a:shade val="50000"/>
-            </a:schemeClr>
-          </a:lnRef>
-          <a:fillRef idx="1">
-            <a:schemeClr val="accent1"/>
-          </a:fillRef>
-          <a:effectRef idx="0">
-            <a:schemeClr val="accent1"/>
-          </a:effectRef>
-          <a:fontRef idx="minor">
-            <a:schemeClr val="lt1"/>
-          </a:fontRef>
-        </p:style>
-        <p:txBody>
-          <a:bodyPr rtlCol="0" anchor="ctr"/>
-          <a:lstStyle/>
-          <a:p>
-            <a:pPr algn="ctr"/>
-            <a:r>
-              <a:rPr lang="en-US" sz="1400" b="1" dirty="0" smtClean="0">
-                <a:solidFill>
-                  <a:schemeClr val="tx1"/>
-                </a:solidFill>
-              </a:rPr>
-              <a:t>5</a:t>
-            </a:r>
-            <a:endParaRPr lang="en-US" sz="1400" b="1" dirty="0">
-              <a:solidFill>
-                <a:schemeClr val="tx1"/>
-              </a:solidFill>
-            </a:endParaRPr>
-          </a:p>
-        </p:txBody>
-      </p:sp>
-      <p:sp>
-        <p:nvSpPr>
-          <p:cNvPr id="33" name="Rounded Rectangle 32"/>
-          <p:cNvSpPr/>
-          <p:nvPr/>
-        </p:nvSpPr>
-        <p:spPr>
-          <a:xfrm>
-            <a:off x="1905000" y="4800600"/>
-            <a:ext cx="1264024" cy="304800"/>
-          </a:xfrm>
-          <a:prstGeom prst="roundRect">
-            <a:avLst/>
-          </a:prstGeom>
-          <a:solidFill>
-            <a:schemeClr val="bg1">
-              <a:lumMod val="85000"/>
-            </a:schemeClr>
-          </a:solidFill>
-          <a:ln>
-            <a:solidFill>
-              <a:schemeClr val="tx1"/>
-            </a:solidFill>
-          </a:ln>
-        </p:spPr>
-        <p:style>
-          <a:lnRef idx="2">
-            <a:schemeClr val="accent1">
-              <a:shade val="50000"/>
-            </a:schemeClr>
-          </a:lnRef>
-          <a:fillRef idx="1">
-            <a:schemeClr val="accent1"/>
-          </a:fillRef>
-          <a:effectRef idx="0">
-            <a:schemeClr val="accent1"/>
-          </a:effectRef>
-          <a:fontRef idx="minor">
-            <a:schemeClr val="lt1"/>
-          </a:fontRef>
-        </p:style>
-        <p:txBody>
-          <a:bodyPr rtlCol="0" anchor="ctr"/>
-          <a:lstStyle/>
-          <a:p>
-            <a:pPr algn="ctr"/>
-            <a:r>
-              <a:rPr lang="en-US" sz="1400" b="1" dirty="0" smtClean="0">
-                <a:solidFill>
-                  <a:schemeClr val="tx1"/>
-                </a:solidFill>
-              </a:rPr>
-              <a:t>Over</a:t>
-            </a:r>
-            <a:endParaRPr lang="en-US" sz="1400" b="1" dirty="0">
-              <a:solidFill>
-                <a:schemeClr val="tx1"/>
-              </a:solidFill>
-            </a:endParaRPr>
-          </a:p>
-        </p:txBody>
-      </p:sp>
-      <p:sp>
-        <p:nvSpPr>
-          <p:cNvPr id="34" name="Rounded Rectangle 33"/>
-          <p:cNvSpPr/>
-          <p:nvPr/>
-        </p:nvSpPr>
-        <p:spPr>
-          <a:xfrm>
-            <a:off x="304800" y="5334000"/>
-            <a:ext cx="2971800" cy="609600"/>
-          </a:xfrm>
-          <a:prstGeom prst="roundRect">
-            <a:avLst/>
-          </a:prstGeom>
-          <a:solidFill>
-            <a:schemeClr val="bg1">
-              <a:lumMod val="95000"/>
-            </a:schemeClr>
-          </a:solidFill>
-          <a:ln>
-            <a:solidFill>
-              <a:schemeClr val="tx1"/>
-            </a:solidFill>
-          </a:ln>
-        </p:spPr>
-        <p:style>
-          <a:lnRef idx="2">
-            <a:schemeClr val="accent1">
-              <a:shade val="50000"/>
-            </a:schemeClr>
-          </a:lnRef>
-          <a:fillRef idx="1">
-            <a:schemeClr val="accent1"/>
-          </a:fillRef>
-          <a:effectRef idx="0">
-            <a:schemeClr val="accent1"/>
-          </a:effectRef>
-          <a:fontRef idx="minor">
-            <a:schemeClr val="lt1"/>
-          </a:fontRef>
-        </p:style>
-        <p:txBody>
-          <a:bodyPr rtlCol="0" anchor="ctr"/>
-          <a:lstStyle/>
-          <a:p>
-            <a:pPr algn="ctr"/>
-            <a:endParaRPr lang="en-US" b="1" dirty="0">
-              <a:solidFill>
-                <a:schemeClr val="tx1"/>
-              </a:solidFill>
-            </a:endParaRPr>
-          </a:p>
-        </p:txBody>
-      </p:sp>
-      <p:sp>
-        <p:nvSpPr>
-          <p:cNvPr id="35" name="Rounded Rectangle 34"/>
-          <p:cNvSpPr/>
-          <p:nvPr/>
-        </p:nvSpPr>
-        <p:spPr>
-          <a:xfrm>
-            <a:off x="457200" y="5486400"/>
-            <a:ext cx="1295400" cy="312366"/>
-          </a:xfrm>
-          <a:prstGeom prst="roundRect">
-            <a:avLst/>
-          </a:prstGeom>
-          <a:solidFill>
-            <a:schemeClr val="bg1">
-              <a:lumMod val="85000"/>
-            </a:schemeClr>
-          </a:solidFill>
-          <a:ln>
-            <a:solidFill>
-              <a:schemeClr val="tx1"/>
-            </a:solidFill>
-          </a:ln>
-        </p:spPr>
-        <p:style>
-          <a:lnRef idx="2">
-            <a:schemeClr val="accent1">
-              <a:shade val="50000"/>
-            </a:schemeClr>
-          </a:lnRef>
-          <a:fillRef idx="1">
-            <a:schemeClr val="accent1"/>
-          </a:fillRef>
-          <a:effectRef idx="0">
-            <a:schemeClr val="accent1"/>
-          </a:effectRef>
-          <a:fontRef idx="minor">
-            <a:schemeClr val="lt1"/>
-          </a:fontRef>
-        </p:style>
-        <p:txBody>
-          <a:bodyPr rtlCol="0" anchor="ctr"/>
-          <a:lstStyle/>
-          <a:p>
-            <a:pPr algn="ctr"/>
-            <a:r>
-              <a:rPr lang="en-US" sz="1400" b="1" dirty="0" smtClean="0">
-                <a:solidFill>
-                  <a:schemeClr val="tx1"/>
-                </a:solidFill>
-              </a:rPr>
-              <a:t>6</a:t>
-            </a:r>
-            <a:endParaRPr lang="en-US" sz="1400" b="1" dirty="0">
-              <a:solidFill>
-                <a:schemeClr val="tx1"/>
-              </a:solidFill>
-            </a:endParaRPr>
-          </a:p>
-        </p:txBody>
-      </p:sp>
-      <p:sp>
-        <p:nvSpPr>
-          <p:cNvPr id="36" name="Rounded Rectangle 35"/>
-          <p:cNvSpPr/>
-          <p:nvPr/>
-        </p:nvSpPr>
-        <p:spPr>
-          <a:xfrm>
-            <a:off x="1905000" y="5486400"/>
-            <a:ext cx="1264024" cy="304800"/>
-          </a:xfrm>
-          <a:prstGeom prst="roundRect">
-            <a:avLst/>
-          </a:prstGeom>
-          <a:solidFill>
-            <a:schemeClr val="bg1">
-              <a:lumMod val="85000"/>
-            </a:schemeClr>
-          </a:solidFill>
-          <a:ln>
-            <a:solidFill>
-              <a:schemeClr val="tx1"/>
-            </a:solidFill>
-          </a:ln>
-        </p:spPr>
-        <p:style>
-          <a:lnRef idx="2">
-            <a:schemeClr val="accent1">
-              <a:shade val="50000"/>
-            </a:schemeClr>
-          </a:lnRef>
-          <a:fillRef idx="1">
-            <a:schemeClr val="accent1"/>
-          </a:fillRef>
-          <a:effectRef idx="0">
-            <a:schemeClr val="accent1"/>
-          </a:effectRef>
-          <a:fontRef idx="minor">
-            <a:schemeClr val="lt1"/>
-          </a:fontRef>
-        </p:style>
-        <p:txBody>
-          <a:bodyPr rtlCol="0" anchor="ctr"/>
-          <a:lstStyle/>
-          <a:p>
-            <a:pPr algn="ctr"/>
-            <a:r>
-              <a:rPr lang="en-US" sz="1400" b="1" dirty="0" smtClean="0">
-                <a:solidFill>
-                  <a:schemeClr val="tx1"/>
-                </a:solidFill>
-              </a:rPr>
-              <a:t>the</a:t>
-            </a:r>
-            <a:endParaRPr lang="en-US" sz="1400" b="1" dirty="0">
-              <a:solidFill>
-                <a:schemeClr val="tx1"/>
-              </a:solidFill>
-            </a:endParaRPr>
-          </a:p>
-        </p:txBody>
-      </p:sp>
-      <p:sp>
-        <p:nvSpPr>
-          <p:cNvPr id="37" name="Rounded Rectangle 36"/>
-          <p:cNvSpPr/>
-          <p:nvPr/>
-        </p:nvSpPr>
-        <p:spPr>
-          <a:xfrm>
-            <a:off x="304800" y="6019800"/>
-            <a:ext cx="2971800" cy="609600"/>
-          </a:xfrm>
-          <a:prstGeom prst="roundRect">
-            <a:avLst/>
-          </a:prstGeom>
-          <a:solidFill>
-            <a:schemeClr val="bg1">
-              <a:lumMod val="95000"/>
-            </a:schemeClr>
-          </a:solidFill>
-          <a:ln>
-            <a:solidFill>
-              <a:schemeClr val="tx1"/>
-            </a:solidFill>
-          </a:ln>
-        </p:spPr>
-        <p:style>
-          <a:lnRef idx="2">
-            <a:schemeClr val="accent1">
-              <a:shade val="50000"/>
-            </a:schemeClr>
-          </a:lnRef>
-          <a:fillRef idx="1">
-            <a:schemeClr val="accent1"/>
-          </a:fillRef>
-          <a:effectRef idx="0">
-            <a:schemeClr val="accent1"/>
-          </a:effectRef>
-          <a:fontRef idx="minor">
-            <a:schemeClr val="lt1"/>
-          </a:fontRef>
-        </p:style>
-        <p:txBody>
-          <a:bodyPr rtlCol="0" anchor="ctr"/>
-          <a:lstStyle/>
-          <a:p>
-            <a:pPr algn="ctr"/>
-            <a:endParaRPr lang="en-US" b="1" dirty="0">
-              <a:solidFill>
-                <a:schemeClr val="tx1"/>
-              </a:solidFill>
-            </a:endParaRPr>
-          </a:p>
-        </p:txBody>
-      </p:sp>
-      <p:sp>
-        <p:nvSpPr>
-          <p:cNvPr id="38" name="Rounded Rectangle 37"/>
-          <p:cNvSpPr/>
-          <p:nvPr/>
-        </p:nvSpPr>
-        <p:spPr>
-          <a:xfrm>
-            <a:off x="457200" y="6172200"/>
-            <a:ext cx="1295400" cy="312366"/>
-          </a:xfrm>
-          <a:prstGeom prst="roundRect">
-            <a:avLst/>
-          </a:prstGeom>
-          <a:solidFill>
-            <a:schemeClr val="bg1">
-              <a:lumMod val="85000"/>
-            </a:schemeClr>
-          </a:solidFill>
-          <a:ln>
-            <a:solidFill>
-              <a:schemeClr val="tx1"/>
-            </a:solidFill>
-          </a:ln>
-        </p:spPr>
-        <p:style>
-          <a:lnRef idx="2">
-            <a:schemeClr val="accent1">
-              <a:shade val="50000"/>
-            </a:schemeClr>
-          </a:lnRef>
-          <a:fillRef idx="1">
-            <a:schemeClr val="accent1"/>
-          </a:fillRef>
-          <a:effectRef idx="0">
-            <a:schemeClr val="accent1"/>
-          </a:effectRef>
-          <a:fontRef idx="minor">
-            <a:schemeClr val="lt1"/>
-          </a:fontRef>
-        </p:style>
-        <p:txBody>
-          <a:bodyPr rtlCol="0" anchor="ctr"/>
-          <a:lstStyle/>
-          <a:p>
-            <a:pPr algn="ctr"/>
-            <a:r>
-              <a:rPr lang="en-US" sz="1400" b="1" dirty="0" smtClean="0">
-                <a:solidFill>
-                  <a:schemeClr val="tx1"/>
-                </a:solidFill>
-              </a:rPr>
-              <a:t>7</a:t>
-            </a:r>
-            <a:endParaRPr lang="en-US" sz="1400" b="1" dirty="0">
-              <a:solidFill>
-                <a:schemeClr val="tx1"/>
-              </a:solidFill>
-            </a:endParaRPr>
-          </a:p>
-        </p:txBody>
-      </p:sp>
-      <p:sp>
-        <p:nvSpPr>
-          <p:cNvPr id="39" name="Rounded Rectangle 38"/>
-          <p:cNvSpPr/>
-          <p:nvPr/>
-        </p:nvSpPr>
-        <p:spPr>
-          <a:xfrm>
-            <a:off x="1905000" y="6172200"/>
-            <a:ext cx="1264024" cy="304800"/>
-          </a:xfrm>
-          <a:prstGeom prst="roundRect">
-            <a:avLst/>
-          </a:prstGeom>
-          <a:solidFill>
-            <a:schemeClr val="bg1">
-              <a:lumMod val="85000"/>
-            </a:schemeClr>
-          </a:solidFill>
-          <a:ln>
-            <a:solidFill>
-              <a:schemeClr val="tx1"/>
-            </a:solidFill>
-          </a:ln>
-        </p:spPr>
-        <p:style>
-          <a:lnRef idx="2">
-            <a:schemeClr val="accent1">
-              <a:shade val="50000"/>
-            </a:schemeClr>
-          </a:lnRef>
-          <a:fillRef idx="1">
-            <a:schemeClr val="accent1"/>
-          </a:fillRef>
-          <a:effectRef idx="0">
-            <a:schemeClr val="accent1"/>
-          </a:effectRef>
-          <a:fontRef idx="minor">
-            <a:schemeClr val="lt1"/>
-          </a:fontRef>
-        </p:style>
-        <p:txBody>
-          <a:bodyPr rtlCol="0" anchor="ctr"/>
-          <a:lstStyle/>
-          <a:p>
-            <a:pPr algn="ctr"/>
-            <a:r>
-              <a:rPr lang="en-US" sz="1400" b="1" dirty="0" smtClean="0">
-                <a:solidFill>
-                  <a:schemeClr val="tx1"/>
-                </a:solidFill>
-              </a:rPr>
-              <a:t>Lazy</a:t>
-            </a:r>
-            <a:endParaRPr lang="en-US" sz="1400" b="1" dirty="0">
-              <a:solidFill>
-                <a:schemeClr val="tx1"/>
-              </a:solidFill>
-            </a:endParaRPr>
-          </a:p>
-        </p:txBody>
-      </p:sp>
-      <p:sp>
-        <p:nvSpPr>
-          <p:cNvPr id="40" name="Rounded Rectangle 39"/>
-          <p:cNvSpPr/>
-          <p:nvPr/>
-        </p:nvSpPr>
-        <p:spPr>
-          <a:xfrm>
-            <a:off x="3581400" y="1219200"/>
-            <a:ext cx="2971800" cy="609600"/>
-          </a:xfrm>
-          <a:prstGeom prst="roundRect">
-            <a:avLst/>
-          </a:prstGeom>
-          <a:solidFill>
-            <a:schemeClr val="bg1">
-              <a:lumMod val="95000"/>
-            </a:schemeClr>
-          </a:solidFill>
-          <a:ln>
-            <a:solidFill>
-              <a:schemeClr val="tx1"/>
-            </a:solidFill>
-          </a:ln>
-        </p:spPr>
-        <p:style>
-          <a:lnRef idx="2">
-            <a:schemeClr val="accent1">
-              <a:shade val="50000"/>
-            </a:schemeClr>
-          </a:lnRef>
-          <a:fillRef idx="1">
-            <a:schemeClr val="accent1"/>
-          </a:fillRef>
-          <a:effectRef idx="0">
-            <a:schemeClr val="accent1"/>
-          </a:effectRef>
-          <a:fontRef idx="minor">
-            <a:schemeClr val="lt1"/>
-          </a:fontRef>
-        </p:style>
-        <p:txBody>
-          <a:bodyPr rtlCol="0" anchor="ctr"/>
-          <a:lstStyle/>
-          <a:p>
-            <a:pPr algn="ctr"/>
-            <a:endParaRPr lang="en-US" b="1" dirty="0">
-              <a:solidFill>
-                <a:schemeClr val="tx1"/>
-              </a:solidFill>
-            </a:endParaRPr>
-          </a:p>
-        </p:txBody>
-      </p:sp>
-      <p:sp>
-        <p:nvSpPr>
-          <p:cNvPr id="41" name="Rounded Rectangle 40"/>
-          <p:cNvSpPr/>
-          <p:nvPr/>
-        </p:nvSpPr>
-        <p:spPr>
-          <a:xfrm>
-            <a:off x="3733800" y="1371600"/>
-            <a:ext cx="1295400" cy="312366"/>
-          </a:xfrm>
-          <a:prstGeom prst="roundRect">
-            <a:avLst/>
-          </a:prstGeom>
-          <a:solidFill>
-            <a:schemeClr val="bg1">
-              <a:lumMod val="85000"/>
-            </a:schemeClr>
-          </a:solidFill>
-          <a:ln>
-            <a:solidFill>
-              <a:schemeClr val="tx1"/>
-            </a:solidFill>
-          </a:ln>
-        </p:spPr>
-        <p:style>
-          <a:lnRef idx="2">
-            <a:schemeClr val="accent1">
-              <a:shade val="50000"/>
-            </a:schemeClr>
-          </a:lnRef>
-          <a:fillRef idx="1">
-            <a:schemeClr val="accent1"/>
-          </a:fillRef>
-          <a:effectRef idx="0">
-            <a:schemeClr val="accent1"/>
-          </a:effectRef>
-          <a:fontRef idx="minor">
-            <a:schemeClr val="lt1"/>
-          </a:fontRef>
-        </p:style>
-        <p:txBody>
-          <a:bodyPr rtlCol="0" anchor="ctr"/>
-          <a:lstStyle/>
-          <a:p>
-            <a:pPr algn="ctr"/>
-            <a:r>
-              <a:rPr lang="en-US" sz="1400" b="1" dirty="0" smtClean="0">
-                <a:solidFill>
-                  <a:schemeClr val="tx1"/>
-                </a:solidFill>
-              </a:rPr>
-              <a:t>8</a:t>
-            </a:r>
-            <a:endParaRPr lang="en-US" sz="1400" b="1" dirty="0">
-              <a:solidFill>
-                <a:schemeClr val="tx1"/>
-              </a:solidFill>
-            </a:endParaRPr>
-          </a:p>
-        </p:txBody>
-      </p:sp>
-      <p:sp>
-        <p:nvSpPr>
-          <p:cNvPr id="42" name="Rounded Rectangle 41"/>
-          <p:cNvSpPr/>
-          <p:nvPr/>
-        </p:nvSpPr>
-        <p:spPr>
-          <a:xfrm>
-            <a:off x="5181600" y="1371600"/>
-            <a:ext cx="1264024" cy="304800"/>
-          </a:xfrm>
-          <a:prstGeom prst="roundRect">
-            <a:avLst/>
-          </a:prstGeom>
-          <a:solidFill>
-            <a:schemeClr val="bg1">
-              <a:lumMod val="85000"/>
-            </a:schemeClr>
-          </a:solidFill>
-          <a:ln>
-            <a:solidFill>
-              <a:schemeClr val="tx1"/>
-            </a:solidFill>
-          </a:ln>
-        </p:spPr>
-        <p:style>
-          <a:lnRef idx="2">
-            <a:schemeClr val="accent1">
-              <a:shade val="50000"/>
-            </a:schemeClr>
-          </a:lnRef>
-          <a:fillRef idx="1">
-            <a:schemeClr val="accent1"/>
-          </a:fillRef>
-          <a:effectRef idx="0">
-            <a:schemeClr val="accent1"/>
-          </a:effectRef>
-          <a:fontRef idx="minor">
-            <a:schemeClr val="lt1"/>
-          </a:fontRef>
-        </p:style>
-        <p:txBody>
-          <a:bodyPr rtlCol="0" anchor="ctr"/>
-          <a:lstStyle/>
-          <a:p>
-            <a:pPr algn="ctr"/>
-            <a:r>
-              <a:rPr lang="en-US" sz="1400" b="1" dirty="0" smtClean="0">
-                <a:solidFill>
-                  <a:schemeClr val="tx1"/>
-                </a:solidFill>
-              </a:rPr>
-              <a:t>Brown</a:t>
-            </a:r>
-            <a:endParaRPr lang="en-US" sz="1400" b="1" dirty="0">
-              <a:solidFill>
-                <a:schemeClr val="tx1"/>
-              </a:solidFill>
-            </a:endParaRPr>
-          </a:p>
-        </p:txBody>
-      </p:sp>
-      <p:sp>
-        <p:nvSpPr>
-          <p:cNvPr id="43" name="Rounded Rectangle 42"/>
-          <p:cNvSpPr/>
-          <p:nvPr/>
-        </p:nvSpPr>
-        <p:spPr>
-          <a:xfrm>
-            <a:off x="3581400" y="1905000"/>
-            <a:ext cx="2971800" cy="609600"/>
-          </a:xfrm>
-          <a:prstGeom prst="roundRect">
-            <a:avLst/>
-          </a:prstGeom>
-          <a:solidFill>
-            <a:schemeClr val="bg1">
-              <a:lumMod val="95000"/>
-            </a:schemeClr>
-          </a:solidFill>
-          <a:ln>
-            <a:solidFill>
-              <a:schemeClr val="tx1"/>
-            </a:solidFill>
-          </a:ln>
-        </p:spPr>
-        <p:style>
-          <a:lnRef idx="2">
-            <a:schemeClr val="accent1">
-              <a:shade val="50000"/>
-            </a:schemeClr>
-          </a:lnRef>
-          <a:fillRef idx="1">
-            <a:schemeClr val="accent1"/>
-          </a:fillRef>
-          <a:effectRef idx="0">
-            <a:schemeClr val="accent1"/>
-          </a:effectRef>
-          <a:fontRef idx="minor">
-            <a:schemeClr val="lt1"/>
-          </a:fontRef>
-        </p:style>
-        <p:txBody>
-          <a:bodyPr rtlCol="0" anchor="ctr"/>
-          <a:lstStyle/>
-          <a:p>
-            <a:pPr algn="ctr"/>
-            <a:endParaRPr lang="en-US" b="1" dirty="0">
-              <a:solidFill>
-                <a:schemeClr val="tx1"/>
-              </a:solidFill>
-            </a:endParaRPr>
-          </a:p>
-        </p:txBody>
-      </p:sp>
-      <p:sp>
-        <p:nvSpPr>
-          <p:cNvPr id="44" name="Rounded Rectangle 43"/>
-          <p:cNvSpPr/>
-          <p:nvPr/>
-        </p:nvSpPr>
-        <p:spPr>
-          <a:xfrm>
-            <a:off x="3733800" y="2057400"/>
-            <a:ext cx="1295400" cy="312366"/>
-          </a:xfrm>
-          <a:prstGeom prst="roundRect">
-            <a:avLst/>
-          </a:prstGeom>
-          <a:solidFill>
-            <a:schemeClr val="bg1">
-              <a:lumMod val="85000"/>
-            </a:schemeClr>
-          </a:solidFill>
-          <a:ln>
-            <a:solidFill>
-              <a:schemeClr val="tx1"/>
-            </a:solidFill>
-          </a:ln>
-        </p:spPr>
-        <p:style>
-          <a:lnRef idx="2">
-            <a:schemeClr val="accent1">
-              <a:shade val="50000"/>
-            </a:schemeClr>
-          </a:lnRef>
-          <a:fillRef idx="1">
-            <a:schemeClr val="accent1"/>
-          </a:fillRef>
-          <a:effectRef idx="0">
-            <a:schemeClr val="accent1"/>
-          </a:effectRef>
-          <a:fontRef idx="minor">
-            <a:schemeClr val="lt1"/>
-          </a:fontRef>
-        </p:style>
-        <p:txBody>
-          <a:bodyPr rtlCol="0" anchor="ctr"/>
-          <a:lstStyle/>
-          <a:p>
-            <a:pPr algn="ctr"/>
-            <a:r>
-              <a:rPr lang="en-US" sz="1400" b="1" dirty="0" smtClean="0">
-                <a:solidFill>
-                  <a:schemeClr val="tx1"/>
-                </a:solidFill>
-              </a:rPr>
-              <a:t>9</a:t>
-            </a:r>
-            <a:endParaRPr lang="en-US" sz="1400" b="1" dirty="0">
-              <a:solidFill>
-                <a:schemeClr val="tx1"/>
-              </a:solidFill>
-            </a:endParaRPr>
-          </a:p>
-        </p:txBody>
-      </p:sp>
-      <p:sp>
-        <p:nvSpPr>
-          <p:cNvPr id="45" name="Rounded Rectangle 44"/>
-          <p:cNvSpPr/>
-          <p:nvPr/>
-        </p:nvSpPr>
-        <p:spPr>
-          <a:xfrm>
-            <a:off x="5181600" y="2057400"/>
-            <a:ext cx="1264024" cy="304800"/>
-          </a:xfrm>
-          <a:prstGeom prst="roundRect">
-            <a:avLst/>
-          </a:prstGeom>
-          <a:solidFill>
-            <a:schemeClr val="bg1">
-              <a:lumMod val="85000"/>
-            </a:schemeClr>
-          </a:solidFill>
-          <a:ln>
-            <a:solidFill>
-              <a:schemeClr val="tx1"/>
-            </a:solidFill>
-          </a:ln>
-        </p:spPr>
-        <p:style>
-          <a:lnRef idx="2">
-            <a:schemeClr val="accent1">
-              <a:shade val="50000"/>
-            </a:schemeClr>
-          </a:lnRef>
-          <a:fillRef idx="1">
-            <a:schemeClr val="accent1"/>
-          </a:fillRef>
-          <a:effectRef idx="0">
-            <a:schemeClr val="accent1"/>
-          </a:effectRef>
-          <a:fontRef idx="minor">
-            <a:schemeClr val="lt1"/>
-          </a:fontRef>
-        </p:style>
-        <p:txBody>
-          <a:bodyPr rtlCol="0" anchor="ctr"/>
-          <a:lstStyle/>
-          <a:p>
-            <a:pPr algn="ctr"/>
-            <a:r>
-              <a:rPr lang="en-US" sz="1400" b="1" dirty="0" smtClean="0">
-                <a:solidFill>
-                  <a:schemeClr val="tx1"/>
-                </a:solidFill>
-              </a:rPr>
-              <a:t>Dog</a:t>
-            </a:r>
-            <a:endParaRPr lang="en-US" sz="1400" b="1" dirty="0">
-              <a:solidFill>
-                <a:schemeClr val="tx1"/>
-              </a:solidFill>
-            </a:endParaRPr>
-          </a:p>
-        </p:txBody>
-      </p:sp>
+      </p:cxnSp>
     </p:spTree>
   </p:cSld>
   <p:clrMapOvr>
@@ -5927,6 +5197,1365 @@
           <a:chExt cx="0" cy="0"/>
         </a:xfrm>
       </p:grpSpPr>
+      <p:grpSp>
+        <p:nvGrpSpPr>
+          <p:cNvPr id="27" name="Group 26"/>
+          <p:cNvGrpSpPr/>
+          <p:nvPr/>
+        </p:nvGrpSpPr>
+        <p:grpSpPr>
+          <a:xfrm>
+            <a:off x="152400" y="152400"/>
+            <a:ext cx="4648200" cy="1752600"/>
+            <a:chOff x="152400" y="152400"/>
+            <a:chExt cx="4648200" cy="1752600"/>
+          </a:xfrm>
+        </p:grpSpPr>
+        <p:sp>
+          <p:nvSpPr>
+            <p:cNvPr id="62" name="Rounded Rectangle 61"/>
+            <p:cNvSpPr/>
+            <p:nvPr/>
+          </p:nvSpPr>
+          <p:spPr>
+            <a:xfrm>
+              <a:off x="609600" y="838200"/>
+              <a:ext cx="4038600" cy="762000"/>
+            </a:xfrm>
+            <a:prstGeom prst="roundRect">
+              <a:avLst/>
+            </a:prstGeom>
+            <a:solidFill>
+              <a:schemeClr val="bg1">
+                <a:lumMod val="95000"/>
+              </a:schemeClr>
+            </a:solidFill>
+            <a:ln>
+              <a:solidFill>
+                <a:schemeClr val="tx1"/>
+              </a:solidFill>
+            </a:ln>
+          </p:spPr>
+          <p:style>
+            <a:lnRef idx="2">
+              <a:schemeClr val="accent1">
+                <a:shade val="50000"/>
+              </a:schemeClr>
+            </a:lnRef>
+            <a:fillRef idx="1">
+              <a:schemeClr val="accent1"/>
+            </a:fillRef>
+            <a:effectRef idx="0">
+              <a:schemeClr val="accent1"/>
+            </a:effectRef>
+            <a:fontRef idx="minor">
+              <a:schemeClr val="lt1"/>
+            </a:fontRef>
+          </p:style>
+          <p:txBody>
+            <a:bodyPr rtlCol="0" anchor="ctr"/>
+            <a:lstStyle/>
+            <a:p>
+              <a:pPr algn="ctr"/>
+              <a:endParaRPr lang="en-US" b="1" dirty="0">
+                <a:solidFill>
+                  <a:schemeClr val="tx1"/>
+                </a:solidFill>
+              </a:endParaRPr>
+            </a:p>
+          </p:txBody>
+        </p:sp>
+        <p:sp>
+          <p:nvSpPr>
+            <p:cNvPr id="57" name="Rounded Rectangle 56"/>
+            <p:cNvSpPr/>
+            <p:nvPr/>
+          </p:nvSpPr>
+          <p:spPr>
+            <a:xfrm>
+              <a:off x="762000" y="990600"/>
+              <a:ext cx="1790700" cy="431800"/>
+            </a:xfrm>
+            <a:prstGeom prst="roundRect">
+              <a:avLst/>
+            </a:prstGeom>
+            <a:solidFill>
+              <a:schemeClr val="bg1">
+                <a:lumMod val="85000"/>
+              </a:schemeClr>
+            </a:solidFill>
+            <a:ln>
+              <a:solidFill>
+                <a:schemeClr val="tx1"/>
+              </a:solidFill>
+            </a:ln>
+          </p:spPr>
+          <p:style>
+            <a:lnRef idx="2">
+              <a:schemeClr val="accent1">
+                <a:shade val="50000"/>
+              </a:schemeClr>
+            </a:lnRef>
+            <a:fillRef idx="1">
+              <a:schemeClr val="accent1"/>
+            </a:fillRef>
+            <a:effectRef idx="0">
+              <a:schemeClr val="accent1"/>
+            </a:effectRef>
+            <a:fontRef idx="minor">
+              <a:schemeClr val="lt1"/>
+            </a:fontRef>
+          </p:style>
+          <p:txBody>
+            <a:bodyPr rtlCol="0" anchor="ctr"/>
+            <a:lstStyle/>
+            <a:p>
+              <a:pPr algn="ctr"/>
+              <a:r>
+                <a:rPr lang="en-US" b="1" dirty="0" smtClean="0">
+                  <a:solidFill>
+                    <a:schemeClr val="tx1"/>
+                  </a:solidFill>
+                </a:rPr>
+                <a:t>Key</a:t>
+              </a:r>
+              <a:endParaRPr lang="en-US" b="1" dirty="0">
+                <a:solidFill>
+                  <a:schemeClr val="tx1"/>
+                </a:solidFill>
+              </a:endParaRPr>
+            </a:p>
+          </p:txBody>
+        </p:sp>
+        <p:sp>
+          <p:nvSpPr>
+            <p:cNvPr id="60" name="Rounded Rectangle 59"/>
+            <p:cNvSpPr/>
+            <p:nvPr/>
+          </p:nvSpPr>
+          <p:spPr>
+            <a:xfrm>
+              <a:off x="2667000" y="990600"/>
+              <a:ext cx="1790700" cy="431800"/>
+            </a:xfrm>
+            <a:prstGeom prst="roundRect">
+              <a:avLst/>
+            </a:prstGeom>
+            <a:solidFill>
+              <a:schemeClr val="bg1">
+                <a:lumMod val="85000"/>
+              </a:schemeClr>
+            </a:solidFill>
+            <a:ln>
+              <a:solidFill>
+                <a:schemeClr val="tx1"/>
+              </a:solidFill>
+            </a:ln>
+          </p:spPr>
+          <p:style>
+            <a:lnRef idx="2">
+              <a:schemeClr val="accent1">
+                <a:shade val="50000"/>
+              </a:schemeClr>
+            </a:lnRef>
+            <a:fillRef idx="1">
+              <a:schemeClr val="accent1"/>
+            </a:fillRef>
+            <a:effectRef idx="0">
+              <a:schemeClr val="accent1"/>
+            </a:effectRef>
+            <a:fontRef idx="minor">
+              <a:schemeClr val="lt1"/>
+            </a:fontRef>
+          </p:style>
+          <p:txBody>
+            <a:bodyPr rtlCol="0" anchor="ctr"/>
+            <a:lstStyle/>
+            <a:p>
+              <a:pPr algn="ctr"/>
+              <a:r>
+                <a:rPr lang="en-US" b="1" dirty="0" smtClean="0">
+                  <a:solidFill>
+                    <a:schemeClr val="tx1"/>
+                  </a:solidFill>
+                </a:rPr>
+                <a:t>Value</a:t>
+              </a:r>
+              <a:endParaRPr lang="en-US" b="1" dirty="0">
+                <a:solidFill>
+                  <a:schemeClr val="tx1"/>
+                </a:solidFill>
+              </a:endParaRPr>
+            </a:p>
+          </p:txBody>
+        </p:sp>
+        <p:sp>
+          <p:nvSpPr>
+            <p:cNvPr id="68" name="Rectangular Callout 67"/>
+            <p:cNvSpPr/>
+            <p:nvPr/>
+          </p:nvSpPr>
+          <p:spPr>
+            <a:xfrm>
+              <a:off x="304800" y="1524000"/>
+              <a:ext cx="2133600" cy="381000"/>
+            </a:xfrm>
+            <a:prstGeom prst="wedgeRectCallout">
+              <a:avLst>
+                <a:gd name="adj1" fmla="val 13558"/>
+                <a:gd name="adj2" fmla="val -65705"/>
+              </a:avLst>
+            </a:prstGeom>
+            <a:solidFill>
+              <a:schemeClr val="bg2"/>
+            </a:solidFill>
+            <a:ln>
+              <a:solidFill>
+                <a:schemeClr val="tx1"/>
+              </a:solidFill>
+            </a:ln>
+            <a:effectLst>
+              <a:outerShdw blurRad="50800" dist="38100" dir="2700000" algn="tl" rotWithShape="0">
+                <a:prstClr val="black">
+                  <a:alpha val="40000"/>
+                </a:prstClr>
+              </a:outerShdw>
+            </a:effectLst>
+          </p:spPr>
+          <p:style>
+            <a:lnRef idx="2">
+              <a:schemeClr val="accent1">
+                <a:shade val="50000"/>
+              </a:schemeClr>
+            </a:lnRef>
+            <a:fillRef idx="1">
+              <a:schemeClr val="accent1"/>
+            </a:fillRef>
+            <a:effectRef idx="0">
+              <a:schemeClr val="accent1"/>
+            </a:effectRef>
+            <a:fontRef idx="minor">
+              <a:schemeClr val="lt1"/>
+            </a:fontRef>
+          </p:style>
+          <p:txBody>
+            <a:bodyPr rtlCol="0" anchor="t"/>
+            <a:lstStyle/>
+            <a:p>
+              <a:r>
+                <a:rPr lang="en-US" sz="1400" b="1" dirty="0" smtClean="0">
+                  <a:solidFill>
+                    <a:schemeClr val="tx1"/>
+                  </a:solidFill>
+                </a:rPr>
+                <a:t>Default: </a:t>
+              </a:r>
+              <a:r>
+                <a:rPr lang="en-US" sz="1400" b="1" dirty="0" smtClean="0">
+                  <a:solidFill>
+                    <a:schemeClr val="tx1"/>
+                  </a:solidFill>
+                </a:rPr>
+                <a:t>String</a:t>
+              </a:r>
+              <a:endParaRPr lang="en-US" sz="1400" b="1" dirty="0" smtClean="0">
+                <a:solidFill>
+                  <a:schemeClr val="tx1"/>
+                </a:solidFill>
+              </a:endParaRPr>
+            </a:p>
+          </p:txBody>
+        </p:sp>
+        <p:sp>
+          <p:nvSpPr>
+            <p:cNvPr id="70" name="Rectangular Callout 69"/>
+            <p:cNvSpPr/>
+            <p:nvPr/>
+          </p:nvSpPr>
+          <p:spPr>
+            <a:xfrm>
+              <a:off x="2667000" y="1524000"/>
+              <a:ext cx="2133600" cy="381000"/>
+            </a:xfrm>
+            <a:prstGeom prst="wedgeRectCallout">
+              <a:avLst>
+                <a:gd name="adj1" fmla="val -9061"/>
+                <a:gd name="adj2" fmla="val -68269"/>
+              </a:avLst>
+            </a:prstGeom>
+            <a:solidFill>
+              <a:schemeClr val="bg2"/>
+            </a:solidFill>
+            <a:ln>
+              <a:solidFill>
+                <a:schemeClr val="tx1"/>
+              </a:solidFill>
+            </a:ln>
+            <a:effectLst>
+              <a:outerShdw blurRad="50800" dist="38100" dir="2700000" algn="tl" rotWithShape="0">
+                <a:prstClr val="black">
+                  <a:alpha val="40000"/>
+                </a:prstClr>
+              </a:outerShdw>
+            </a:effectLst>
+          </p:spPr>
+          <p:style>
+            <a:lnRef idx="2">
+              <a:schemeClr val="accent1">
+                <a:shade val="50000"/>
+              </a:schemeClr>
+            </a:lnRef>
+            <a:fillRef idx="1">
+              <a:schemeClr val="accent1"/>
+            </a:fillRef>
+            <a:effectRef idx="0">
+              <a:schemeClr val="accent1"/>
+            </a:effectRef>
+            <a:fontRef idx="minor">
+              <a:schemeClr val="lt1"/>
+            </a:fontRef>
+          </p:style>
+          <p:txBody>
+            <a:bodyPr rtlCol="0" anchor="t"/>
+            <a:lstStyle/>
+            <a:p>
+              <a:r>
+                <a:rPr lang="en-US" sz="1400" b="1" dirty="0" smtClean="0">
+                  <a:solidFill>
+                    <a:schemeClr val="tx1"/>
+                  </a:solidFill>
+                </a:rPr>
+                <a:t>String</a:t>
+              </a:r>
+              <a:endParaRPr lang="en-US" sz="1400" b="1" dirty="0" smtClean="0">
+                <a:solidFill>
+                  <a:schemeClr val="tx1"/>
+                </a:solidFill>
+              </a:endParaRPr>
+            </a:p>
+          </p:txBody>
+        </p:sp>
+        <p:sp>
+          <p:nvSpPr>
+            <p:cNvPr id="72" name="TextBox 71"/>
+            <p:cNvSpPr txBox="1"/>
+            <p:nvPr/>
+          </p:nvSpPr>
+          <p:spPr>
+            <a:xfrm>
+              <a:off x="152400" y="152400"/>
+              <a:ext cx="3962400" cy="461665"/>
+            </a:xfrm>
+            <a:prstGeom prst="rect">
+              <a:avLst/>
+            </a:prstGeom>
+            <a:noFill/>
+          </p:spPr>
+          <p:txBody>
+            <a:bodyPr wrap="square" rtlCol="0">
+              <a:spAutoFit/>
+            </a:bodyPr>
+            <a:lstStyle/>
+            <a:p>
+              <a:r>
+                <a:rPr lang="en-US" sz="2400" dirty="0" smtClean="0"/>
+                <a:t>Data </a:t>
+              </a:r>
+              <a:r>
+                <a:rPr lang="en-US" sz="2400" dirty="0" smtClean="0"/>
+                <a:t>Type: </a:t>
+              </a:r>
+              <a:r>
+                <a:rPr lang="en-US" sz="2400" dirty="0" err="1" smtClean="0"/>
+                <a:t>HoopStringKV</a:t>
+              </a:r>
+              <a:endParaRPr lang="en-US" sz="2400" dirty="0"/>
+            </a:p>
+          </p:txBody>
+        </p:sp>
+      </p:grpSp>
+      <p:grpSp>
+        <p:nvGrpSpPr>
+          <p:cNvPr id="28" name="Group 27"/>
+          <p:cNvGrpSpPr/>
+          <p:nvPr/>
+        </p:nvGrpSpPr>
+        <p:grpSpPr>
+          <a:xfrm>
+            <a:off x="152400" y="2286000"/>
+            <a:ext cx="4648200" cy="1752600"/>
+            <a:chOff x="152400" y="152400"/>
+            <a:chExt cx="4648200" cy="1752600"/>
+          </a:xfrm>
+        </p:grpSpPr>
+        <p:sp>
+          <p:nvSpPr>
+            <p:cNvPr id="29" name="Rounded Rectangle 28"/>
+            <p:cNvSpPr/>
+            <p:nvPr/>
+          </p:nvSpPr>
+          <p:spPr>
+            <a:xfrm>
+              <a:off x="609600" y="838200"/>
+              <a:ext cx="4038600" cy="762000"/>
+            </a:xfrm>
+            <a:prstGeom prst="roundRect">
+              <a:avLst/>
+            </a:prstGeom>
+            <a:solidFill>
+              <a:schemeClr val="bg1">
+                <a:lumMod val="95000"/>
+              </a:schemeClr>
+            </a:solidFill>
+            <a:ln>
+              <a:solidFill>
+                <a:schemeClr val="tx1"/>
+              </a:solidFill>
+            </a:ln>
+          </p:spPr>
+          <p:style>
+            <a:lnRef idx="2">
+              <a:schemeClr val="accent1">
+                <a:shade val="50000"/>
+              </a:schemeClr>
+            </a:lnRef>
+            <a:fillRef idx="1">
+              <a:schemeClr val="accent1"/>
+            </a:fillRef>
+            <a:effectRef idx="0">
+              <a:schemeClr val="accent1"/>
+            </a:effectRef>
+            <a:fontRef idx="minor">
+              <a:schemeClr val="lt1"/>
+            </a:fontRef>
+          </p:style>
+          <p:txBody>
+            <a:bodyPr rtlCol="0" anchor="ctr"/>
+            <a:lstStyle/>
+            <a:p>
+              <a:pPr algn="ctr"/>
+              <a:endParaRPr lang="en-US" b="1" dirty="0">
+                <a:solidFill>
+                  <a:schemeClr val="tx1"/>
+                </a:solidFill>
+              </a:endParaRPr>
+            </a:p>
+          </p:txBody>
+        </p:sp>
+        <p:sp>
+          <p:nvSpPr>
+            <p:cNvPr id="30" name="Rounded Rectangle 29"/>
+            <p:cNvSpPr/>
+            <p:nvPr/>
+          </p:nvSpPr>
+          <p:spPr>
+            <a:xfrm>
+              <a:off x="762000" y="990600"/>
+              <a:ext cx="1790700" cy="431800"/>
+            </a:xfrm>
+            <a:prstGeom prst="roundRect">
+              <a:avLst/>
+            </a:prstGeom>
+            <a:solidFill>
+              <a:schemeClr val="bg1">
+                <a:lumMod val="85000"/>
+              </a:schemeClr>
+            </a:solidFill>
+            <a:ln>
+              <a:solidFill>
+                <a:schemeClr val="tx1"/>
+              </a:solidFill>
+            </a:ln>
+          </p:spPr>
+          <p:style>
+            <a:lnRef idx="2">
+              <a:schemeClr val="accent1">
+                <a:shade val="50000"/>
+              </a:schemeClr>
+            </a:lnRef>
+            <a:fillRef idx="1">
+              <a:schemeClr val="accent1"/>
+            </a:fillRef>
+            <a:effectRef idx="0">
+              <a:schemeClr val="accent1"/>
+            </a:effectRef>
+            <a:fontRef idx="minor">
+              <a:schemeClr val="lt1"/>
+            </a:fontRef>
+          </p:style>
+          <p:txBody>
+            <a:bodyPr rtlCol="0" anchor="ctr"/>
+            <a:lstStyle/>
+            <a:p>
+              <a:pPr algn="ctr"/>
+              <a:r>
+                <a:rPr lang="en-US" b="1" dirty="0" smtClean="0">
+                  <a:solidFill>
+                    <a:schemeClr val="tx1"/>
+                  </a:solidFill>
+                </a:rPr>
+                <a:t>Key</a:t>
+              </a:r>
+              <a:endParaRPr lang="en-US" b="1" dirty="0">
+                <a:solidFill>
+                  <a:schemeClr val="tx1"/>
+                </a:solidFill>
+              </a:endParaRPr>
+            </a:p>
+          </p:txBody>
+        </p:sp>
+        <p:sp>
+          <p:nvSpPr>
+            <p:cNvPr id="31" name="Rounded Rectangle 30"/>
+            <p:cNvSpPr/>
+            <p:nvPr/>
+          </p:nvSpPr>
+          <p:spPr>
+            <a:xfrm>
+              <a:off x="2667000" y="990600"/>
+              <a:ext cx="1790700" cy="431800"/>
+            </a:xfrm>
+            <a:prstGeom prst="roundRect">
+              <a:avLst/>
+            </a:prstGeom>
+            <a:solidFill>
+              <a:schemeClr val="bg1">
+                <a:lumMod val="85000"/>
+              </a:schemeClr>
+            </a:solidFill>
+            <a:ln>
+              <a:solidFill>
+                <a:schemeClr val="tx1"/>
+              </a:solidFill>
+            </a:ln>
+          </p:spPr>
+          <p:style>
+            <a:lnRef idx="2">
+              <a:schemeClr val="accent1">
+                <a:shade val="50000"/>
+              </a:schemeClr>
+            </a:lnRef>
+            <a:fillRef idx="1">
+              <a:schemeClr val="accent1"/>
+            </a:fillRef>
+            <a:effectRef idx="0">
+              <a:schemeClr val="accent1"/>
+            </a:effectRef>
+            <a:fontRef idx="minor">
+              <a:schemeClr val="lt1"/>
+            </a:fontRef>
+          </p:style>
+          <p:txBody>
+            <a:bodyPr rtlCol="0" anchor="ctr"/>
+            <a:lstStyle/>
+            <a:p>
+              <a:pPr algn="ctr"/>
+              <a:r>
+                <a:rPr lang="en-US" b="1" dirty="0" smtClean="0">
+                  <a:solidFill>
+                    <a:schemeClr val="tx1"/>
+                  </a:solidFill>
+                </a:rPr>
+                <a:t>Value</a:t>
+              </a:r>
+              <a:endParaRPr lang="en-US" b="1" dirty="0">
+                <a:solidFill>
+                  <a:schemeClr val="tx1"/>
+                </a:solidFill>
+              </a:endParaRPr>
+            </a:p>
+          </p:txBody>
+        </p:sp>
+        <p:sp>
+          <p:nvSpPr>
+            <p:cNvPr id="32" name="Rectangular Callout 31"/>
+            <p:cNvSpPr/>
+            <p:nvPr/>
+          </p:nvSpPr>
+          <p:spPr>
+            <a:xfrm>
+              <a:off x="304800" y="1524000"/>
+              <a:ext cx="2133600" cy="381000"/>
+            </a:xfrm>
+            <a:prstGeom prst="wedgeRectCallout">
+              <a:avLst>
+                <a:gd name="adj1" fmla="val 13558"/>
+                <a:gd name="adj2" fmla="val -65705"/>
+              </a:avLst>
+            </a:prstGeom>
+            <a:solidFill>
+              <a:schemeClr val="bg2"/>
+            </a:solidFill>
+            <a:ln>
+              <a:solidFill>
+                <a:schemeClr val="tx1"/>
+              </a:solidFill>
+            </a:ln>
+            <a:effectLst>
+              <a:outerShdw blurRad="50800" dist="38100" dir="2700000" algn="tl" rotWithShape="0">
+                <a:prstClr val="black">
+                  <a:alpha val="40000"/>
+                </a:prstClr>
+              </a:outerShdw>
+            </a:effectLst>
+          </p:spPr>
+          <p:style>
+            <a:lnRef idx="2">
+              <a:schemeClr val="accent1">
+                <a:shade val="50000"/>
+              </a:schemeClr>
+            </a:lnRef>
+            <a:fillRef idx="1">
+              <a:schemeClr val="accent1"/>
+            </a:fillRef>
+            <a:effectRef idx="0">
+              <a:schemeClr val="accent1"/>
+            </a:effectRef>
+            <a:fontRef idx="minor">
+              <a:schemeClr val="lt1"/>
+            </a:fontRef>
+          </p:style>
+          <p:txBody>
+            <a:bodyPr rtlCol="0" anchor="t"/>
+            <a:lstStyle/>
+            <a:p>
+              <a:r>
+                <a:rPr lang="en-US" sz="1400" b="1" dirty="0" smtClean="0">
+                  <a:solidFill>
+                    <a:schemeClr val="tx1"/>
+                  </a:solidFill>
+                </a:rPr>
+                <a:t>Default: </a:t>
+              </a:r>
+              <a:r>
+                <a:rPr lang="en-US" sz="1400" b="1" dirty="0" smtClean="0">
+                  <a:solidFill>
+                    <a:schemeClr val="tx1"/>
+                  </a:solidFill>
+                </a:rPr>
+                <a:t>Boolean</a:t>
+              </a:r>
+              <a:endParaRPr lang="en-US" sz="1400" b="1" dirty="0" smtClean="0">
+                <a:solidFill>
+                  <a:schemeClr val="tx1"/>
+                </a:solidFill>
+              </a:endParaRPr>
+            </a:p>
+          </p:txBody>
+        </p:sp>
+        <p:sp>
+          <p:nvSpPr>
+            <p:cNvPr id="33" name="Rectangular Callout 32"/>
+            <p:cNvSpPr/>
+            <p:nvPr/>
+          </p:nvSpPr>
+          <p:spPr>
+            <a:xfrm>
+              <a:off x="2667000" y="1524000"/>
+              <a:ext cx="2133600" cy="381000"/>
+            </a:xfrm>
+            <a:prstGeom prst="wedgeRectCallout">
+              <a:avLst>
+                <a:gd name="adj1" fmla="val -9061"/>
+                <a:gd name="adj2" fmla="val -68269"/>
+              </a:avLst>
+            </a:prstGeom>
+            <a:solidFill>
+              <a:schemeClr val="bg2"/>
+            </a:solidFill>
+            <a:ln>
+              <a:solidFill>
+                <a:schemeClr val="tx1"/>
+              </a:solidFill>
+            </a:ln>
+            <a:effectLst>
+              <a:outerShdw blurRad="50800" dist="38100" dir="2700000" algn="tl" rotWithShape="0">
+                <a:prstClr val="black">
+                  <a:alpha val="40000"/>
+                </a:prstClr>
+              </a:outerShdw>
+            </a:effectLst>
+          </p:spPr>
+          <p:style>
+            <a:lnRef idx="2">
+              <a:schemeClr val="accent1">
+                <a:shade val="50000"/>
+              </a:schemeClr>
+            </a:lnRef>
+            <a:fillRef idx="1">
+              <a:schemeClr val="accent1"/>
+            </a:fillRef>
+            <a:effectRef idx="0">
+              <a:schemeClr val="accent1"/>
+            </a:effectRef>
+            <a:fontRef idx="minor">
+              <a:schemeClr val="lt1"/>
+            </a:fontRef>
+          </p:style>
+          <p:txBody>
+            <a:bodyPr rtlCol="0" anchor="t"/>
+            <a:lstStyle/>
+            <a:p>
+              <a:r>
+                <a:rPr lang="en-US" sz="1400" b="1" dirty="0" smtClean="0">
+                  <a:solidFill>
+                    <a:schemeClr val="tx1"/>
+                  </a:solidFill>
+                </a:rPr>
+                <a:t>String</a:t>
+              </a:r>
+              <a:endParaRPr lang="en-US" sz="1400" b="1" dirty="0" smtClean="0">
+                <a:solidFill>
+                  <a:schemeClr val="tx1"/>
+                </a:solidFill>
+              </a:endParaRPr>
+            </a:p>
+          </p:txBody>
+        </p:sp>
+        <p:sp>
+          <p:nvSpPr>
+            <p:cNvPr id="34" name="TextBox 33"/>
+            <p:cNvSpPr txBox="1"/>
+            <p:nvPr/>
+          </p:nvSpPr>
+          <p:spPr>
+            <a:xfrm>
+              <a:off x="152400" y="152400"/>
+              <a:ext cx="3962400" cy="461665"/>
+            </a:xfrm>
+            <a:prstGeom prst="rect">
+              <a:avLst/>
+            </a:prstGeom>
+            <a:noFill/>
+          </p:spPr>
+          <p:txBody>
+            <a:bodyPr wrap="square" rtlCol="0">
+              <a:spAutoFit/>
+            </a:bodyPr>
+            <a:lstStyle/>
+            <a:p>
+              <a:r>
+                <a:rPr lang="en-US" sz="2400" dirty="0" smtClean="0"/>
+                <a:t>Data </a:t>
+              </a:r>
+              <a:r>
+                <a:rPr lang="en-US" sz="2400" dirty="0" smtClean="0"/>
+                <a:t>Type: </a:t>
+              </a:r>
+              <a:r>
+                <a:rPr lang="en-US" sz="2400" dirty="0" err="1" smtClean="0"/>
+                <a:t>HoopBooleanKV</a:t>
+              </a:r>
+              <a:endParaRPr lang="en-US" sz="2400" dirty="0"/>
+            </a:p>
+          </p:txBody>
+        </p:sp>
+      </p:grpSp>
+      <p:grpSp>
+        <p:nvGrpSpPr>
+          <p:cNvPr id="35" name="Group 34"/>
+          <p:cNvGrpSpPr/>
+          <p:nvPr/>
+        </p:nvGrpSpPr>
+        <p:grpSpPr>
+          <a:xfrm>
+            <a:off x="152400" y="4419600"/>
+            <a:ext cx="4648200" cy="1752600"/>
+            <a:chOff x="152400" y="152400"/>
+            <a:chExt cx="4648200" cy="1752600"/>
+          </a:xfrm>
+        </p:grpSpPr>
+        <p:sp>
+          <p:nvSpPr>
+            <p:cNvPr id="36" name="Rounded Rectangle 35"/>
+            <p:cNvSpPr/>
+            <p:nvPr/>
+          </p:nvSpPr>
+          <p:spPr>
+            <a:xfrm>
+              <a:off x="609600" y="838200"/>
+              <a:ext cx="4038600" cy="762000"/>
+            </a:xfrm>
+            <a:prstGeom prst="roundRect">
+              <a:avLst/>
+            </a:prstGeom>
+            <a:solidFill>
+              <a:schemeClr val="bg1">
+                <a:lumMod val="95000"/>
+              </a:schemeClr>
+            </a:solidFill>
+            <a:ln>
+              <a:solidFill>
+                <a:schemeClr val="tx1"/>
+              </a:solidFill>
+            </a:ln>
+          </p:spPr>
+          <p:style>
+            <a:lnRef idx="2">
+              <a:schemeClr val="accent1">
+                <a:shade val="50000"/>
+              </a:schemeClr>
+            </a:lnRef>
+            <a:fillRef idx="1">
+              <a:schemeClr val="accent1"/>
+            </a:fillRef>
+            <a:effectRef idx="0">
+              <a:schemeClr val="accent1"/>
+            </a:effectRef>
+            <a:fontRef idx="minor">
+              <a:schemeClr val="lt1"/>
+            </a:fontRef>
+          </p:style>
+          <p:txBody>
+            <a:bodyPr rtlCol="0" anchor="ctr"/>
+            <a:lstStyle/>
+            <a:p>
+              <a:pPr algn="ctr"/>
+              <a:endParaRPr lang="en-US" b="1" dirty="0">
+                <a:solidFill>
+                  <a:schemeClr val="tx1"/>
+                </a:solidFill>
+              </a:endParaRPr>
+            </a:p>
+          </p:txBody>
+        </p:sp>
+        <p:sp>
+          <p:nvSpPr>
+            <p:cNvPr id="37" name="Rounded Rectangle 36"/>
+            <p:cNvSpPr/>
+            <p:nvPr/>
+          </p:nvSpPr>
+          <p:spPr>
+            <a:xfrm>
+              <a:off x="762000" y="990600"/>
+              <a:ext cx="1790700" cy="431800"/>
+            </a:xfrm>
+            <a:prstGeom prst="roundRect">
+              <a:avLst/>
+            </a:prstGeom>
+            <a:solidFill>
+              <a:schemeClr val="bg1">
+                <a:lumMod val="85000"/>
+              </a:schemeClr>
+            </a:solidFill>
+            <a:ln>
+              <a:solidFill>
+                <a:schemeClr val="tx1"/>
+              </a:solidFill>
+            </a:ln>
+          </p:spPr>
+          <p:style>
+            <a:lnRef idx="2">
+              <a:schemeClr val="accent1">
+                <a:shade val="50000"/>
+              </a:schemeClr>
+            </a:lnRef>
+            <a:fillRef idx="1">
+              <a:schemeClr val="accent1"/>
+            </a:fillRef>
+            <a:effectRef idx="0">
+              <a:schemeClr val="accent1"/>
+            </a:effectRef>
+            <a:fontRef idx="minor">
+              <a:schemeClr val="lt1"/>
+            </a:fontRef>
+          </p:style>
+          <p:txBody>
+            <a:bodyPr rtlCol="0" anchor="ctr"/>
+            <a:lstStyle/>
+            <a:p>
+              <a:pPr algn="ctr"/>
+              <a:r>
+                <a:rPr lang="en-US" b="1" dirty="0" smtClean="0">
+                  <a:solidFill>
+                    <a:schemeClr val="tx1"/>
+                  </a:solidFill>
+                </a:rPr>
+                <a:t>Key</a:t>
+              </a:r>
+              <a:endParaRPr lang="en-US" b="1" dirty="0">
+                <a:solidFill>
+                  <a:schemeClr val="tx1"/>
+                </a:solidFill>
+              </a:endParaRPr>
+            </a:p>
+          </p:txBody>
+        </p:sp>
+        <p:sp>
+          <p:nvSpPr>
+            <p:cNvPr id="38" name="Rounded Rectangle 37"/>
+            <p:cNvSpPr/>
+            <p:nvPr/>
+          </p:nvSpPr>
+          <p:spPr>
+            <a:xfrm>
+              <a:off x="2667000" y="990600"/>
+              <a:ext cx="1790700" cy="431800"/>
+            </a:xfrm>
+            <a:prstGeom prst="roundRect">
+              <a:avLst/>
+            </a:prstGeom>
+            <a:solidFill>
+              <a:schemeClr val="bg1">
+                <a:lumMod val="85000"/>
+              </a:schemeClr>
+            </a:solidFill>
+            <a:ln>
+              <a:solidFill>
+                <a:schemeClr val="tx1"/>
+              </a:solidFill>
+            </a:ln>
+          </p:spPr>
+          <p:style>
+            <a:lnRef idx="2">
+              <a:schemeClr val="accent1">
+                <a:shade val="50000"/>
+              </a:schemeClr>
+            </a:lnRef>
+            <a:fillRef idx="1">
+              <a:schemeClr val="accent1"/>
+            </a:fillRef>
+            <a:effectRef idx="0">
+              <a:schemeClr val="accent1"/>
+            </a:effectRef>
+            <a:fontRef idx="minor">
+              <a:schemeClr val="lt1"/>
+            </a:fontRef>
+          </p:style>
+          <p:txBody>
+            <a:bodyPr rtlCol="0" anchor="ctr"/>
+            <a:lstStyle/>
+            <a:p>
+              <a:pPr algn="ctr"/>
+              <a:r>
+                <a:rPr lang="en-US" b="1" dirty="0" smtClean="0">
+                  <a:solidFill>
+                    <a:schemeClr val="tx1"/>
+                  </a:solidFill>
+                </a:rPr>
+                <a:t>Value</a:t>
+              </a:r>
+              <a:endParaRPr lang="en-US" b="1" dirty="0">
+                <a:solidFill>
+                  <a:schemeClr val="tx1"/>
+                </a:solidFill>
+              </a:endParaRPr>
+            </a:p>
+          </p:txBody>
+        </p:sp>
+        <p:sp>
+          <p:nvSpPr>
+            <p:cNvPr id="39" name="Rectangular Callout 38"/>
+            <p:cNvSpPr/>
+            <p:nvPr/>
+          </p:nvSpPr>
+          <p:spPr>
+            <a:xfrm>
+              <a:off x="304800" y="1524000"/>
+              <a:ext cx="2133600" cy="381000"/>
+            </a:xfrm>
+            <a:prstGeom prst="wedgeRectCallout">
+              <a:avLst>
+                <a:gd name="adj1" fmla="val 13558"/>
+                <a:gd name="adj2" fmla="val -65705"/>
+              </a:avLst>
+            </a:prstGeom>
+            <a:solidFill>
+              <a:schemeClr val="bg2"/>
+            </a:solidFill>
+            <a:ln>
+              <a:solidFill>
+                <a:schemeClr val="tx1"/>
+              </a:solidFill>
+            </a:ln>
+            <a:effectLst>
+              <a:outerShdw blurRad="50800" dist="38100" dir="2700000" algn="tl" rotWithShape="0">
+                <a:prstClr val="black">
+                  <a:alpha val="40000"/>
+                </a:prstClr>
+              </a:outerShdw>
+            </a:effectLst>
+          </p:spPr>
+          <p:style>
+            <a:lnRef idx="2">
+              <a:schemeClr val="accent1">
+                <a:shade val="50000"/>
+              </a:schemeClr>
+            </a:lnRef>
+            <a:fillRef idx="1">
+              <a:schemeClr val="accent1"/>
+            </a:fillRef>
+            <a:effectRef idx="0">
+              <a:schemeClr val="accent1"/>
+            </a:effectRef>
+            <a:fontRef idx="minor">
+              <a:schemeClr val="lt1"/>
+            </a:fontRef>
+          </p:style>
+          <p:txBody>
+            <a:bodyPr rtlCol="0" anchor="t"/>
+            <a:lstStyle/>
+            <a:p>
+              <a:r>
+                <a:rPr lang="en-US" sz="1400" b="1" dirty="0" smtClean="0">
+                  <a:solidFill>
+                    <a:schemeClr val="tx1"/>
+                  </a:solidFill>
+                </a:rPr>
+                <a:t>Default: </a:t>
+              </a:r>
+              <a:r>
+                <a:rPr lang="en-US" sz="1400" b="1" dirty="0" smtClean="0">
+                  <a:solidFill>
+                    <a:schemeClr val="tx1"/>
+                  </a:solidFill>
+                </a:rPr>
+                <a:t>Float</a:t>
+              </a:r>
+              <a:endParaRPr lang="en-US" sz="1400" b="1" dirty="0" smtClean="0">
+                <a:solidFill>
+                  <a:schemeClr val="tx1"/>
+                </a:solidFill>
+              </a:endParaRPr>
+            </a:p>
+          </p:txBody>
+        </p:sp>
+        <p:sp>
+          <p:nvSpPr>
+            <p:cNvPr id="40" name="Rectangular Callout 39"/>
+            <p:cNvSpPr/>
+            <p:nvPr/>
+          </p:nvSpPr>
+          <p:spPr>
+            <a:xfrm>
+              <a:off x="2667000" y="1524000"/>
+              <a:ext cx="2133600" cy="381000"/>
+            </a:xfrm>
+            <a:prstGeom prst="wedgeRectCallout">
+              <a:avLst>
+                <a:gd name="adj1" fmla="val -9061"/>
+                <a:gd name="adj2" fmla="val -68269"/>
+              </a:avLst>
+            </a:prstGeom>
+            <a:solidFill>
+              <a:schemeClr val="bg2"/>
+            </a:solidFill>
+            <a:ln>
+              <a:solidFill>
+                <a:schemeClr val="tx1"/>
+              </a:solidFill>
+            </a:ln>
+            <a:effectLst>
+              <a:outerShdw blurRad="50800" dist="38100" dir="2700000" algn="tl" rotWithShape="0">
+                <a:prstClr val="black">
+                  <a:alpha val="40000"/>
+                </a:prstClr>
+              </a:outerShdw>
+            </a:effectLst>
+          </p:spPr>
+          <p:style>
+            <a:lnRef idx="2">
+              <a:schemeClr val="accent1">
+                <a:shade val="50000"/>
+              </a:schemeClr>
+            </a:lnRef>
+            <a:fillRef idx="1">
+              <a:schemeClr val="accent1"/>
+            </a:fillRef>
+            <a:effectRef idx="0">
+              <a:schemeClr val="accent1"/>
+            </a:effectRef>
+            <a:fontRef idx="minor">
+              <a:schemeClr val="lt1"/>
+            </a:fontRef>
+          </p:style>
+          <p:txBody>
+            <a:bodyPr rtlCol="0" anchor="t"/>
+            <a:lstStyle/>
+            <a:p>
+              <a:r>
+                <a:rPr lang="en-US" sz="1400" b="1" dirty="0" smtClean="0">
+                  <a:solidFill>
+                    <a:schemeClr val="tx1"/>
+                  </a:solidFill>
+                </a:rPr>
+                <a:t>String</a:t>
+              </a:r>
+              <a:endParaRPr lang="en-US" sz="1400" b="1" dirty="0" smtClean="0">
+                <a:solidFill>
+                  <a:schemeClr val="tx1"/>
+                </a:solidFill>
+              </a:endParaRPr>
+            </a:p>
+          </p:txBody>
+        </p:sp>
+        <p:sp>
+          <p:nvSpPr>
+            <p:cNvPr id="41" name="TextBox 40"/>
+            <p:cNvSpPr txBox="1"/>
+            <p:nvPr/>
+          </p:nvSpPr>
+          <p:spPr>
+            <a:xfrm>
+              <a:off x="152400" y="152400"/>
+              <a:ext cx="3962400" cy="461665"/>
+            </a:xfrm>
+            <a:prstGeom prst="rect">
+              <a:avLst/>
+            </a:prstGeom>
+            <a:noFill/>
+          </p:spPr>
+          <p:txBody>
+            <a:bodyPr wrap="square" rtlCol="0">
+              <a:spAutoFit/>
+            </a:bodyPr>
+            <a:lstStyle/>
+            <a:p>
+              <a:r>
+                <a:rPr lang="en-US" sz="2400" dirty="0" smtClean="0"/>
+                <a:t>Data </a:t>
+              </a:r>
+              <a:r>
+                <a:rPr lang="en-US" sz="2400" dirty="0" smtClean="0"/>
+                <a:t>Type: </a:t>
+              </a:r>
+              <a:r>
+                <a:rPr lang="en-US" sz="2400" dirty="0" err="1" smtClean="0"/>
+                <a:t>HoopFloatKV</a:t>
+              </a:r>
+              <a:endParaRPr lang="en-US" sz="2400" dirty="0"/>
+            </a:p>
+          </p:txBody>
+        </p:sp>
+      </p:grpSp>
+    </p:spTree>
+  </p:cSld>
+  <p:clrMapOvr>
+    <a:masterClrMapping/>
+  </p:clrMapOvr>
+</p:sld>
+</file>
+
+<file path=ppt/slides/slide4.xml><?xml version="1.0" encoding="utf-8"?>
+<p:sld xmlns:a="http://schemas.openxmlformats.org/drawingml/2006/main" xmlns:r="http://schemas.openxmlformats.org/officeDocument/2006/relationships" xmlns:p="http://schemas.openxmlformats.org/presentationml/2006/main">
+  <p:cSld>
+    <p:spTree>
+      <p:nvGrpSpPr>
+        <p:cNvPr id="1" name=""/>
+        <p:cNvGrpSpPr/>
+        <p:nvPr/>
+      </p:nvGrpSpPr>
+      <p:grpSpPr>
+        <a:xfrm>
+          <a:off x="0" y="0"/>
+          <a:ext cx="0" cy="0"/>
+          <a:chOff x="0" y="0"/>
+          <a:chExt cx="0" cy="0"/>
+        </a:xfrm>
+      </p:grpSpPr>
+    </p:spTree>
+  </p:cSld>
+  <p:clrMapOvr>
+    <a:masterClrMapping/>
+  </p:clrMapOvr>
+</p:sld>
+</file>
+
+<file path=ppt/slides/slide5.xml><?xml version="1.0" encoding="utf-8"?>
+<p:sld xmlns:a="http://schemas.openxmlformats.org/drawingml/2006/main" xmlns:r="http://schemas.openxmlformats.org/officeDocument/2006/relationships" xmlns:p="http://schemas.openxmlformats.org/presentationml/2006/main">
+  <p:cSld>
+    <p:spTree>
+      <p:nvGrpSpPr>
+        <p:cNvPr id="1" name=""/>
+        <p:cNvGrpSpPr/>
+        <p:nvPr/>
+      </p:nvGrpSpPr>
+      <p:grpSpPr>
+        <a:xfrm>
+          <a:off x="0" y="0"/>
+          <a:ext cx="0" cy="0"/>
+          <a:chOff x="0" y="0"/>
+          <a:chExt cx="0" cy="0"/>
+        </a:xfrm>
+      </p:grpSpPr>
+      <p:sp>
+        <p:nvSpPr>
+          <p:cNvPr id="62" name="Rounded Rectangle 61"/>
+          <p:cNvSpPr/>
+          <p:nvPr/>
+        </p:nvSpPr>
+        <p:spPr>
+          <a:xfrm>
+            <a:off x="304800" y="1219200"/>
+            <a:ext cx="2971800" cy="609600"/>
+          </a:xfrm>
+          <a:prstGeom prst="roundRect">
+            <a:avLst/>
+          </a:prstGeom>
+          <a:solidFill>
+            <a:schemeClr val="bg1">
+              <a:lumMod val="95000"/>
+            </a:schemeClr>
+          </a:solidFill>
+          <a:ln>
+            <a:solidFill>
+              <a:schemeClr val="tx1"/>
+            </a:solidFill>
+          </a:ln>
+        </p:spPr>
+        <p:style>
+          <a:lnRef idx="2">
+            <a:schemeClr val="accent1">
+              <a:shade val="50000"/>
+            </a:schemeClr>
+          </a:lnRef>
+          <a:fillRef idx="1">
+            <a:schemeClr val="accent1"/>
+          </a:fillRef>
+          <a:effectRef idx="0">
+            <a:schemeClr val="accent1"/>
+          </a:effectRef>
+          <a:fontRef idx="minor">
+            <a:schemeClr val="lt1"/>
+          </a:fontRef>
+        </p:style>
+        <p:txBody>
+          <a:bodyPr rtlCol="0" anchor="ctr"/>
+          <a:lstStyle/>
+          <a:p>
+            <a:pPr algn="ctr"/>
+            <a:endParaRPr lang="en-US" b="1" dirty="0">
+              <a:solidFill>
+                <a:schemeClr val="tx1"/>
+              </a:solidFill>
+            </a:endParaRPr>
+          </a:p>
+        </p:txBody>
+      </p:sp>
+      <p:sp>
+        <p:nvSpPr>
+          <p:cNvPr id="57" name="Rounded Rectangle 56"/>
+          <p:cNvSpPr/>
+          <p:nvPr/>
+        </p:nvSpPr>
+        <p:spPr>
+          <a:xfrm>
+            <a:off x="457200" y="1371600"/>
+            <a:ext cx="1295400" cy="312366"/>
+          </a:xfrm>
+          <a:prstGeom prst="roundRect">
+            <a:avLst/>
+          </a:prstGeom>
+          <a:solidFill>
+            <a:schemeClr val="bg1">
+              <a:lumMod val="85000"/>
+            </a:schemeClr>
+          </a:solidFill>
+          <a:ln>
+            <a:solidFill>
+              <a:schemeClr val="tx1"/>
+            </a:solidFill>
+          </a:ln>
+        </p:spPr>
+        <p:style>
+          <a:lnRef idx="2">
+            <a:schemeClr val="accent1">
+              <a:shade val="50000"/>
+            </a:schemeClr>
+          </a:lnRef>
+          <a:fillRef idx="1">
+            <a:schemeClr val="accent1"/>
+          </a:fillRef>
+          <a:effectRef idx="0">
+            <a:schemeClr val="accent1"/>
+          </a:effectRef>
+          <a:fontRef idx="minor">
+            <a:schemeClr val="lt1"/>
+          </a:fontRef>
+        </p:style>
+        <p:txBody>
+          <a:bodyPr rtlCol="0" anchor="ctr"/>
+          <a:lstStyle/>
+          <a:p>
+            <a:pPr algn="ctr"/>
+            <a:r>
+              <a:rPr lang="en-US" sz="1400" b="1" dirty="0" smtClean="0">
+                <a:solidFill>
+                  <a:schemeClr val="tx1"/>
+                </a:solidFill>
+              </a:rPr>
+              <a:t>0</a:t>
+            </a:r>
+            <a:endParaRPr lang="en-US" sz="1400" b="1" dirty="0">
+              <a:solidFill>
+                <a:schemeClr val="tx1"/>
+              </a:solidFill>
+            </a:endParaRPr>
+          </a:p>
+        </p:txBody>
+      </p:sp>
+      <p:sp>
+        <p:nvSpPr>
+          <p:cNvPr id="60" name="Rounded Rectangle 59"/>
+          <p:cNvSpPr/>
+          <p:nvPr/>
+        </p:nvSpPr>
+        <p:spPr>
+          <a:xfrm>
+            <a:off x="1905000" y="1371600"/>
+            <a:ext cx="1264024" cy="304800"/>
+          </a:xfrm>
+          <a:prstGeom prst="roundRect">
+            <a:avLst/>
+          </a:prstGeom>
+          <a:solidFill>
+            <a:schemeClr val="bg1">
+              <a:lumMod val="85000"/>
+            </a:schemeClr>
+          </a:solidFill>
+          <a:ln>
+            <a:solidFill>
+              <a:schemeClr val="tx1"/>
+            </a:solidFill>
+          </a:ln>
+        </p:spPr>
+        <p:style>
+          <a:lnRef idx="2">
+            <a:schemeClr val="accent1">
+              <a:shade val="50000"/>
+            </a:schemeClr>
+          </a:lnRef>
+          <a:fillRef idx="1">
+            <a:schemeClr val="accent1"/>
+          </a:fillRef>
+          <a:effectRef idx="0">
+            <a:schemeClr val="accent1"/>
+          </a:effectRef>
+          <a:fontRef idx="minor">
+            <a:schemeClr val="lt1"/>
+          </a:fontRef>
+        </p:style>
+        <p:txBody>
+          <a:bodyPr rtlCol="0" anchor="ctr"/>
+          <a:lstStyle/>
+          <a:p>
+            <a:pPr algn="ctr"/>
+            <a:r>
+              <a:rPr lang="en-US" sz="1400" b="1" dirty="0" smtClean="0">
+                <a:solidFill>
+                  <a:schemeClr val="tx1"/>
+                </a:solidFill>
+              </a:rPr>
+              <a:t>The</a:t>
+            </a:r>
+            <a:endParaRPr lang="en-US" sz="1400" b="1" dirty="0">
+              <a:solidFill>
+                <a:schemeClr val="tx1"/>
+              </a:solidFill>
+            </a:endParaRPr>
+          </a:p>
+        </p:txBody>
+      </p:sp>
       <p:sp>
         <p:nvSpPr>
           <p:cNvPr id="72" name="TextBox 71"/>
@@ -5951,6 +6580,1676 @@
           <a:p>
             <a:r>
               <a:rPr lang="en-US" sz="2400" dirty="0" smtClean="0"/>
+              <a:t>Example KV List for sentence: </a:t>
+            </a:r>
+          </a:p>
+          <a:p>
+            <a:r>
+              <a:rPr lang="en-US" sz="2400" b="1" dirty="0" smtClean="0"/>
+              <a:t>The Quick Red </a:t>
+            </a:r>
+            <a:r>
+              <a:rPr lang="en-US" sz="2400" b="1" i="1" dirty="0" smtClean="0"/>
+              <a:t>Fox Jumps Over</a:t>
+            </a:r>
+            <a:r>
+              <a:rPr lang="en-US" sz="2400" b="1" dirty="0" smtClean="0"/>
+              <a:t> the Lazy Brown Dog</a:t>
+            </a:r>
+          </a:p>
+        </p:txBody>
+      </p:sp>
+      <p:sp>
+        <p:nvSpPr>
+          <p:cNvPr id="19" name="Rounded Rectangle 18"/>
+          <p:cNvSpPr/>
+          <p:nvPr/>
+        </p:nvSpPr>
+        <p:spPr>
+          <a:xfrm>
+            <a:off x="304800" y="1905000"/>
+            <a:ext cx="2971800" cy="609600"/>
+          </a:xfrm>
+          <a:prstGeom prst="roundRect">
+            <a:avLst/>
+          </a:prstGeom>
+          <a:solidFill>
+            <a:schemeClr val="bg1">
+              <a:lumMod val="95000"/>
+            </a:schemeClr>
+          </a:solidFill>
+          <a:ln>
+            <a:solidFill>
+              <a:schemeClr val="tx1"/>
+            </a:solidFill>
+          </a:ln>
+        </p:spPr>
+        <p:style>
+          <a:lnRef idx="2">
+            <a:schemeClr val="accent1">
+              <a:shade val="50000"/>
+            </a:schemeClr>
+          </a:lnRef>
+          <a:fillRef idx="1">
+            <a:schemeClr val="accent1"/>
+          </a:fillRef>
+          <a:effectRef idx="0">
+            <a:schemeClr val="accent1"/>
+          </a:effectRef>
+          <a:fontRef idx="minor">
+            <a:schemeClr val="lt1"/>
+          </a:fontRef>
+        </p:style>
+        <p:txBody>
+          <a:bodyPr rtlCol="0" anchor="ctr"/>
+          <a:lstStyle/>
+          <a:p>
+            <a:pPr algn="ctr"/>
+            <a:endParaRPr lang="en-US" b="1" dirty="0">
+              <a:solidFill>
+                <a:schemeClr val="tx1"/>
+              </a:solidFill>
+            </a:endParaRPr>
+          </a:p>
+        </p:txBody>
+      </p:sp>
+      <p:sp>
+        <p:nvSpPr>
+          <p:cNvPr id="20" name="Rounded Rectangle 19"/>
+          <p:cNvSpPr/>
+          <p:nvPr/>
+        </p:nvSpPr>
+        <p:spPr>
+          <a:xfrm>
+            <a:off x="457200" y="2057400"/>
+            <a:ext cx="1295400" cy="312366"/>
+          </a:xfrm>
+          <a:prstGeom prst="roundRect">
+            <a:avLst/>
+          </a:prstGeom>
+          <a:solidFill>
+            <a:schemeClr val="bg1">
+              <a:lumMod val="85000"/>
+            </a:schemeClr>
+          </a:solidFill>
+          <a:ln>
+            <a:solidFill>
+              <a:schemeClr val="tx1"/>
+            </a:solidFill>
+          </a:ln>
+        </p:spPr>
+        <p:style>
+          <a:lnRef idx="2">
+            <a:schemeClr val="accent1">
+              <a:shade val="50000"/>
+            </a:schemeClr>
+          </a:lnRef>
+          <a:fillRef idx="1">
+            <a:schemeClr val="accent1"/>
+          </a:fillRef>
+          <a:effectRef idx="0">
+            <a:schemeClr val="accent1"/>
+          </a:effectRef>
+          <a:fontRef idx="minor">
+            <a:schemeClr val="lt1"/>
+          </a:fontRef>
+        </p:style>
+        <p:txBody>
+          <a:bodyPr rtlCol="0" anchor="ctr"/>
+          <a:lstStyle/>
+          <a:p>
+            <a:pPr algn="ctr"/>
+            <a:r>
+              <a:rPr lang="en-US" sz="1400" b="1" dirty="0" smtClean="0">
+                <a:solidFill>
+                  <a:schemeClr val="tx1"/>
+                </a:solidFill>
+              </a:rPr>
+              <a:t>1</a:t>
+            </a:r>
+            <a:endParaRPr lang="en-US" sz="1400" b="1" dirty="0">
+              <a:solidFill>
+                <a:schemeClr val="tx1"/>
+              </a:solidFill>
+            </a:endParaRPr>
+          </a:p>
+        </p:txBody>
+      </p:sp>
+      <p:sp>
+        <p:nvSpPr>
+          <p:cNvPr id="21" name="Rounded Rectangle 20"/>
+          <p:cNvSpPr/>
+          <p:nvPr/>
+        </p:nvSpPr>
+        <p:spPr>
+          <a:xfrm>
+            <a:off x="1905000" y="2057400"/>
+            <a:ext cx="1264024" cy="304800"/>
+          </a:xfrm>
+          <a:prstGeom prst="roundRect">
+            <a:avLst/>
+          </a:prstGeom>
+          <a:solidFill>
+            <a:schemeClr val="bg1">
+              <a:lumMod val="85000"/>
+            </a:schemeClr>
+          </a:solidFill>
+          <a:ln>
+            <a:solidFill>
+              <a:schemeClr val="tx1"/>
+            </a:solidFill>
+          </a:ln>
+        </p:spPr>
+        <p:style>
+          <a:lnRef idx="2">
+            <a:schemeClr val="accent1">
+              <a:shade val="50000"/>
+            </a:schemeClr>
+          </a:lnRef>
+          <a:fillRef idx="1">
+            <a:schemeClr val="accent1"/>
+          </a:fillRef>
+          <a:effectRef idx="0">
+            <a:schemeClr val="accent1"/>
+          </a:effectRef>
+          <a:fontRef idx="minor">
+            <a:schemeClr val="lt1"/>
+          </a:fontRef>
+        </p:style>
+        <p:txBody>
+          <a:bodyPr rtlCol="0" anchor="ctr"/>
+          <a:lstStyle/>
+          <a:p>
+            <a:pPr algn="ctr"/>
+            <a:r>
+              <a:rPr lang="en-US" sz="1400" b="1" dirty="0" smtClean="0">
+                <a:solidFill>
+                  <a:schemeClr val="tx1"/>
+                </a:solidFill>
+              </a:rPr>
+              <a:t>Quick</a:t>
+            </a:r>
+            <a:endParaRPr lang="en-US" sz="1400" b="1" dirty="0">
+              <a:solidFill>
+                <a:schemeClr val="tx1"/>
+              </a:solidFill>
+            </a:endParaRPr>
+          </a:p>
+        </p:txBody>
+      </p:sp>
+      <p:sp>
+        <p:nvSpPr>
+          <p:cNvPr id="22" name="Rounded Rectangle 21"/>
+          <p:cNvSpPr/>
+          <p:nvPr/>
+        </p:nvSpPr>
+        <p:spPr>
+          <a:xfrm>
+            <a:off x="304800" y="2590800"/>
+            <a:ext cx="2971800" cy="609600"/>
+          </a:xfrm>
+          <a:prstGeom prst="roundRect">
+            <a:avLst/>
+          </a:prstGeom>
+          <a:solidFill>
+            <a:schemeClr val="bg1">
+              <a:lumMod val="95000"/>
+            </a:schemeClr>
+          </a:solidFill>
+          <a:ln>
+            <a:solidFill>
+              <a:schemeClr val="tx1"/>
+            </a:solidFill>
+          </a:ln>
+        </p:spPr>
+        <p:style>
+          <a:lnRef idx="2">
+            <a:schemeClr val="accent1">
+              <a:shade val="50000"/>
+            </a:schemeClr>
+          </a:lnRef>
+          <a:fillRef idx="1">
+            <a:schemeClr val="accent1"/>
+          </a:fillRef>
+          <a:effectRef idx="0">
+            <a:schemeClr val="accent1"/>
+          </a:effectRef>
+          <a:fontRef idx="minor">
+            <a:schemeClr val="lt1"/>
+          </a:fontRef>
+        </p:style>
+        <p:txBody>
+          <a:bodyPr rtlCol="0" anchor="ctr"/>
+          <a:lstStyle/>
+          <a:p>
+            <a:pPr algn="ctr"/>
+            <a:endParaRPr lang="en-US" b="1" dirty="0">
+              <a:solidFill>
+                <a:schemeClr val="tx1"/>
+              </a:solidFill>
+            </a:endParaRPr>
+          </a:p>
+        </p:txBody>
+      </p:sp>
+      <p:sp>
+        <p:nvSpPr>
+          <p:cNvPr id="23" name="Rounded Rectangle 22"/>
+          <p:cNvSpPr/>
+          <p:nvPr/>
+        </p:nvSpPr>
+        <p:spPr>
+          <a:xfrm>
+            <a:off x="457200" y="2743200"/>
+            <a:ext cx="1295400" cy="312366"/>
+          </a:xfrm>
+          <a:prstGeom prst="roundRect">
+            <a:avLst/>
+          </a:prstGeom>
+          <a:solidFill>
+            <a:schemeClr val="bg1">
+              <a:lumMod val="85000"/>
+            </a:schemeClr>
+          </a:solidFill>
+          <a:ln>
+            <a:solidFill>
+              <a:schemeClr val="tx1"/>
+            </a:solidFill>
+          </a:ln>
+        </p:spPr>
+        <p:style>
+          <a:lnRef idx="2">
+            <a:schemeClr val="accent1">
+              <a:shade val="50000"/>
+            </a:schemeClr>
+          </a:lnRef>
+          <a:fillRef idx="1">
+            <a:schemeClr val="accent1"/>
+          </a:fillRef>
+          <a:effectRef idx="0">
+            <a:schemeClr val="accent1"/>
+          </a:effectRef>
+          <a:fontRef idx="minor">
+            <a:schemeClr val="lt1"/>
+          </a:fontRef>
+        </p:style>
+        <p:txBody>
+          <a:bodyPr rtlCol="0" anchor="ctr"/>
+          <a:lstStyle/>
+          <a:p>
+            <a:pPr algn="ctr"/>
+            <a:r>
+              <a:rPr lang="en-US" sz="1400" b="1" dirty="0" smtClean="0">
+                <a:solidFill>
+                  <a:schemeClr val="tx1"/>
+                </a:solidFill>
+              </a:rPr>
+              <a:t>2</a:t>
+            </a:r>
+            <a:endParaRPr lang="en-US" sz="1400" b="1" dirty="0">
+              <a:solidFill>
+                <a:schemeClr val="tx1"/>
+              </a:solidFill>
+            </a:endParaRPr>
+          </a:p>
+        </p:txBody>
+      </p:sp>
+      <p:sp>
+        <p:nvSpPr>
+          <p:cNvPr id="24" name="Rounded Rectangle 23"/>
+          <p:cNvSpPr/>
+          <p:nvPr/>
+        </p:nvSpPr>
+        <p:spPr>
+          <a:xfrm>
+            <a:off x="1905000" y="2743200"/>
+            <a:ext cx="1264024" cy="304800"/>
+          </a:xfrm>
+          <a:prstGeom prst="roundRect">
+            <a:avLst/>
+          </a:prstGeom>
+          <a:solidFill>
+            <a:schemeClr val="bg1">
+              <a:lumMod val="85000"/>
+            </a:schemeClr>
+          </a:solidFill>
+          <a:ln>
+            <a:solidFill>
+              <a:schemeClr val="tx1"/>
+            </a:solidFill>
+          </a:ln>
+        </p:spPr>
+        <p:style>
+          <a:lnRef idx="2">
+            <a:schemeClr val="accent1">
+              <a:shade val="50000"/>
+            </a:schemeClr>
+          </a:lnRef>
+          <a:fillRef idx="1">
+            <a:schemeClr val="accent1"/>
+          </a:fillRef>
+          <a:effectRef idx="0">
+            <a:schemeClr val="accent1"/>
+          </a:effectRef>
+          <a:fontRef idx="minor">
+            <a:schemeClr val="lt1"/>
+          </a:fontRef>
+        </p:style>
+        <p:txBody>
+          <a:bodyPr rtlCol="0" anchor="ctr"/>
+          <a:lstStyle/>
+          <a:p>
+            <a:pPr algn="ctr"/>
+            <a:r>
+              <a:rPr lang="en-US" sz="1400" b="1" dirty="0" smtClean="0">
+                <a:solidFill>
+                  <a:schemeClr val="tx1"/>
+                </a:solidFill>
+              </a:rPr>
+              <a:t>Red</a:t>
+            </a:r>
+            <a:endParaRPr lang="en-US" sz="1400" b="1" dirty="0">
+              <a:solidFill>
+                <a:schemeClr val="tx1"/>
+              </a:solidFill>
+            </a:endParaRPr>
+          </a:p>
+        </p:txBody>
+      </p:sp>
+      <p:sp>
+        <p:nvSpPr>
+          <p:cNvPr id="25" name="Rounded Rectangle 24"/>
+          <p:cNvSpPr/>
+          <p:nvPr/>
+        </p:nvSpPr>
+        <p:spPr>
+          <a:xfrm>
+            <a:off x="304800" y="3276600"/>
+            <a:ext cx="2971800" cy="609600"/>
+          </a:xfrm>
+          <a:prstGeom prst="roundRect">
+            <a:avLst/>
+          </a:prstGeom>
+          <a:solidFill>
+            <a:schemeClr val="bg1">
+              <a:lumMod val="95000"/>
+            </a:schemeClr>
+          </a:solidFill>
+          <a:ln>
+            <a:solidFill>
+              <a:schemeClr val="tx1"/>
+            </a:solidFill>
+          </a:ln>
+        </p:spPr>
+        <p:style>
+          <a:lnRef idx="2">
+            <a:schemeClr val="accent1">
+              <a:shade val="50000"/>
+            </a:schemeClr>
+          </a:lnRef>
+          <a:fillRef idx="1">
+            <a:schemeClr val="accent1"/>
+          </a:fillRef>
+          <a:effectRef idx="0">
+            <a:schemeClr val="accent1"/>
+          </a:effectRef>
+          <a:fontRef idx="minor">
+            <a:schemeClr val="lt1"/>
+          </a:fontRef>
+        </p:style>
+        <p:txBody>
+          <a:bodyPr rtlCol="0" anchor="ctr"/>
+          <a:lstStyle/>
+          <a:p>
+            <a:pPr algn="ctr"/>
+            <a:endParaRPr lang="en-US" b="1" dirty="0">
+              <a:solidFill>
+                <a:schemeClr val="tx1"/>
+              </a:solidFill>
+            </a:endParaRPr>
+          </a:p>
+        </p:txBody>
+      </p:sp>
+      <p:sp>
+        <p:nvSpPr>
+          <p:cNvPr id="26" name="Rounded Rectangle 25"/>
+          <p:cNvSpPr/>
+          <p:nvPr/>
+        </p:nvSpPr>
+        <p:spPr>
+          <a:xfrm>
+            <a:off x="457200" y="3429000"/>
+            <a:ext cx="1295400" cy="312366"/>
+          </a:xfrm>
+          <a:prstGeom prst="roundRect">
+            <a:avLst/>
+          </a:prstGeom>
+          <a:solidFill>
+            <a:schemeClr val="bg1">
+              <a:lumMod val="85000"/>
+            </a:schemeClr>
+          </a:solidFill>
+          <a:ln>
+            <a:solidFill>
+              <a:schemeClr val="tx1"/>
+            </a:solidFill>
+          </a:ln>
+        </p:spPr>
+        <p:style>
+          <a:lnRef idx="2">
+            <a:schemeClr val="accent1">
+              <a:shade val="50000"/>
+            </a:schemeClr>
+          </a:lnRef>
+          <a:fillRef idx="1">
+            <a:schemeClr val="accent1"/>
+          </a:fillRef>
+          <a:effectRef idx="0">
+            <a:schemeClr val="accent1"/>
+          </a:effectRef>
+          <a:fontRef idx="minor">
+            <a:schemeClr val="lt1"/>
+          </a:fontRef>
+        </p:style>
+        <p:txBody>
+          <a:bodyPr rtlCol="0" anchor="ctr"/>
+          <a:lstStyle/>
+          <a:p>
+            <a:pPr algn="ctr"/>
+            <a:r>
+              <a:rPr lang="en-US" sz="1400" b="1" dirty="0" smtClean="0">
+                <a:solidFill>
+                  <a:schemeClr val="tx1"/>
+                </a:solidFill>
+              </a:rPr>
+              <a:t>3</a:t>
+            </a:r>
+            <a:endParaRPr lang="en-US" sz="1400" b="1" dirty="0">
+              <a:solidFill>
+                <a:schemeClr val="tx1"/>
+              </a:solidFill>
+            </a:endParaRPr>
+          </a:p>
+        </p:txBody>
+      </p:sp>
+      <p:sp>
+        <p:nvSpPr>
+          <p:cNvPr id="27" name="Rounded Rectangle 26"/>
+          <p:cNvSpPr/>
+          <p:nvPr/>
+        </p:nvSpPr>
+        <p:spPr>
+          <a:xfrm>
+            <a:off x="1905000" y="3429000"/>
+            <a:ext cx="1264024" cy="304800"/>
+          </a:xfrm>
+          <a:prstGeom prst="roundRect">
+            <a:avLst/>
+          </a:prstGeom>
+          <a:solidFill>
+            <a:schemeClr val="bg1">
+              <a:lumMod val="85000"/>
+            </a:schemeClr>
+          </a:solidFill>
+          <a:ln>
+            <a:solidFill>
+              <a:schemeClr val="tx1"/>
+            </a:solidFill>
+          </a:ln>
+        </p:spPr>
+        <p:style>
+          <a:lnRef idx="2">
+            <a:schemeClr val="accent1">
+              <a:shade val="50000"/>
+            </a:schemeClr>
+          </a:lnRef>
+          <a:fillRef idx="1">
+            <a:schemeClr val="accent1"/>
+          </a:fillRef>
+          <a:effectRef idx="0">
+            <a:schemeClr val="accent1"/>
+          </a:effectRef>
+          <a:fontRef idx="minor">
+            <a:schemeClr val="lt1"/>
+          </a:fontRef>
+        </p:style>
+        <p:txBody>
+          <a:bodyPr rtlCol="0" anchor="ctr"/>
+          <a:lstStyle/>
+          <a:p>
+            <a:pPr algn="ctr"/>
+            <a:r>
+              <a:rPr lang="en-US" sz="1400" b="1" dirty="0" smtClean="0">
+                <a:solidFill>
+                  <a:schemeClr val="tx1"/>
+                </a:solidFill>
+              </a:rPr>
+              <a:t>Fox</a:t>
+            </a:r>
+            <a:endParaRPr lang="en-US" sz="1400" b="1" dirty="0">
+              <a:solidFill>
+                <a:schemeClr val="tx1"/>
+              </a:solidFill>
+            </a:endParaRPr>
+          </a:p>
+        </p:txBody>
+      </p:sp>
+      <p:sp>
+        <p:nvSpPr>
+          <p:cNvPr id="28" name="Rounded Rectangle 27"/>
+          <p:cNvSpPr/>
+          <p:nvPr/>
+        </p:nvSpPr>
+        <p:spPr>
+          <a:xfrm>
+            <a:off x="304800" y="3962400"/>
+            <a:ext cx="2971800" cy="609600"/>
+          </a:xfrm>
+          <a:prstGeom prst="roundRect">
+            <a:avLst/>
+          </a:prstGeom>
+          <a:solidFill>
+            <a:schemeClr val="bg1">
+              <a:lumMod val="95000"/>
+            </a:schemeClr>
+          </a:solidFill>
+          <a:ln>
+            <a:solidFill>
+              <a:schemeClr val="tx1"/>
+            </a:solidFill>
+          </a:ln>
+        </p:spPr>
+        <p:style>
+          <a:lnRef idx="2">
+            <a:schemeClr val="accent1">
+              <a:shade val="50000"/>
+            </a:schemeClr>
+          </a:lnRef>
+          <a:fillRef idx="1">
+            <a:schemeClr val="accent1"/>
+          </a:fillRef>
+          <a:effectRef idx="0">
+            <a:schemeClr val="accent1"/>
+          </a:effectRef>
+          <a:fontRef idx="minor">
+            <a:schemeClr val="lt1"/>
+          </a:fontRef>
+        </p:style>
+        <p:txBody>
+          <a:bodyPr rtlCol="0" anchor="ctr"/>
+          <a:lstStyle/>
+          <a:p>
+            <a:pPr algn="ctr"/>
+            <a:endParaRPr lang="en-US" b="1" dirty="0">
+              <a:solidFill>
+                <a:schemeClr val="tx1"/>
+              </a:solidFill>
+            </a:endParaRPr>
+          </a:p>
+        </p:txBody>
+      </p:sp>
+      <p:sp>
+        <p:nvSpPr>
+          <p:cNvPr id="29" name="Rounded Rectangle 28"/>
+          <p:cNvSpPr/>
+          <p:nvPr/>
+        </p:nvSpPr>
+        <p:spPr>
+          <a:xfrm>
+            <a:off x="457200" y="4114800"/>
+            <a:ext cx="1295400" cy="312366"/>
+          </a:xfrm>
+          <a:prstGeom prst="roundRect">
+            <a:avLst/>
+          </a:prstGeom>
+          <a:solidFill>
+            <a:schemeClr val="bg1">
+              <a:lumMod val="85000"/>
+            </a:schemeClr>
+          </a:solidFill>
+          <a:ln>
+            <a:solidFill>
+              <a:schemeClr val="tx1"/>
+            </a:solidFill>
+          </a:ln>
+        </p:spPr>
+        <p:style>
+          <a:lnRef idx="2">
+            <a:schemeClr val="accent1">
+              <a:shade val="50000"/>
+            </a:schemeClr>
+          </a:lnRef>
+          <a:fillRef idx="1">
+            <a:schemeClr val="accent1"/>
+          </a:fillRef>
+          <a:effectRef idx="0">
+            <a:schemeClr val="accent1"/>
+          </a:effectRef>
+          <a:fontRef idx="minor">
+            <a:schemeClr val="lt1"/>
+          </a:fontRef>
+        </p:style>
+        <p:txBody>
+          <a:bodyPr rtlCol="0" anchor="ctr"/>
+          <a:lstStyle/>
+          <a:p>
+            <a:pPr algn="ctr"/>
+            <a:r>
+              <a:rPr lang="en-US" sz="1400" b="1" dirty="0" smtClean="0">
+                <a:solidFill>
+                  <a:schemeClr val="tx1"/>
+                </a:solidFill>
+              </a:rPr>
+              <a:t>4</a:t>
+            </a:r>
+            <a:endParaRPr lang="en-US" sz="1400" b="1" dirty="0">
+              <a:solidFill>
+                <a:schemeClr val="tx1"/>
+              </a:solidFill>
+            </a:endParaRPr>
+          </a:p>
+        </p:txBody>
+      </p:sp>
+      <p:sp>
+        <p:nvSpPr>
+          <p:cNvPr id="30" name="Rounded Rectangle 29"/>
+          <p:cNvSpPr/>
+          <p:nvPr/>
+        </p:nvSpPr>
+        <p:spPr>
+          <a:xfrm>
+            <a:off x="1905000" y="4114800"/>
+            <a:ext cx="1264024" cy="304800"/>
+          </a:xfrm>
+          <a:prstGeom prst="roundRect">
+            <a:avLst/>
+          </a:prstGeom>
+          <a:solidFill>
+            <a:schemeClr val="bg1">
+              <a:lumMod val="85000"/>
+            </a:schemeClr>
+          </a:solidFill>
+          <a:ln>
+            <a:solidFill>
+              <a:schemeClr val="tx1"/>
+            </a:solidFill>
+          </a:ln>
+        </p:spPr>
+        <p:style>
+          <a:lnRef idx="2">
+            <a:schemeClr val="accent1">
+              <a:shade val="50000"/>
+            </a:schemeClr>
+          </a:lnRef>
+          <a:fillRef idx="1">
+            <a:schemeClr val="accent1"/>
+          </a:fillRef>
+          <a:effectRef idx="0">
+            <a:schemeClr val="accent1"/>
+          </a:effectRef>
+          <a:fontRef idx="minor">
+            <a:schemeClr val="lt1"/>
+          </a:fontRef>
+        </p:style>
+        <p:txBody>
+          <a:bodyPr rtlCol="0" anchor="ctr"/>
+          <a:lstStyle/>
+          <a:p>
+            <a:pPr algn="ctr"/>
+            <a:r>
+              <a:rPr lang="en-US" sz="1400" b="1" dirty="0" smtClean="0">
+                <a:solidFill>
+                  <a:schemeClr val="tx1"/>
+                </a:solidFill>
+              </a:rPr>
+              <a:t>Jumps</a:t>
+            </a:r>
+            <a:endParaRPr lang="en-US" sz="1400" b="1" dirty="0">
+              <a:solidFill>
+                <a:schemeClr val="tx1"/>
+              </a:solidFill>
+            </a:endParaRPr>
+          </a:p>
+        </p:txBody>
+      </p:sp>
+      <p:sp>
+        <p:nvSpPr>
+          <p:cNvPr id="31" name="Rounded Rectangle 30"/>
+          <p:cNvSpPr/>
+          <p:nvPr/>
+        </p:nvSpPr>
+        <p:spPr>
+          <a:xfrm>
+            <a:off x="304800" y="4648200"/>
+            <a:ext cx="2971800" cy="609600"/>
+          </a:xfrm>
+          <a:prstGeom prst="roundRect">
+            <a:avLst/>
+          </a:prstGeom>
+          <a:solidFill>
+            <a:schemeClr val="bg1">
+              <a:lumMod val="95000"/>
+            </a:schemeClr>
+          </a:solidFill>
+          <a:ln>
+            <a:solidFill>
+              <a:schemeClr val="tx1"/>
+            </a:solidFill>
+          </a:ln>
+        </p:spPr>
+        <p:style>
+          <a:lnRef idx="2">
+            <a:schemeClr val="accent1">
+              <a:shade val="50000"/>
+            </a:schemeClr>
+          </a:lnRef>
+          <a:fillRef idx="1">
+            <a:schemeClr val="accent1"/>
+          </a:fillRef>
+          <a:effectRef idx="0">
+            <a:schemeClr val="accent1"/>
+          </a:effectRef>
+          <a:fontRef idx="minor">
+            <a:schemeClr val="lt1"/>
+          </a:fontRef>
+        </p:style>
+        <p:txBody>
+          <a:bodyPr rtlCol="0" anchor="ctr"/>
+          <a:lstStyle/>
+          <a:p>
+            <a:pPr algn="ctr"/>
+            <a:endParaRPr lang="en-US" b="1" dirty="0">
+              <a:solidFill>
+                <a:schemeClr val="tx1"/>
+              </a:solidFill>
+            </a:endParaRPr>
+          </a:p>
+        </p:txBody>
+      </p:sp>
+      <p:sp>
+        <p:nvSpPr>
+          <p:cNvPr id="32" name="Rounded Rectangle 31"/>
+          <p:cNvSpPr/>
+          <p:nvPr/>
+        </p:nvSpPr>
+        <p:spPr>
+          <a:xfrm>
+            <a:off x="457200" y="4800600"/>
+            <a:ext cx="1295400" cy="312366"/>
+          </a:xfrm>
+          <a:prstGeom prst="roundRect">
+            <a:avLst/>
+          </a:prstGeom>
+          <a:solidFill>
+            <a:schemeClr val="bg1">
+              <a:lumMod val="85000"/>
+            </a:schemeClr>
+          </a:solidFill>
+          <a:ln>
+            <a:solidFill>
+              <a:schemeClr val="tx1"/>
+            </a:solidFill>
+          </a:ln>
+        </p:spPr>
+        <p:style>
+          <a:lnRef idx="2">
+            <a:schemeClr val="accent1">
+              <a:shade val="50000"/>
+            </a:schemeClr>
+          </a:lnRef>
+          <a:fillRef idx="1">
+            <a:schemeClr val="accent1"/>
+          </a:fillRef>
+          <a:effectRef idx="0">
+            <a:schemeClr val="accent1"/>
+          </a:effectRef>
+          <a:fontRef idx="minor">
+            <a:schemeClr val="lt1"/>
+          </a:fontRef>
+        </p:style>
+        <p:txBody>
+          <a:bodyPr rtlCol="0" anchor="ctr"/>
+          <a:lstStyle/>
+          <a:p>
+            <a:pPr algn="ctr"/>
+            <a:r>
+              <a:rPr lang="en-US" sz="1400" b="1" dirty="0" smtClean="0">
+                <a:solidFill>
+                  <a:schemeClr val="tx1"/>
+                </a:solidFill>
+              </a:rPr>
+              <a:t>5</a:t>
+            </a:r>
+            <a:endParaRPr lang="en-US" sz="1400" b="1" dirty="0">
+              <a:solidFill>
+                <a:schemeClr val="tx1"/>
+              </a:solidFill>
+            </a:endParaRPr>
+          </a:p>
+        </p:txBody>
+      </p:sp>
+      <p:sp>
+        <p:nvSpPr>
+          <p:cNvPr id="33" name="Rounded Rectangle 32"/>
+          <p:cNvSpPr/>
+          <p:nvPr/>
+        </p:nvSpPr>
+        <p:spPr>
+          <a:xfrm>
+            <a:off x="1905000" y="4800600"/>
+            <a:ext cx="1264024" cy="304800"/>
+          </a:xfrm>
+          <a:prstGeom prst="roundRect">
+            <a:avLst/>
+          </a:prstGeom>
+          <a:solidFill>
+            <a:schemeClr val="bg1">
+              <a:lumMod val="85000"/>
+            </a:schemeClr>
+          </a:solidFill>
+          <a:ln>
+            <a:solidFill>
+              <a:schemeClr val="tx1"/>
+            </a:solidFill>
+          </a:ln>
+        </p:spPr>
+        <p:style>
+          <a:lnRef idx="2">
+            <a:schemeClr val="accent1">
+              <a:shade val="50000"/>
+            </a:schemeClr>
+          </a:lnRef>
+          <a:fillRef idx="1">
+            <a:schemeClr val="accent1"/>
+          </a:fillRef>
+          <a:effectRef idx="0">
+            <a:schemeClr val="accent1"/>
+          </a:effectRef>
+          <a:fontRef idx="minor">
+            <a:schemeClr val="lt1"/>
+          </a:fontRef>
+        </p:style>
+        <p:txBody>
+          <a:bodyPr rtlCol="0" anchor="ctr"/>
+          <a:lstStyle/>
+          <a:p>
+            <a:pPr algn="ctr"/>
+            <a:r>
+              <a:rPr lang="en-US" sz="1400" b="1" dirty="0" smtClean="0">
+                <a:solidFill>
+                  <a:schemeClr val="tx1"/>
+                </a:solidFill>
+              </a:rPr>
+              <a:t>Over</a:t>
+            </a:r>
+            <a:endParaRPr lang="en-US" sz="1400" b="1" dirty="0">
+              <a:solidFill>
+                <a:schemeClr val="tx1"/>
+              </a:solidFill>
+            </a:endParaRPr>
+          </a:p>
+        </p:txBody>
+      </p:sp>
+      <p:sp>
+        <p:nvSpPr>
+          <p:cNvPr id="34" name="Rounded Rectangle 33"/>
+          <p:cNvSpPr/>
+          <p:nvPr/>
+        </p:nvSpPr>
+        <p:spPr>
+          <a:xfrm>
+            <a:off x="304800" y="5334000"/>
+            <a:ext cx="2971800" cy="609600"/>
+          </a:xfrm>
+          <a:prstGeom prst="roundRect">
+            <a:avLst/>
+          </a:prstGeom>
+          <a:solidFill>
+            <a:schemeClr val="bg1">
+              <a:lumMod val="95000"/>
+            </a:schemeClr>
+          </a:solidFill>
+          <a:ln>
+            <a:solidFill>
+              <a:schemeClr val="tx1"/>
+            </a:solidFill>
+          </a:ln>
+        </p:spPr>
+        <p:style>
+          <a:lnRef idx="2">
+            <a:schemeClr val="accent1">
+              <a:shade val="50000"/>
+            </a:schemeClr>
+          </a:lnRef>
+          <a:fillRef idx="1">
+            <a:schemeClr val="accent1"/>
+          </a:fillRef>
+          <a:effectRef idx="0">
+            <a:schemeClr val="accent1"/>
+          </a:effectRef>
+          <a:fontRef idx="minor">
+            <a:schemeClr val="lt1"/>
+          </a:fontRef>
+        </p:style>
+        <p:txBody>
+          <a:bodyPr rtlCol="0" anchor="ctr"/>
+          <a:lstStyle/>
+          <a:p>
+            <a:pPr algn="ctr"/>
+            <a:endParaRPr lang="en-US" b="1" dirty="0">
+              <a:solidFill>
+                <a:schemeClr val="tx1"/>
+              </a:solidFill>
+            </a:endParaRPr>
+          </a:p>
+        </p:txBody>
+      </p:sp>
+      <p:sp>
+        <p:nvSpPr>
+          <p:cNvPr id="35" name="Rounded Rectangle 34"/>
+          <p:cNvSpPr/>
+          <p:nvPr/>
+        </p:nvSpPr>
+        <p:spPr>
+          <a:xfrm>
+            <a:off x="457200" y="5486400"/>
+            <a:ext cx="1295400" cy="312366"/>
+          </a:xfrm>
+          <a:prstGeom prst="roundRect">
+            <a:avLst/>
+          </a:prstGeom>
+          <a:solidFill>
+            <a:schemeClr val="bg1">
+              <a:lumMod val="85000"/>
+            </a:schemeClr>
+          </a:solidFill>
+          <a:ln>
+            <a:solidFill>
+              <a:schemeClr val="tx1"/>
+            </a:solidFill>
+          </a:ln>
+        </p:spPr>
+        <p:style>
+          <a:lnRef idx="2">
+            <a:schemeClr val="accent1">
+              <a:shade val="50000"/>
+            </a:schemeClr>
+          </a:lnRef>
+          <a:fillRef idx="1">
+            <a:schemeClr val="accent1"/>
+          </a:fillRef>
+          <a:effectRef idx="0">
+            <a:schemeClr val="accent1"/>
+          </a:effectRef>
+          <a:fontRef idx="minor">
+            <a:schemeClr val="lt1"/>
+          </a:fontRef>
+        </p:style>
+        <p:txBody>
+          <a:bodyPr rtlCol="0" anchor="ctr"/>
+          <a:lstStyle/>
+          <a:p>
+            <a:pPr algn="ctr"/>
+            <a:r>
+              <a:rPr lang="en-US" sz="1400" b="1" dirty="0" smtClean="0">
+                <a:solidFill>
+                  <a:schemeClr val="tx1"/>
+                </a:solidFill>
+              </a:rPr>
+              <a:t>6</a:t>
+            </a:r>
+            <a:endParaRPr lang="en-US" sz="1400" b="1" dirty="0">
+              <a:solidFill>
+                <a:schemeClr val="tx1"/>
+              </a:solidFill>
+            </a:endParaRPr>
+          </a:p>
+        </p:txBody>
+      </p:sp>
+      <p:sp>
+        <p:nvSpPr>
+          <p:cNvPr id="36" name="Rounded Rectangle 35"/>
+          <p:cNvSpPr/>
+          <p:nvPr/>
+        </p:nvSpPr>
+        <p:spPr>
+          <a:xfrm>
+            <a:off x="1905000" y="5486400"/>
+            <a:ext cx="1264024" cy="304800"/>
+          </a:xfrm>
+          <a:prstGeom prst="roundRect">
+            <a:avLst/>
+          </a:prstGeom>
+          <a:solidFill>
+            <a:schemeClr val="bg1">
+              <a:lumMod val="85000"/>
+            </a:schemeClr>
+          </a:solidFill>
+          <a:ln>
+            <a:solidFill>
+              <a:schemeClr val="tx1"/>
+            </a:solidFill>
+          </a:ln>
+        </p:spPr>
+        <p:style>
+          <a:lnRef idx="2">
+            <a:schemeClr val="accent1">
+              <a:shade val="50000"/>
+            </a:schemeClr>
+          </a:lnRef>
+          <a:fillRef idx="1">
+            <a:schemeClr val="accent1"/>
+          </a:fillRef>
+          <a:effectRef idx="0">
+            <a:schemeClr val="accent1"/>
+          </a:effectRef>
+          <a:fontRef idx="minor">
+            <a:schemeClr val="lt1"/>
+          </a:fontRef>
+        </p:style>
+        <p:txBody>
+          <a:bodyPr rtlCol="0" anchor="ctr"/>
+          <a:lstStyle/>
+          <a:p>
+            <a:pPr algn="ctr"/>
+            <a:r>
+              <a:rPr lang="en-US" sz="1400" b="1" dirty="0" smtClean="0">
+                <a:solidFill>
+                  <a:schemeClr val="tx1"/>
+                </a:solidFill>
+              </a:rPr>
+              <a:t>the</a:t>
+            </a:r>
+            <a:endParaRPr lang="en-US" sz="1400" b="1" dirty="0">
+              <a:solidFill>
+                <a:schemeClr val="tx1"/>
+              </a:solidFill>
+            </a:endParaRPr>
+          </a:p>
+        </p:txBody>
+      </p:sp>
+      <p:sp>
+        <p:nvSpPr>
+          <p:cNvPr id="37" name="Rounded Rectangle 36"/>
+          <p:cNvSpPr/>
+          <p:nvPr/>
+        </p:nvSpPr>
+        <p:spPr>
+          <a:xfrm>
+            <a:off x="304800" y="6019800"/>
+            <a:ext cx="2971800" cy="609600"/>
+          </a:xfrm>
+          <a:prstGeom prst="roundRect">
+            <a:avLst/>
+          </a:prstGeom>
+          <a:solidFill>
+            <a:schemeClr val="bg1">
+              <a:lumMod val="95000"/>
+            </a:schemeClr>
+          </a:solidFill>
+          <a:ln>
+            <a:solidFill>
+              <a:schemeClr val="tx1"/>
+            </a:solidFill>
+          </a:ln>
+        </p:spPr>
+        <p:style>
+          <a:lnRef idx="2">
+            <a:schemeClr val="accent1">
+              <a:shade val="50000"/>
+            </a:schemeClr>
+          </a:lnRef>
+          <a:fillRef idx="1">
+            <a:schemeClr val="accent1"/>
+          </a:fillRef>
+          <a:effectRef idx="0">
+            <a:schemeClr val="accent1"/>
+          </a:effectRef>
+          <a:fontRef idx="minor">
+            <a:schemeClr val="lt1"/>
+          </a:fontRef>
+        </p:style>
+        <p:txBody>
+          <a:bodyPr rtlCol="0" anchor="ctr"/>
+          <a:lstStyle/>
+          <a:p>
+            <a:pPr algn="ctr"/>
+            <a:endParaRPr lang="en-US" b="1" dirty="0">
+              <a:solidFill>
+                <a:schemeClr val="tx1"/>
+              </a:solidFill>
+            </a:endParaRPr>
+          </a:p>
+        </p:txBody>
+      </p:sp>
+      <p:sp>
+        <p:nvSpPr>
+          <p:cNvPr id="38" name="Rounded Rectangle 37"/>
+          <p:cNvSpPr/>
+          <p:nvPr/>
+        </p:nvSpPr>
+        <p:spPr>
+          <a:xfrm>
+            <a:off x="457200" y="6172200"/>
+            <a:ext cx="1295400" cy="312366"/>
+          </a:xfrm>
+          <a:prstGeom prst="roundRect">
+            <a:avLst/>
+          </a:prstGeom>
+          <a:solidFill>
+            <a:schemeClr val="bg1">
+              <a:lumMod val="85000"/>
+            </a:schemeClr>
+          </a:solidFill>
+          <a:ln>
+            <a:solidFill>
+              <a:schemeClr val="tx1"/>
+            </a:solidFill>
+          </a:ln>
+        </p:spPr>
+        <p:style>
+          <a:lnRef idx="2">
+            <a:schemeClr val="accent1">
+              <a:shade val="50000"/>
+            </a:schemeClr>
+          </a:lnRef>
+          <a:fillRef idx="1">
+            <a:schemeClr val="accent1"/>
+          </a:fillRef>
+          <a:effectRef idx="0">
+            <a:schemeClr val="accent1"/>
+          </a:effectRef>
+          <a:fontRef idx="minor">
+            <a:schemeClr val="lt1"/>
+          </a:fontRef>
+        </p:style>
+        <p:txBody>
+          <a:bodyPr rtlCol="0" anchor="ctr"/>
+          <a:lstStyle/>
+          <a:p>
+            <a:pPr algn="ctr"/>
+            <a:r>
+              <a:rPr lang="en-US" sz="1400" b="1" dirty="0" smtClean="0">
+                <a:solidFill>
+                  <a:schemeClr val="tx1"/>
+                </a:solidFill>
+              </a:rPr>
+              <a:t>7</a:t>
+            </a:r>
+            <a:endParaRPr lang="en-US" sz="1400" b="1" dirty="0">
+              <a:solidFill>
+                <a:schemeClr val="tx1"/>
+              </a:solidFill>
+            </a:endParaRPr>
+          </a:p>
+        </p:txBody>
+      </p:sp>
+      <p:sp>
+        <p:nvSpPr>
+          <p:cNvPr id="39" name="Rounded Rectangle 38"/>
+          <p:cNvSpPr/>
+          <p:nvPr/>
+        </p:nvSpPr>
+        <p:spPr>
+          <a:xfrm>
+            <a:off x="1905000" y="6172200"/>
+            <a:ext cx="1264024" cy="304800"/>
+          </a:xfrm>
+          <a:prstGeom prst="roundRect">
+            <a:avLst/>
+          </a:prstGeom>
+          <a:solidFill>
+            <a:schemeClr val="bg1">
+              <a:lumMod val="85000"/>
+            </a:schemeClr>
+          </a:solidFill>
+          <a:ln>
+            <a:solidFill>
+              <a:schemeClr val="tx1"/>
+            </a:solidFill>
+          </a:ln>
+        </p:spPr>
+        <p:style>
+          <a:lnRef idx="2">
+            <a:schemeClr val="accent1">
+              <a:shade val="50000"/>
+            </a:schemeClr>
+          </a:lnRef>
+          <a:fillRef idx="1">
+            <a:schemeClr val="accent1"/>
+          </a:fillRef>
+          <a:effectRef idx="0">
+            <a:schemeClr val="accent1"/>
+          </a:effectRef>
+          <a:fontRef idx="minor">
+            <a:schemeClr val="lt1"/>
+          </a:fontRef>
+        </p:style>
+        <p:txBody>
+          <a:bodyPr rtlCol="0" anchor="ctr"/>
+          <a:lstStyle/>
+          <a:p>
+            <a:pPr algn="ctr"/>
+            <a:r>
+              <a:rPr lang="en-US" sz="1400" b="1" dirty="0" smtClean="0">
+                <a:solidFill>
+                  <a:schemeClr val="tx1"/>
+                </a:solidFill>
+              </a:rPr>
+              <a:t>Lazy</a:t>
+            </a:r>
+            <a:endParaRPr lang="en-US" sz="1400" b="1" dirty="0">
+              <a:solidFill>
+                <a:schemeClr val="tx1"/>
+              </a:solidFill>
+            </a:endParaRPr>
+          </a:p>
+        </p:txBody>
+      </p:sp>
+      <p:sp>
+        <p:nvSpPr>
+          <p:cNvPr id="40" name="Rounded Rectangle 39"/>
+          <p:cNvSpPr/>
+          <p:nvPr/>
+        </p:nvSpPr>
+        <p:spPr>
+          <a:xfrm>
+            <a:off x="3581400" y="1219200"/>
+            <a:ext cx="2971800" cy="609600"/>
+          </a:xfrm>
+          <a:prstGeom prst="roundRect">
+            <a:avLst/>
+          </a:prstGeom>
+          <a:solidFill>
+            <a:schemeClr val="bg1">
+              <a:lumMod val="95000"/>
+            </a:schemeClr>
+          </a:solidFill>
+          <a:ln>
+            <a:solidFill>
+              <a:schemeClr val="tx1"/>
+            </a:solidFill>
+          </a:ln>
+        </p:spPr>
+        <p:style>
+          <a:lnRef idx="2">
+            <a:schemeClr val="accent1">
+              <a:shade val="50000"/>
+            </a:schemeClr>
+          </a:lnRef>
+          <a:fillRef idx="1">
+            <a:schemeClr val="accent1"/>
+          </a:fillRef>
+          <a:effectRef idx="0">
+            <a:schemeClr val="accent1"/>
+          </a:effectRef>
+          <a:fontRef idx="minor">
+            <a:schemeClr val="lt1"/>
+          </a:fontRef>
+        </p:style>
+        <p:txBody>
+          <a:bodyPr rtlCol="0" anchor="ctr"/>
+          <a:lstStyle/>
+          <a:p>
+            <a:pPr algn="ctr"/>
+            <a:endParaRPr lang="en-US" b="1" dirty="0">
+              <a:solidFill>
+                <a:schemeClr val="tx1"/>
+              </a:solidFill>
+            </a:endParaRPr>
+          </a:p>
+        </p:txBody>
+      </p:sp>
+      <p:sp>
+        <p:nvSpPr>
+          <p:cNvPr id="41" name="Rounded Rectangle 40"/>
+          <p:cNvSpPr/>
+          <p:nvPr/>
+        </p:nvSpPr>
+        <p:spPr>
+          <a:xfrm>
+            <a:off x="3733800" y="1371600"/>
+            <a:ext cx="1295400" cy="312366"/>
+          </a:xfrm>
+          <a:prstGeom prst="roundRect">
+            <a:avLst/>
+          </a:prstGeom>
+          <a:solidFill>
+            <a:schemeClr val="bg1">
+              <a:lumMod val="85000"/>
+            </a:schemeClr>
+          </a:solidFill>
+          <a:ln>
+            <a:solidFill>
+              <a:schemeClr val="tx1"/>
+            </a:solidFill>
+          </a:ln>
+        </p:spPr>
+        <p:style>
+          <a:lnRef idx="2">
+            <a:schemeClr val="accent1">
+              <a:shade val="50000"/>
+            </a:schemeClr>
+          </a:lnRef>
+          <a:fillRef idx="1">
+            <a:schemeClr val="accent1"/>
+          </a:fillRef>
+          <a:effectRef idx="0">
+            <a:schemeClr val="accent1"/>
+          </a:effectRef>
+          <a:fontRef idx="minor">
+            <a:schemeClr val="lt1"/>
+          </a:fontRef>
+        </p:style>
+        <p:txBody>
+          <a:bodyPr rtlCol="0" anchor="ctr"/>
+          <a:lstStyle/>
+          <a:p>
+            <a:pPr algn="ctr"/>
+            <a:r>
+              <a:rPr lang="en-US" sz="1400" b="1" dirty="0" smtClean="0">
+                <a:solidFill>
+                  <a:schemeClr val="tx1"/>
+                </a:solidFill>
+              </a:rPr>
+              <a:t>8</a:t>
+            </a:r>
+            <a:endParaRPr lang="en-US" sz="1400" b="1" dirty="0">
+              <a:solidFill>
+                <a:schemeClr val="tx1"/>
+              </a:solidFill>
+            </a:endParaRPr>
+          </a:p>
+        </p:txBody>
+      </p:sp>
+      <p:sp>
+        <p:nvSpPr>
+          <p:cNvPr id="42" name="Rounded Rectangle 41"/>
+          <p:cNvSpPr/>
+          <p:nvPr/>
+        </p:nvSpPr>
+        <p:spPr>
+          <a:xfrm>
+            <a:off x="5181600" y="1371600"/>
+            <a:ext cx="1264024" cy="304800"/>
+          </a:xfrm>
+          <a:prstGeom prst="roundRect">
+            <a:avLst/>
+          </a:prstGeom>
+          <a:solidFill>
+            <a:schemeClr val="bg1">
+              <a:lumMod val="85000"/>
+            </a:schemeClr>
+          </a:solidFill>
+          <a:ln>
+            <a:solidFill>
+              <a:schemeClr val="tx1"/>
+            </a:solidFill>
+          </a:ln>
+        </p:spPr>
+        <p:style>
+          <a:lnRef idx="2">
+            <a:schemeClr val="accent1">
+              <a:shade val="50000"/>
+            </a:schemeClr>
+          </a:lnRef>
+          <a:fillRef idx="1">
+            <a:schemeClr val="accent1"/>
+          </a:fillRef>
+          <a:effectRef idx="0">
+            <a:schemeClr val="accent1"/>
+          </a:effectRef>
+          <a:fontRef idx="minor">
+            <a:schemeClr val="lt1"/>
+          </a:fontRef>
+        </p:style>
+        <p:txBody>
+          <a:bodyPr rtlCol="0" anchor="ctr"/>
+          <a:lstStyle/>
+          <a:p>
+            <a:pPr algn="ctr"/>
+            <a:r>
+              <a:rPr lang="en-US" sz="1400" b="1" dirty="0" smtClean="0">
+                <a:solidFill>
+                  <a:schemeClr val="tx1"/>
+                </a:solidFill>
+              </a:rPr>
+              <a:t>Brown</a:t>
+            </a:r>
+            <a:endParaRPr lang="en-US" sz="1400" b="1" dirty="0">
+              <a:solidFill>
+                <a:schemeClr val="tx1"/>
+              </a:solidFill>
+            </a:endParaRPr>
+          </a:p>
+        </p:txBody>
+      </p:sp>
+      <p:sp>
+        <p:nvSpPr>
+          <p:cNvPr id="43" name="Rounded Rectangle 42"/>
+          <p:cNvSpPr/>
+          <p:nvPr/>
+        </p:nvSpPr>
+        <p:spPr>
+          <a:xfrm>
+            <a:off x="3581400" y="1905000"/>
+            <a:ext cx="2971800" cy="609600"/>
+          </a:xfrm>
+          <a:prstGeom prst="roundRect">
+            <a:avLst/>
+          </a:prstGeom>
+          <a:solidFill>
+            <a:schemeClr val="bg1">
+              <a:lumMod val="95000"/>
+            </a:schemeClr>
+          </a:solidFill>
+          <a:ln>
+            <a:solidFill>
+              <a:schemeClr val="tx1"/>
+            </a:solidFill>
+          </a:ln>
+        </p:spPr>
+        <p:style>
+          <a:lnRef idx="2">
+            <a:schemeClr val="accent1">
+              <a:shade val="50000"/>
+            </a:schemeClr>
+          </a:lnRef>
+          <a:fillRef idx="1">
+            <a:schemeClr val="accent1"/>
+          </a:fillRef>
+          <a:effectRef idx="0">
+            <a:schemeClr val="accent1"/>
+          </a:effectRef>
+          <a:fontRef idx="minor">
+            <a:schemeClr val="lt1"/>
+          </a:fontRef>
+        </p:style>
+        <p:txBody>
+          <a:bodyPr rtlCol="0" anchor="ctr"/>
+          <a:lstStyle/>
+          <a:p>
+            <a:pPr algn="ctr"/>
+            <a:endParaRPr lang="en-US" b="1" dirty="0">
+              <a:solidFill>
+                <a:schemeClr val="tx1"/>
+              </a:solidFill>
+            </a:endParaRPr>
+          </a:p>
+        </p:txBody>
+      </p:sp>
+      <p:sp>
+        <p:nvSpPr>
+          <p:cNvPr id="44" name="Rounded Rectangle 43"/>
+          <p:cNvSpPr/>
+          <p:nvPr/>
+        </p:nvSpPr>
+        <p:spPr>
+          <a:xfrm>
+            <a:off x="3733800" y="2057400"/>
+            <a:ext cx="1295400" cy="312366"/>
+          </a:xfrm>
+          <a:prstGeom prst="roundRect">
+            <a:avLst/>
+          </a:prstGeom>
+          <a:solidFill>
+            <a:schemeClr val="bg1">
+              <a:lumMod val="85000"/>
+            </a:schemeClr>
+          </a:solidFill>
+          <a:ln>
+            <a:solidFill>
+              <a:schemeClr val="tx1"/>
+            </a:solidFill>
+          </a:ln>
+        </p:spPr>
+        <p:style>
+          <a:lnRef idx="2">
+            <a:schemeClr val="accent1">
+              <a:shade val="50000"/>
+            </a:schemeClr>
+          </a:lnRef>
+          <a:fillRef idx="1">
+            <a:schemeClr val="accent1"/>
+          </a:fillRef>
+          <a:effectRef idx="0">
+            <a:schemeClr val="accent1"/>
+          </a:effectRef>
+          <a:fontRef idx="minor">
+            <a:schemeClr val="lt1"/>
+          </a:fontRef>
+        </p:style>
+        <p:txBody>
+          <a:bodyPr rtlCol="0" anchor="ctr"/>
+          <a:lstStyle/>
+          <a:p>
+            <a:pPr algn="ctr"/>
+            <a:r>
+              <a:rPr lang="en-US" sz="1400" b="1" dirty="0" smtClean="0">
+                <a:solidFill>
+                  <a:schemeClr val="tx1"/>
+                </a:solidFill>
+              </a:rPr>
+              <a:t>9</a:t>
+            </a:r>
+            <a:endParaRPr lang="en-US" sz="1400" b="1" dirty="0">
+              <a:solidFill>
+                <a:schemeClr val="tx1"/>
+              </a:solidFill>
+            </a:endParaRPr>
+          </a:p>
+        </p:txBody>
+      </p:sp>
+      <p:sp>
+        <p:nvSpPr>
+          <p:cNvPr id="45" name="Rounded Rectangle 44"/>
+          <p:cNvSpPr/>
+          <p:nvPr/>
+        </p:nvSpPr>
+        <p:spPr>
+          <a:xfrm>
+            <a:off x="5181600" y="2057400"/>
+            <a:ext cx="1264024" cy="304800"/>
+          </a:xfrm>
+          <a:prstGeom prst="roundRect">
+            <a:avLst/>
+          </a:prstGeom>
+          <a:solidFill>
+            <a:schemeClr val="bg1">
+              <a:lumMod val="85000"/>
+            </a:schemeClr>
+          </a:solidFill>
+          <a:ln>
+            <a:solidFill>
+              <a:schemeClr val="tx1"/>
+            </a:solidFill>
+          </a:ln>
+        </p:spPr>
+        <p:style>
+          <a:lnRef idx="2">
+            <a:schemeClr val="accent1">
+              <a:shade val="50000"/>
+            </a:schemeClr>
+          </a:lnRef>
+          <a:fillRef idx="1">
+            <a:schemeClr val="accent1"/>
+          </a:fillRef>
+          <a:effectRef idx="0">
+            <a:schemeClr val="accent1"/>
+          </a:effectRef>
+          <a:fontRef idx="minor">
+            <a:schemeClr val="lt1"/>
+          </a:fontRef>
+        </p:style>
+        <p:txBody>
+          <a:bodyPr rtlCol="0" anchor="ctr"/>
+          <a:lstStyle/>
+          <a:p>
+            <a:pPr algn="ctr"/>
+            <a:r>
+              <a:rPr lang="en-US" sz="1400" b="1" dirty="0" smtClean="0">
+                <a:solidFill>
+                  <a:schemeClr val="tx1"/>
+                </a:solidFill>
+              </a:rPr>
+              <a:t>Dog</a:t>
+            </a:r>
+            <a:endParaRPr lang="en-US" sz="1400" b="1" dirty="0">
+              <a:solidFill>
+                <a:schemeClr val="tx1"/>
+              </a:solidFill>
+            </a:endParaRPr>
+          </a:p>
+        </p:txBody>
+      </p:sp>
+    </p:spTree>
+  </p:cSld>
+  <p:clrMapOvr>
+    <a:masterClrMapping/>
+  </p:clrMapOvr>
+</p:sld>
+</file>
+
+<file path=ppt/slides/slide6.xml><?xml version="1.0" encoding="utf-8"?>
+<p:sld xmlns:a="http://schemas.openxmlformats.org/drawingml/2006/main" xmlns:r="http://schemas.openxmlformats.org/officeDocument/2006/relationships" xmlns:p="http://schemas.openxmlformats.org/presentationml/2006/main">
+  <p:cSld>
+    <p:spTree>
+      <p:nvGrpSpPr>
+        <p:cNvPr id="1" name=""/>
+        <p:cNvGrpSpPr/>
+        <p:nvPr/>
+      </p:nvGrpSpPr>
+      <p:grpSpPr>
+        <a:xfrm>
+          <a:off x="0" y="0"/>
+          <a:ext cx="0" cy="0"/>
+          <a:chOff x="0" y="0"/>
+          <a:chExt cx="0" cy="0"/>
+        </a:xfrm>
+      </p:grpSpPr>
+      <p:sp>
+        <p:nvSpPr>
+          <p:cNvPr id="72" name="TextBox 71"/>
+          <p:cNvSpPr txBox="1"/>
+          <p:nvPr/>
+        </p:nvSpPr>
+        <p:spPr>
+          <a:xfrm>
+            <a:off x="152400" y="152400"/>
+            <a:ext cx="8610600" cy="830997"/>
+          </a:xfrm>
+          <a:prstGeom prst="rect">
+            <a:avLst/>
+          </a:prstGeom>
+          <a:noFill/>
+        </p:spPr>
+        <p:txBody>
+          <a:bodyPr wrap="square" rtlCol="0">
+            <a:spAutoFit/>
+          </a:bodyPr>
+          <a:lstStyle/>
+          <a:p>
+            <a:r>
+              <a:rPr lang="en-US" sz="2400" dirty="0" smtClean="0"/>
               <a:t>Example KV List for sentence (</a:t>
             </a:r>
             <a:r>
@@ -5965,11 +8264,7 @@
           <a:p>
             <a:r>
               <a:rPr lang="en-US" sz="2400" b="1" dirty="0" smtClean="0"/>
-              <a:t>The </a:t>
-            </a:r>
-            <a:r>
-              <a:rPr lang="en-US" sz="2400" b="1" dirty="0" smtClean="0"/>
-              <a:t>Quick Red </a:t>
+              <a:t>The Quick Red </a:t>
             </a:r>
             <a:r>
               <a:rPr lang="en-US" sz="2400" b="1" i="1" dirty="0" smtClean="0"/>
@@ -5977,13 +8272,8 @@
             </a:r>
             <a:r>
               <a:rPr lang="en-US" sz="2400" b="1" dirty="0" smtClean="0"/>
-              <a:t> the Lazy Brown </a:t>
-            </a:r>
-            <a:r>
-              <a:rPr lang="en-US" sz="2400" b="1" dirty="0" smtClean="0"/>
-              <a:t>Dog</a:t>
-            </a:r>
-            <a:endParaRPr lang="en-US" sz="2400" b="1" dirty="0" smtClean="0"/>
+              <a:t> the Lazy Brown Dog</a:t>
+            </a:r>
           </a:p>
         </p:txBody>
       </p:sp>

--- a/Resources/Documentation/Data-Design.pptx
+++ b/Resources/Documentation/Data-Design.pptx
@@ -294,7 +294,7 @@
             <a:fld id="{1D8BD707-D9CF-40AE-B4C6-C98DA3205C09}" type="datetimeFigureOut">
               <a:rPr lang="en-US" smtClean="0"/>
               <a:pPr/>
-              <a:t>8/11/2012</a:t>
+              <a:t>9/20/2012</a:t>
             </a:fld>
             <a:endParaRPr lang="en-US"/>
           </a:p>
@@ -461,7 +461,7 @@
             <a:fld id="{1D8BD707-D9CF-40AE-B4C6-C98DA3205C09}" type="datetimeFigureOut">
               <a:rPr lang="en-US" smtClean="0"/>
               <a:pPr/>
-              <a:t>8/11/2012</a:t>
+              <a:t>9/20/2012</a:t>
             </a:fld>
             <a:endParaRPr lang="en-US"/>
           </a:p>
@@ -638,7 +638,7 @@
             <a:fld id="{1D8BD707-D9CF-40AE-B4C6-C98DA3205C09}" type="datetimeFigureOut">
               <a:rPr lang="en-US" smtClean="0"/>
               <a:pPr/>
-              <a:t>8/11/2012</a:t>
+              <a:t>9/20/2012</a:t>
             </a:fld>
             <a:endParaRPr lang="en-US"/>
           </a:p>
@@ -805,7 +805,7 @@
             <a:fld id="{1D8BD707-D9CF-40AE-B4C6-C98DA3205C09}" type="datetimeFigureOut">
               <a:rPr lang="en-US" smtClean="0"/>
               <a:pPr/>
-              <a:t>8/11/2012</a:t>
+              <a:t>9/20/2012</a:t>
             </a:fld>
             <a:endParaRPr lang="en-US"/>
           </a:p>
@@ -1048,7 +1048,7 @@
             <a:fld id="{1D8BD707-D9CF-40AE-B4C6-C98DA3205C09}" type="datetimeFigureOut">
               <a:rPr lang="en-US" smtClean="0"/>
               <a:pPr/>
-              <a:t>8/11/2012</a:t>
+              <a:t>9/20/2012</a:t>
             </a:fld>
             <a:endParaRPr lang="en-US"/>
           </a:p>
@@ -1333,7 +1333,7 @@
             <a:fld id="{1D8BD707-D9CF-40AE-B4C6-C98DA3205C09}" type="datetimeFigureOut">
               <a:rPr lang="en-US" smtClean="0"/>
               <a:pPr/>
-              <a:t>8/11/2012</a:t>
+              <a:t>9/20/2012</a:t>
             </a:fld>
             <a:endParaRPr lang="en-US"/>
           </a:p>
@@ -1752,7 +1752,7 @@
             <a:fld id="{1D8BD707-D9CF-40AE-B4C6-C98DA3205C09}" type="datetimeFigureOut">
               <a:rPr lang="en-US" smtClean="0"/>
               <a:pPr/>
-              <a:t>8/11/2012</a:t>
+              <a:t>9/20/2012</a:t>
             </a:fld>
             <a:endParaRPr lang="en-US"/>
           </a:p>
@@ -1867,7 +1867,7 @@
             <a:fld id="{1D8BD707-D9CF-40AE-B4C6-C98DA3205C09}" type="datetimeFigureOut">
               <a:rPr lang="en-US" smtClean="0"/>
               <a:pPr/>
-              <a:t>8/11/2012</a:t>
+              <a:t>9/20/2012</a:t>
             </a:fld>
             <a:endParaRPr lang="en-US"/>
           </a:p>
@@ -1959,7 +1959,7 @@
             <a:fld id="{1D8BD707-D9CF-40AE-B4C6-C98DA3205C09}" type="datetimeFigureOut">
               <a:rPr lang="en-US" smtClean="0"/>
               <a:pPr/>
-              <a:t>8/11/2012</a:t>
+              <a:t>9/20/2012</a:t>
             </a:fld>
             <a:endParaRPr lang="en-US"/>
           </a:p>
@@ -2233,7 +2233,7 @@
             <a:fld id="{1D8BD707-D9CF-40AE-B4C6-C98DA3205C09}" type="datetimeFigureOut">
               <a:rPr lang="en-US" smtClean="0"/>
               <a:pPr/>
-              <a:t>8/11/2012</a:t>
+              <a:t>9/20/2012</a:t>
             </a:fld>
             <a:endParaRPr lang="en-US"/>
           </a:p>
@@ -2483,7 +2483,7 @@
             <a:fld id="{1D8BD707-D9CF-40AE-B4C6-C98DA3205C09}" type="datetimeFigureOut">
               <a:rPr lang="en-US" smtClean="0"/>
               <a:pPr/>
-              <a:t>8/11/2012</a:t>
+              <a:t>9/20/2012</a:t>
             </a:fld>
             <a:endParaRPr lang="en-US"/>
           </a:p>
@@ -2693,7 +2693,7 @@
             <a:fld id="{1D8BD707-D9CF-40AE-B4C6-C98DA3205C09}" type="datetimeFigureOut">
               <a:rPr lang="en-US" smtClean="0"/>
               <a:pPr/>
-              <a:t>8/11/2012</a:t>
+              <a:t>9/20/2012</a:t>
             </a:fld>
             <a:endParaRPr lang="en-US"/>
           </a:p>
@@ -3764,15 +3764,7 @@
           <a:p>
             <a:r>
               <a:rPr lang="en-US" sz="2400" dirty="0" smtClean="0"/>
-              <a:t>Extended Data </a:t>
-            </a:r>
-            <a:r>
-              <a:rPr lang="en-US" sz="2400" dirty="0" smtClean="0"/>
-              <a:t>for Type</a:t>
-            </a:r>
-            <a:r>
-              <a:rPr lang="en-US" sz="2400" dirty="0" smtClean="0"/>
-              <a:t>: </a:t>
+              <a:t>Extended Data for Type: </a:t>
             </a:r>
             <a:r>
               <a:rPr lang="en-US" sz="2400" b="1" dirty="0" err="1" smtClean="0"/>
@@ -3997,11 +3989,6 @@
               </a:rPr>
               <a:t>String</a:t>
             </a:r>
-            <a:endParaRPr lang="en-US" sz="1400" b="1" dirty="0" smtClean="0">
-              <a:solidFill>
-                <a:schemeClr val="tx1"/>
-              </a:solidFill>
-            </a:endParaRPr>
           </a:p>
         </p:txBody>
       </p:sp>
@@ -4066,11 +4053,6 @@
               </a:rPr>
               <a:t>String</a:t>
             </a:r>
-            <a:endParaRPr lang="en-US" sz="1400" b="1" dirty="0" smtClean="0">
-              <a:solidFill>
-                <a:schemeClr val="tx1"/>
-              </a:solidFill>
-            </a:endParaRPr>
           </a:p>
         </p:txBody>
       </p:sp>
@@ -4369,21 +4351,8 @@
                   <a:schemeClr val="tx1"/>
                 </a:solidFill>
               </a:rPr>
-              <a:t>Default: </a:t>
-            </a:r>
-            <a:r>
-              <a:rPr lang="en-US" sz="1400" b="1" dirty="0" smtClean="0">
-                <a:solidFill>
-                  <a:schemeClr val="tx1"/>
-                </a:solidFill>
-              </a:rPr>
-              <a:t>String</a:t>
-            </a:r>
-            <a:endParaRPr lang="en-US" sz="1400" b="1" dirty="0" smtClean="0">
-              <a:solidFill>
-                <a:schemeClr val="tx1"/>
-              </a:solidFill>
-            </a:endParaRPr>
+              <a:t>Default: String</a:t>
+            </a:r>
           </a:p>
         </p:txBody>
       </p:sp>
@@ -4448,11 +4417,6 @@
               </a:rPr>
               <a:t>String</a:t>
             </a:r>
-            <a:endParaRPr lang="en-US" sz="1400" b="1" dirty="0" smtClean="0">
-              <a:solidFill>
-                <a:schemeClr val="tx1"/>
-              </a:solidFill>
-            </a:endParaRPr>
           </a:p>
         </p:txBody>
       </p:sp>
@@ -4480,11 +4444,7 @@
           <a:p>
             <a:r>
               <a:rPr lang="en-US" sz="2400" dirty="0" smtClean="0"/>
-              <a:t>Data </a:t>
-            </a:r>
-            <a:r>
-              <a:rPr lang="en-US" sz="2400" dirty="0" smtClean="0"/>
-              <a:t>Type: </a:t>
+              <a:t>Data Type: </a:t>
             </a:r>
             <a:r>
               <a:rPr lang="en-US" sz="2400" dirty="0" err="1" smtClean="0"/>
@@ -4731,21 +4691,8 @@
                   <a:schemeClr val="tx1"/>
                 </a:solidFill>
               </a:rPr>
-              <a:t>Default: </a:t>
-            </a:r>
-            <a:r>
-              <a:rPr lang="en-US" sz="1400" b="1" dirty="0" smtClean="0">
-                <a:solidFill>
-                  <a:schemeClr val="tx1"/>
-                </a:solidFill>
-              </a:rPr>
-              <a:t>String</a:t>
-            </a:r>
-            <a:endParaRPr lang="en-US" sz="1400" b="1" dirty="0" smtClean="0">
-              <a:solidFill>
-                <a:schemeClr val="tx1"/>
-              </a:solidFill>
-            </a:endParaRPr>
+              <a:t>Default: String</a:t>
+            </a:r>
           </a:p>
         </p:txBody>
       </p:sp>
@@ -5062,11 +5009,6 @@
               </a:rPr>
               <a:t>String</a:t>
             </a:r>
-            <a:endParaRPr lang="en-US" sz="1400" b="1" dirty="0" smtClean="0">
-              <a:solidFill>
-                <a:schemeClr val="tx1"/>
-              </a:solidFill>
-            </a:endParaRPr>
           </a:p>
         </p:txBody>
       </p:sp>
@@ -5131,11 +5073,6 @@
               </a:rPr>
               <a:t>String</a:t>
             </a:r>
-            <a:endParaRPr lang="en-US" sz="1400" b="1" dirty="0" smtClean="0">
-              <a:solidFill>
-                <a:schemeClr val="tx1"/>
-              </a:solidFill>
-            </a:endParaRPr>
           </a:p>
         </p:txBody>
       </p:sp>
@@ -5448,21 +5385,8 @@
                     <a:schemeClr val="tx1"/>
                   </a:solidFill>
                 </a:rPr>
-                <a:t>Default: </a:t>
+                <a:t>Default: String</a:t>
               </a:r>
-              <a:r>
-                <a:rPr lang="en-US" sz="1400" b="1" dirty="0" smtClean="0">
-                  <a:solidFill>
-                    <a:schemeClr val="tx1"/>
-                  </a:solidFill>
-                </a:rPr>
-                <a:t>String</a:t>
-              </a:r>
-              <a:endParaRPr lang="en-US" sz="1400" b="1" dirty="0" smtClean="0">
-                <a:solidFill>
-                  <a:schemeClr val="tx1"/>
-                </a:solidFill>
-              </a:endParaRPr>
             </a:p>
           </p:txBody>
         </p:sp>
@@ -5527,11 +5451,6 @@
                 </a:rPr>
                 <a:t>String</a:t>
               </a:r>
-              <a:endParaRPr lang="en-US" sz="1400" b="1" dirty="0" smtClean="0">
-                <a:solidFill>
-                  <a:schemeClr val="tx1"/>
-                </a:solidFill>
-              </a:endParaRPr>
             </a:p>
           </p:txBody>
         </p:sp>
@@ -5559,11 +5478,7 @@
             <a:p>
               <a:r>
                 <a:rPr lang="en-US" sz="2400" dirty="0" smtClean="0"/>
-                <a:t>Data </a:t>
-              </a:r>
-              <a:r>
-                <a:rPr lang="en-US" sz="2400" dirty="0" smtClean="0"/>
-                <a:t>Type: </a:t>
+                <a:t>Data Type: </a:t>
               </a:r>
               <a:r>
                 <a:rPr lang="en-US" sz="2400" dirty="0" err="1" smtClean="0"/>
@@ -5825,21 +5740,8 @@
                     <a:schemeClr val="tx1"/>
                   </a:solidFill>
                 </a:rPr>
-                <a:t>Default: </a:t>
+                <a:t>Default: Boolean</a:t>
               </a:r>
-              <a:r>
-                <a:rPr lang="en-US" sz="1400" b="1" dirty="0" smtClean="0">
-                  <a:solidFill>
-                    <a:schemeClr val="tx1"/>
-                  </a:solidFill>
-                </a:rPr>
-                <a:t>Boolean</a:t>
-              </a:r>
-              <a:endParaRPr lang="en-US" sz="1400" b="1" dirty="0" smtClean="0">
-                <a:solidFill>
-                  <a:schemeClr val="tx1"/>
-                </a:solidFill>
-              </a:endParaRPr>
             </a:p>
           </p:txBody>
         </p:sp>
@@ -5904,11 +5806,6 @@
                 </a:rPr>
                 <a:t>String</a:t>
               </a:r>
-              <a:endParaRPr lang="en-US" sz="1400" b="1" dirty="0" smtClean="0">
-                <a:solidFill>
-                  <a:schemeClr val="tx1"/>
-                </a:solidFill>
-              </a:endParaRPr>
             </a:p>
           </p:txBody>
         </p:sp>
@@ -5936,11 +5833,7 @@
             <a:p>
               <a:r>
                 <a:rPr lang="en-US" sz="2400" dirty="0" smtClean="0"/>
-                <a:t>Data </a:t>
-              </a:r>
-              <a:r>
-                <a:rPr lang="en-US" sz="2400" dirty="0" smtClean="0"/>
-                <a:t>Type: </a:t>
+                <a:t>Data Type: </a:t>
               </a:r>
               <a:r>
                 <a:rPr lang="en-US" sz="2400" dirty="0" err="1" smtClean="0"/>
@@ -6202,21 +6095,8 @@
                     <a:schemeClr val="tx1"/>
                   </a:solidFill>
                 </a:rPr>
-                <a:t>Default: </a:t>
+                <a:t>Default: Float</a:t>
               </a:r>
-              <a:r>
-                <a:rPr lang="en-US" sz="1400" b="1" dirty="0" smtClean="0">
-                  <a:solidFill>
-                    <a:schemeClr val="tx1"/>
-                  </a:solidFill>
-                </a:rPr>
-                <a:t>Float</a:t>
-              </a:r>
-              <a:endParaRPr lang="en-US" sz="1400" b="1" dirty="0" smtClean="0">
-                <a:solidFill>
-                  <a:schemeClr val="tx1"/>
-                </a:solidFill>
-              </a:endParaRPr>
             </a:p>
           </p:txBody>
         </p:sp>
@@ -6281,11 +6161,6 @@
                 </a:rPr>
                 <a:t>String</a:t>
               </a:r>
-              <a:endParaRPr lang="en-US" sz="1400" b="1" dirty="0" smtClean="0">
-                <a:solidFill>
-                  <a:schemeClr val="tx1"/>
-                </a:solidFill>
-              </a:endParaRPr>
             </a:p>
           </p:txBody>
         </p:sp>
@@ -6313,11 +6188,7 @@
             <a:p>
               <a:r>
                 <a:rPr lang="en-US" sz="2400" dirty="0" smtClean="0"/>
-                <a:t>Data </a:t>
-              </a:r>
-              <a:r>
-                <a:rPr lang="en-US" sz="2400" dirty="0" smtClean="0"/>
-                <a:t>Type: </a:t>
+                <a:t>Data Type: </a:t>
               </a:r>
               <a:r>
                 <a:rPr lang="en-US" sz="2400" dirty="0" err="1" smtClean="0"/>
@@ -6353,6 +6224,1480 @@
           <a:chExt cx="0" cy="0"/>
         </a:xfrm>
       </p:grpSpPr>
+      <p:sp>
+        <p:nvSpPr>
+          <p:cNvPr id="8" name="Rounded Rectangle 7"/>
+          <p:cNvSpPr/>
+          <p:nvPr/>
+        </p:nvSpPr>
+        <p:spPr>
+          <a:xfrm>
+            <a:off x="228600" y="228600"/>
+            <a:ext cx="8686800" cy="6400800"/>
+          </a:xfrm>
+          <a:prstGeom prst="roundRect">
+            <a:avLst>
+              <a:gd name="adj" fmla="val 3907"/>
+            </a:avLst>
+          </a:prstGeom>
+          <a:solidFill>
+            <a:schemeClr val="bg1">
+              <a:lumMod val="75000"/>
+            </a:schemeClr>
+          </a:solidFill>
+          <a:ln>
+            <a:solidFill>
+              <a:schemeClr val="tx1"/>
+            </a:solidFill>
+          </a:ln>
+        </p:spPr>
+        <p:style>
+          <a:lnRef idx="2">
+            <a:schemeClr val="accent1">
+              <a:shade val="50000"/>
+            </a:schemeClr>
+          </a:lnRef>
+          <a:fillRef idx="1">
+            <a:schemeClr val="accent1"/>
+          </a:fillRef>
+          <a:effectRef idx="0">
+            <a:schemeClr val="accent1"/>
+          </a:effectRef>
+          <a:fontRef idx="minor">
+            <a:schemeClr val="lt1"/>
+          </a:fontRef>
+        </p:style>
+        <p:txBody>
+          <a:bodyPr rtlCol="0" anchor="ctr"/>
+          <a:lstStyle/>
+          <a:p>
+            <a:pPr algn="ctr"/>
+            <a:endParaRPr lang="en-US" b="1" dirty="0">
+              <a:solidFill>
+                <a:schemeClr val="tx1"/>
+              </a:solidFill>
+            </a:endParaRPr>
+          </a:p>
+        </p:txBody>
+      </p:sp>
+      <p:sp>
+        <p:nvSpPr>
+          <p:cNvPr id="9" name="Rounded Rectangle 8"/>
+          <p:cNvSpPr/>
+          <p:nvPr/>
+        </p:nvSpPr>
+        <p:spPr>
+          <a:xfrm>
+            <a:off x="381000" y="2743200"/>
+            <a:ext cx="8382000" cy="3733800"/>
+          </a:xfrm>
+          <a:prstGeom prst="roundRect">
+            <a:avLst>
+              <a:gd name="adj" fmla="val 3907"/>
+            </a:avLst>
+          </a:prstGeom>
+          <a:solidFill>
+            <a:schemeClr val="bg1">
+              <a:lumMod val="85000"/>
+            </a:schemeClr>
+          </a:solidFill>
+          <a:ln>
+            <a:solidFill>
+              <a:schemeClr val="tx1"/>
+            </a:solidFill>
+          </a:ln>
+        </p:spPr>
+        <p:style>
+          <a:lnRef idx="2">
+            <a:schemeClr val="accent1">
+              <a:shade val="50000"/>
+            </a:schemeClr>
+          </a:lnRef>
+          <a:fillRef idx="1">
+            <a:schemeClr val="accent1"/>
+          </a:fillRef>
+          <a:effectRef idx="0">
+            <a:schemeClr val="accent1"/>
+          </a:effectRef>
+          <a:fontRef idx="minor">
+            <a:schemeClr val="lt1"/>
+          </a:fontRef>
+        </p:style>
+        <p:txBody>
+          <a:bodyPr rtlCol="0" anchor="ctr"/>
+          <a:lstStyle/>
+          <a:p>
+            <a:pPr algn="ctr"/>
+            <a:endParaRPr lang="en-US" b="1" dirty="0">
+              <a:solidFill>
+                <a:schemeClr val="tx1"/>
+              </a:solidFill>
+            </a:endParaRPr>
+          </a:p>
+        </p:txBody>
+      </p:sp>
+      <p:sp>
+        <p:nvSpPr>
+          <p:cNvPr id="2" name="Rounded Rectangle 1"/>
+          <p:cNvSpPr/>
+          <p:nvPr/>
+        </p:nvSpPr>
+        <p:spPr>
+          <a:xfrm>
+            <a:off x="1981200" y="3276600"/>
+            <a:ext cx="6705600" cy="457200"/>
+          </a:xfrm>
+          <a:prstGeom prst="roundRect">
+            <a:avLst/>
+          </a:prstGeom>
+          <a:solidFill>
+            <a:schemeClr val="bg1">
+              <a:lumMod val="95000"/>
+            </a:schemeClr>
+          </a:solidFill>
+          <a:ln>
+            <a:solidFill>
+              <a:schemeClr val="tx1"/>
+            </a:solidFill>
+          </a:ln>
+        </p:spPr>
+        <p:style>
+          <a:lnRef idx="2">
+            <a:schemeClr val="accent1">
+              <a:shade val="50000"/>
+            </a:schemeClr>
+          </a:lnRef>
+          <a:fillRef idx="1">
+            <a:schemeClr val="accent1"/>
+          </a:fillRef>
+          <a:effectRef idx="0">
+            <a:schemeClr val="accent1"/>
+          </a:effectRef>
+          <a:fontRef idx="minor">
+            <a:schemeClr val="lt1"/>
+          </a:fontRef>
+        </p:style>
+        <p:txBody>
+          <a:bodyPr rtlCol="0" anchor="ctr"/>
+          <a:lstStyle/>
+          <a:p>
+            <a:pPr algn="ctr"/>
+            <a:endParaRPr lang="en-US" b="1" dirty="0">
+              <a:solidFill>
+                <a:schemeClr val="tx1"/>
+              </a:solidFill>
+            </a:endParaRPr>
+          </a:p>
+        </p:txBody>
+      </p:sp>
+      <p:sp>
+        <p:nvSpPr>
+          <p:cNvPr id="3" name="Rounded Rectangle 2"/>
+          <p:cNvSpPr/>
+          <p:nvPr/>
+        </p:nvSpPr>
+        <p:spPr>
+          <a:xfrm>
+            <a:off x="2057400" y="3352800"/>
+            <a:ext cx="838200" cy="302260"/>
+          </a:xfrm>
+          <a:prstGeom prst="roundRect">
+            <a:avLst/>
+          </a:prstGeom>
+          <a:solidFill>
+            <a:schemeClr val="bg1">
+              <a:lumMod val="85000"/>
+            </a:schemeClr>
+          </a:solidFill>
+          <a:ln>
+            <a:solidFill>
+              <a:schemeClr val="tx1"/>
+            </a:solidFill>
+          </a:ln>
+        </p:spPr>
+        <p:style>
+          <a:lnRef idx="2">
+            <a:schemeClr val="accent1">
+              <a:shade val="50000"/>
+            </a:schemeClr>
+          </a:lnRef>
+          <a:fillRef idx="1">
+            <a:schemeClr val="accent1"/>
+          </a:fillRef>
+          <a:effectRef idx="0">
+            <a:schemeClr val="accent1"/>
+          </a:effectRef>
+          <a:fontRef idx="minor">
+            <a:schemeClr val="lt1"/>
+          </a:fontRef>
+        </p:style>
+        <p:txBody>
+          <a:bodyPr rtlCol="0" anchor="ctr"/>
+          <a:lstStyle/>
+          <a:p>
+            <a:pPr algn="ctr"/>
+            <a:r>
+              <a:rPr lang="en-US" b="1" dirty="0" smtClean="0">
+                <a:solidFill>
+                  <a:schemeClr val="tx1"/>
+                </a:solidFill>
+              </a:rPr>
+              <a:t>Key</a:t>
+            </a:r>
+            <a:endParaRPr lang="en-US" b="1" dirty="0">
+              <a:solidFill>
+                <a:schemeClr val="tx1"/>
+              </a:solidFill>
+            </a:endParaRPr>
+          </a:p>
+        </p:txBody>
+      </p:sp>
+      <p:sp>
+        <p:nvSpPr>
+          <p:cNvPr id="4" name="Rounded Rectangle 3"/>
+          <p:cNvSpPr/>
+          <p:nvPr/>
+        </p:nvSpPr>
+        <p:spPr>
+          <a:xfrm>
+            <a:off x="2971800" y="3352800"/>
+            <a:ext cx="1442508" cy="302260"/>
+          </a:xfrm>
+          <a:prstGeom prst="roundRect">
+            <a:avLst/>
+          </a:prstGeom>
+          <a:solidFill>
+            <a:schemeClr val="bg1">
+              <a:lumMod val="85000"/>
+            </a:schemeClr>
+          </a:solidFill>
+          <a:ln>
+            <a:solidFill>
+              <a:schemeClr val="tx1"/>
+            </a:solidFill>
+          </a:ln>
+        </p:spPr>
+        <p:style>
+          <a:lnRef idx="2">
+            <a:schemeClr val="accent1">
+              <a:shade val="50000"/>
+            </a:schemeClr>
+          </a:lnRef>
+          <a:fillRef idx="1">
+            <a:schemeClr val="accent1"/>
+          </a:fillRef>
+          <a:effectRef idx="0">
+            <a:schemeClr val="accent1"/>
+          </a:effectRef>
+          <a:fontRef idx="minor">
+            <a:schemeClr val="lt1"/>
+          </a:fontRef>
+        </p:style>
+        <p:txBody>
+          <a:bodyPr rtlCol="0" anchor="ctr"/>
+          <a:lstStyle/>
+          <a:p>
+            <a:pPr algn="ctr"/>
+            <a:r>
+              <a:rPr lang="en-US" b="1" dirty="0" smtClean="0">
+                <a:solidFill>
+                  <a:schemeClr val="tx1"/>
+                </a:solidFill>
+              </a:rPr>
+              <a:t>Token 1</a:t>
+            </a:r>
+            <a:endParaRPr lang="en-US" b="1" dirty="0">
+              <a:solidFill>
+                <a:schemeClr val="tx1"/>
+              </a:solidFill>
+            </a:endParaRPr>
+          </a:p>
+        </p:txBody>
+      </p:sp>
+      <p:sp>
+        <p:nvSpPr>
+          <p:cNvPr id="10" name="Rounded Rectangle 9"/>
+          <p:cNvSpPr/>
+          <p:nvPr/>
+        </p:nvSpPr>
+        <p:spPr>
+          <a:xfrm>
+            <a:off x="304800" y="304800"/>
+            <a:ext cx="2057400" cy="302260"/>
+          </a:xfrm>
+          <a:prstGeom prst="roundRect">
+            <a:avLst/>
+          </a:prstGeom>
+          <a:noFill/>
+          <a:ln>
+            <a:noFill/>
+          </a:ln>
+        </p:spPr>
+        <p:style>
+          <a:lnRef idx="2">
+            <a:schemeClr val="accent1">
+              <a:shade val="50000"/>
+            </a:schemeClr>
+          </a:lnRef>
+          <a:fillRef idx="1">
+            <a:schemeClr val="accent1"/>
+          </a:fillRef>
+          <a:effectRef idx="0">
+            <a:schemeClr val="accent1"/>
+          </a:effectRef>
+          <a:fontRef idx="minor">
+            <a:schemeClr val="lt1"/>
+          </a:fontRef>
+        </p:style>
+        <p:txBody>
+          <a:bodyPr rtlCol="0" anchor="ctr"/>
+          <a:lstStyle/>
+          <a:p>
+            <a:pPr algn="ctr"/>
+            <a:r>
+              <a:rPr lang="en-US" b="1" dirty="0" err="1" smtClean="0">
+                <a:solidFill>
+                  <a:schemeClr val="tx1"/>
+                </a:solidFill>
+              </a:rPr>
+              <a:t>HoopKVDocument</a:t>
+            </a:r>
+            <a:endParaRPr lang="en-US" b="1" dirty="0">
+              <a:solidFill>
+                <a:schemeClr val="tx1"/>
+              </a:solidFill>
+            </a:endParaRPr>
+          </a:p>
+        </p:txBody>
+      </p:sp>
+      <p:sp>
+        <p:nvSpPr>
+          <p:cNvPr id="11" name="Rounded Rectangle 10"/>
+          <p:cNvSpPr/>
+          <p:nvPr/>
+        </p:nvSpPr>
+        <p:spPr>
+          <a:xfrm>
+            <a:off x="457200" y="2819400"/>
+            <a:ext cx="1981200" cy="302260"/>
+          </a:xfrm>
+          <a:prstGeom prst="roundRect">
+            <a:avLst/>
+          </a:prstGeom>
+          <a:noFill/>
+          <a:ln>
+            <a:noFill/>
+          </a:ln>
+        </p:spPr>
+        <p:style>
+          <a:lnRef idx="2">
+            <a:schemeClr val="accent1">
+              <a:shade val="50000"/>
+            </a:schemeClr>
+          </a:lnRef>
+          <a:fillRef idx="1">
+            <a:schemeClr val="accent1"/>
+          </a:fillRef>
+          <a:effectRef idx="0">
+            <a:schemeClr val="accent1"/>
+          </a:effectRef>
+          <a:fontRef idx="minor">
+            <a:schemeClr val="lt1"/>
+          </a:fontRef>
+        </p:style>
+        <p:txBody>
+          <a:bodyPr rtlCol="0" anchor="ctr"/>
+          <a:lstStyle/>
+          <a:p>
+            <a:pPr algn="ctr"/>
+            <a:r>
+              <a:rPr lang="en-US" b="1" dirty="0" err="1" smtClean="0">
+                <a:solidFill>
+                  <a:schemeClr val="tx1"/>
+                </a:solidFill>
+              </a:rPr>
+              <a:t>HoopKVList</a:t>
+            </a:r>
+            <a:r>
+              <a:rPr lang="en-US" b="1" dirty="0" smtClean="0">
+                <a:solidFill>
+                  <a:schemeClr val="tx1"/>
+                </a:solidFill>
+              </a:rPr>
+              <a:t> views</a:t>
+            </a:r>
+            <a:endParaRPr lang="en-US" b="1" dirty="0">
+              <a:solidFill>
+                <a:schemeClr val="tx1"/>
+              </a:solidFill>
+            </a:endParaRPr>
+          </a:p>
+        </p:txBody>
+      </p:sp>
+      <p:sp>
+        <p:nvSpPr>
+          <p:cNvPr id="12" name="Rounded Rectangle 11"/>
+          <p:cNvSpPr/>
+          <p:nvPr/>
+        </p:nvSpPr>
+        <p:spPr>
+          <a:xfrm>
+            <a:off x="4495800" y="3352800"/>
+            <a:ext cx="1442508" cy="302260"/>
+          </a:xfrm>
+          <a:prstGeom prst="roundRect">
+            <a:avLst/>
+          </a:prstGeom>
+          <a:solidFill>
+            <a:schemeClr val="bg1">
+              <a:lumMod val="85000"/>
+            </a:schemeClr>
+          </a:solidFill>
+          <a:ln>
+            <a:solidFill>
+              <a:schemeClr val="tx1"/>
+            </a:solidFill>
+          </a:ln>
+        </p:spPr>
+        <p:style>
+          <a:lnRef idx="2">
+            <a:schemeClr val="accent1">
+              <a:shade val="50000"/>
+            </a:schemeClr>
+          </a:lnRef>
+          <a:fillRef idx="1">
+            <a:schemeClr val="accent1"/>
+          </a:fillRef>
+          <a:effectRef idx="0">
+            <a:schemeClr val="accent1"/>
+          </a:effectRef>
+          <a:fontRef idx="minor">
+            <a:schemeClr val="lt1"/>
+          </a:fontRef>
+        </p:style>
+        <p:txBody>
+          <a:bodyPr rtlCol="0" anchor="ctr"/>
+          <a:lstStyle/>
+          <a:p>
+            <a:pPr algn="ctr"/>
+            <a:r>
+              <a:rPr lang="en-US" b="1" dirty="0" smtClean="0">
+                <a:solidFill>
+                  <a:schemeClr val="tx1"/>
+                </a:solidFill>
+              </a:rPr>
+              <a:t>Token 2</a:t>
+            </a:r>
+            <a:endParaRPr lang="en-US" b="1" dirty="0">
+              <a:solidFill>
+                <a:schemeClr val="tx1"/>
+              </a:solidFill>
+            </a:endParaRPr>
+          </a:p>
+        </p:txBody>
+      </p:sp>
+      <p:sp>
+        <p:nvSpPr>
+          <p:cNvPr id="13" name="Rounded Rectangle 12"/>
+          <p:cNvSpPr/>
+          <p:nvPr/>
+        </p:nvSpPr>
+        <p:spPr>
+          <a:xfrm>
+            <a:off x="7162800" y="3352800"/>
+            <a:ext cx="1442508" cy="302260"/>
+          </a:xfrm>
+          <a:prstGeom prst="roundRect">
+            <a:avLst/>
+          </a:prstGeom>
+          <a:solidFill>
+            <a:schemeClr val="bg1">
+              <a:lumMod val="85000"/>
+            </a:schemeClr>
+          </a:solidFill>
+          <a:ln>
+            <a:solidFill>
+              <a:schemeClr val="tx1"/>
+            </a:solidFill>
+          </a:ln>
+        </p:spPr>
+        <p:style>
+          <a:lnRef idx="2">
+            <a:schemeClr val="accent1">
+              <a:shade val="50000"/>
+            </a:schemeClr>
+          </a:lnRef>
+          <a:fillRef idx="1">
+            <a:schemeClr val="accent1"/>
+          </a:fillRef>
+          <a:effectRef idx="0">
+            <a:schemeClr val="accent1"/>
+          </a:effectRef>
+          <a:fontRef idx="minor">
+            <a:schemeClr val="lt1"/>
+          </a:fontRef>
+        </p:style>
+        <p:txBody>
+          <a:bodyPr rtlCol="0" anchor="ctr"/>
+          <a:lstStyle/>
+          <a:p>
+            <a:pPr algn="ctr"/>
+            <a:r>
+              <a:rPr lang="en-US" b="1" dirty="0" smtClean="0">
+                <a:solidFill>
+                  <a:schemeClr val="tx1"/>
+                </a:solidFill>
+              </a:rPr>
+              <a:t>Token N</a:t>
+            </a:r>
+            <a:endParaRPr lang="en-US" b="1" dirty="0">
+              <a:solidFill>
+                <a:schemeClr val="tx1"/>
+              </a:solidFill>
+            </a:endParaRPr>
+          </a:p>
+        </p:txBody>
+      </p:sp>
+      <p:sp>
+        <p:nvSpPr>
+          <p:cNvPr id="14" name="Rounded Rectangle 13"/>
+          <p:cNvSpPr/>
+          <p:nvPr/>
+        </p:nvSpPr>
+        <p:spPr>
+          <a:xfrm>
+            <a:off x="6096000" y="3352800"/>
+            <a:ext cx="914400" cy="302260"/>
+          </a:xfrm>
+          <a:prstGeom prst="roundRect">
+            <a:avLst/>
+          </a:prstGeom>
+          <a:noFill/>
+          <a:ln>
+            <a:noFill/>
+          </a:ln>
+        </p:spPr>
+        <p:style>
+          <a:lnRef idx="2">
+            <a:schemeClr val="accent1">
+              <a:shade val="50000"/>
+            </a:schemeClr>
+          </a:lnRef>
+          <a:fillRef idx="1">
+            <a:schemeClr val="accent1"/>
+          </a:fillRef>
+          <a:effectRef idx="0">
+            <a:schemeClr val="accent1"/>
+          </a:effectRef>
+          <a:fontRef idx="minor">
+            <a:schemeClr val="lt1"/>
+          </a:fontRef>
+        </p:style>
+        <p:txBody>
+          <a:bodyPr rtlCol="0" anchor="ctr"/>
+          <a:lstStyle/>
+          <a:p>
+            <a:pPr algn="ctr"/>
+            <a:r>
+              <a:rPr lang="en-US" b="1" dirty="0" smtClean="0">
+                <a:solidFill>
+                  <a:schemeClr val="tx1"/>
+                </a:solidFill>
+              </a:rPr>
+              <a:t>…</a:t>
+            </a:r>
+            <a:endParaRPr lang="en-US" b="1" dirty="0">
+              <a:solidFill>
+                <a:schemeClr val="tx1"/>
+              </a:solidFill>
+            </a:endParaRPr>
+          </a:p>
+        </p:txBody>
+      </p:sp>
+      <p:sp>
+        <p:nvSpPr>
+          <p:cNvPr id="15" name="Rounded Rectangle 14"/>
+          <p:cNvSpPr/>
+          <p:nvPr/>
+        </p:nvSpPr>
+        <p:spPr>
+          <a:xfrm>
+            <a:off x="1981200" y="3962400"/>
+            <a:ext cx="6705600" cy="457200"/>
+          </a:xfrm>
+          <a:prstGeom prst="roundRect">
+            <a:avLst/>
+          </a:prstGeom>
+          <a:solidFill>
+            <a:schemeClr val="bg1">
+              <a:lumMod val="95000"/>
+            </a:schemeClr>
+          </a:solidFill>
+          <a:ln>
+            <a:solidFill>
+              <a:schemeClr val="tx1"/>
+            </a:solidFill>
+          </a:ln>
+        </p:spPr>
+        <p:style>
+          <a:lnRef idx="2">
+            <a:schemeClr val="accent1">
+              <a:shade val="50000"/>
+            </a:schemeClr>
+          </a:lnRef>
+          <a:fillRef idx="1">
+            <a:schemeClr val="accent1"/>
+          </a:fillRef>
+          <a:effectRef idx="0">
+            <a:schemeClr val="accent1"/>
+          </a:effectRef>
+          <a:fontRef idx="minor">
+            <a:schemeClr val="lt1"/>
+          </a:fontRef>
+        </p:style>
+        <p:txBody>
+          <a:bodyPr rtlCol="0" anchor="ctr"/>
+          <a:lstStyle/>
+          <a:p>
+            <a:pPr algn="ctr"/>
+            <a:endParaRPr lang="en-US" b="1" dirty="0">
+              <a:solidFill>
+                <a:schemeClr val="tx1"/>
+              </a:solidFill>
+            </a:endParaRPr>
+          </a:p>
+        </p:txBody>
+      </p:sp>
+      <p:sp>
+        <p:nvSpPr>
+          <p:cNvPr id="16" name="Rounded Rectangle 15"/>
+          <p:cNvSpPr/>
+          <p:nvPr/>
+        </p:nvSpPr>
+        <p:spPr>
+          <a:xfrm>
+            <a:off x="2057400" y="4038600"/>
+            <a:ext cx="838200" cy="302260"/>
+          </a:xfrm>
+          <a:prstGeom prst="roundRect">
+            <a:avLst/>
+          </a:prstGeom>
+          <a:solidFill>
+            <a:schemeClr val="bg1">
+              <a:lumMod val="85000"/>
+            </a:schemeClr>
+          </a:solidFill>
+          <a:ln>
+            <a:solidFill>
+              <a:schemeClr val="tx1"/>
+            </a:solidFill>
+          </a:ln>
+        </p:spPr>
+        <p:style>
+          <a:lnRef idx="2">
+            <a:schemeClr val="accent1">
+              <a:shade val="50000"/>
+            </a:schemeClr>
+          </a:lnRef>
+          <a:fillRef idx="1">
+            <a:schemeClr val="accent1"/>
+          </a:fillRef>
+          <a:effectRef idx="0">
+            <a:schemeClr val="accent1"/>
+          </a:effectRef>
+          <a:fontRef idx="minor">
+            <a:schemeClr val="lt1"/>
+          </a:fontRef>
+        </p:style>
+        <p:txBody>
+          <a:bodyPr rtlCol="0" anchor="ctr"/>
+          <a:lstStyle/>
+          <a:p>
+            <a:pPr algn="ctr"/>
+            <a:r>
+              <a:rPr lang="en-US" b="1" dirty="0" smtClean="0">
+                <a:solidFill>
+                  <a:schemeClr val="tx1"/>
+                </a:solidFill>
+              </a:rPr>
+              <a:t>Key</a:t>
+            </a:r>
+            <a:endParaRPr lang="en-US" b="1" dirty="0">
+              <a:solidFill>
+                <a:schemeClr val="tx1"/>
+              </a:solidFill>
+            </a:endParaRPr>
+          </a:p>
+        </p:txBody>
+      </p:sp>
+      <p:sp>
+        <p:nvSpPr>
+          <p:cNvPr id="17" name="Rounded Rectangle 16"/>
+          <p:cNvSpPr/>
+          <p:nvPr/>
+        </p:nvSpPr>
+        <p:spPr>
+          <a:xfrm>
+            <a:off x="2971800" y="4038600"/>
+            <a:ext cx="1442508" cy="302260"/>
+          </a:xfrm>
+          <a:prstGeom prst="roundRect">
+            <a:avLst/>
+          </a:prstGeom>
+          <a:solidFill>
+            <a:schemeClr val="bg1">
+              <a:lumMod val="85000"/>
+            </a:schemeClr>
+          </a:solidFill>
+          <a:ln>
+            <a:solidFill>
+              <a:schemeClr val="tx1"/>
+            </a:solidFill>
+          </a:ln>
+        </p:spPr>
+        <p:style>
+          <a:lnRef idx="2">
+            <a:schemeClr val="accent1">
+              <a:shade val="50000"/>
+            </a:schemeClr>
+          </a:lnRef>
+          <a:fillRef idx="1">
+            <a:schemeClr val="accent1"/>
+          </a:fillRef>
+          <a:effectRef idx="0">
+            <a:schemeClr val="accent1"/>
+          </a:effectRef>
+          <a:fontRef idx="minor">
+            <a:schemeClr val="lt1"/>
+          </a:fontRef>
+        </p:style>
+        <p:txBody>
+          <a:bodyPr rtlCol="0" anchor="ctr"/>
+          <a:lstStyle/>
+          <a:p>
+            <a:pPr algn="ctr"/>
+            <a:r>
+              <a:rPr lang="en-US" b="1" dirty="0" smtClean="0">
+                <a:solidFill>
+                  <a:schemeClr val="tx1"/>
+                </a:solidFill>
+              </a:rPr>
+              <a:t>Token 1</a:t>
+            </a:r>
+            <a:endParaRPr lang="en-US" b="1" dirty="0">
+              <a:solidFill>
+                <a:schemeClr val="tx1"/>
+              </a:solidFill>
+            </a:endParaRPr>
+          </a:p>
+        </p:txBody>
+      </p:sp>
+      <p:sp>
+        <p:nvSpPr>
+          <p:cNvPr id="18" name="Rounded Rectangle 17"/>
+          <p:cNvSpPr/>
+          <p:nvPr/>
+        </p:nvSpPr>
+        <p:spPr>
+          <a:xfrm>
+            <a:off x="4495800" y="4038600"/>
+            <a:ext cx="1442508" cy="302260"/>
+          </a:xfrm>
+          <a:prstGeom prst="roundRect">
+            <a:avLst/>
+          </a:prstGeom>
+          <a:solidFill>
+            <a:schemeClr val="bg1">
+              <a:lumMod val="85000"/>
+            </a:schemeClr>
+          </a:solidFill>
+          <a:ln>
+            <a:solidFill>
+              <a:schemeClr val="tx1"/>
+            </a:solidFill>
+          </a:ln>
+        </p:spPr>
+        <p:style>
+          <a:lnRef idx="2">
+            <a:schemeClr val="accent1">
+              <a:shade val="50000"/>
+            </a:schemeClr>
+          </a:lnRef>
+          <a:fillRef idx="1">
+            <a:schemeClr val="accent1"/>
+          </a:fillRef>
+          <a:effectRef idx="0">
+            <a:schemeClr val="accent1"/>
+          </a:effectRef>
+          <a:fontRef idx="minor">
+            <a:schemeClr val="lt1"/>
+          </a:fontRef>
+        </p:style>
+        <p:txBody>
+          <a:bodyPr rtlCol="0" anchor="ctr"/>
+          <a:lstStyle/>
+          <a:p>
+            <a:pPr algn="ctr"/>
+            <a:r>
+              <a:rPr lang="en-US" b="1" dirty="0" smtClean="0">
+                <a:solidFill>
+                  <a:schemeClr val="tx1"/>
+                </a:solidFill>
+              </a:rPr>
+              <a:t>Token 2</a:t>
+            </a:r>
+            <a:endParaRPr lang="en-US" b="1" dirty="0">
+              <a:solidFill>
+                <a:schemeClr val="tx1"/>
+              </a:solidFill>
+            </a:endParaRPr>
+          </a:p>
+        </p:txBody>
+      </p:sp>
+      <p:sp>
+        <p:nvSpPr>
+          <p:cNvPr id="19" name="Rounded Rectangle 18"/>
+          <p:cNvSpPr/>
+          <p:nvPr/>
+        </p:nvSpPr>
+        <p:spPr>
+          <a:xfrm>
+            <a:off x="7162800" y="4038600"/>
+            <a:ext cx="1442508" cy="302260"/>
+          </a:xfrm>
+          <a:prstGeom prst="roundRect">
+            <a:avLst/>
+          </a:prstGeom>
+          <a:solidFill>
+            <a:schemeClr val="bg1">
+              <a:lumMod val="85000"/>
+            </a:schemeClr>
+          </a:solidFill>
+          <a:ln>
+            <a:solidFill>
+              <a:schemeClr val="tx1"/>
+            </a:solidFill>
+          </a:ln>
+        </p:spPr>
+        <p:style>
+          <a:lnRef idx="2">
+            <a:schemeClr val="accent1">
+              <a:shade val="50000"/>
+            </a:schemeClr>
+          </a:lnRef>
+          <a:fillRef idx="1">
+            <a:schemeClr val="accent1"/>
+          </a:fillRef>
+          <a:effectRef idx="0">
+            <a:schemeClr val="accent1"/>
+          </a:effectRef>
+          <a:fontRef idx="minor">
+            <a:schemeClr val="lt1"/>
+          </a:fontRef>
+        </p:style>
+        <p:txBody>
+          <a:bodyPr rtlCol="0" anchor="ctr"/>
+          <a:lstStyle/>
+          <a:p>
+            <a:pPr algn="ctr"/>
+            <a:r>
+              <a:rPr lang="en-US" b="1" dirty="0" smtClean="0">
+                <a:solidFill>
+                  <a:schemeClr val="tx1"/>
+                </a:solidFill>
+              </a:rPr>
+              <a:t>Token N</a:t>
+            </a:r>
+            <a:endParaRPr lang="en-US" b="1" dirty="0">
+              <a:solidFill>
+                <a:schemeClr val="tx1"/>
+              </a:solidFill>
+            </a:endParaRPr>
+          </a:p>
+        </p:txBody>
+      </p:sp>
+      <p:sp>
+        <p:nvSpPr>
+          <p:cNvPr id="20" name="Rounded Rectangle 19"/>
+          <p:cNvSpPr/>
+          <p:nvPr/>
+        </p:nvSpPr>
+        <p:spPr>
+          <a:xfrm>
+            <a:off x="6096000" y="4038600"/>
+            <a:ext cx="914400" cy="302260"/>
+          </a:xfrm>
+          <a:prstGeom prst="roundRect">
+            <a:avLst/>
+          </a:prstGeom>
+          <a:noFill/>
+          <a:ln>
+            <a:noFill/>
+          </a:ln>
+        </p:spPr>
+        <p:style>
+          <a:lnRef idx="2">
+            <a:schemeClr val="accent1">
+              <a:shade val="50000"/>
+            </a:schemeClr>
+          </a:lnRef>
+          <a:fillRef idx="1">
+            <a:schemeClr val="accent1"/>
+          </a:fillRef>
+          <a:effectRef idx="0">
+            <a:schemeClr val="accent1"/>
+          </a:effectRef>
+          <a:fontRef idx="minor">
+            <a:schemeClr val="lt1"/>
+          </a:fontRef>
+        </p:style>
+        <p:txBody>
+          <a:bodyPr rtlCol="0" anchor="ctr"/>
+          <a:lstStyle/>
+          <a:p>
+            <a:pPr algn="ctr"/>
+            <a:r>
+              <a:rPr lang="en-US" b="1" dirty="0" smtClean="0">
+                <a:solidFill>
+                  <a:schemeClr val="tx1"/>
+                </a:solidFill>
+              </a:rPr>
+              <a:t>…</a:t>
+            </a:r>
+            <a:endParaRPr lang="en-US" b="1" dirty="0">
+              <a:solidFill>
+                <a:schemeClr val="tx1"/>
+              </a:solidFill>
+            </a:endParaRPr>
+          </a:p>
+        </p:txBody>
+      </p:sp>
+      <p:sp>
+        <p:nvSpPr>
+          <p:cNvPr id="27" name="Rounded Rectangle 26"/>
+          <p:cNvSpPr/>
+          <p:nvPr/>
+        </p:nvSpPr>
+        <p:spPr>
+          <a:xfrm>
+            <a:off x="1981200" y="4648200"/>
+            <a:ext cx="6705600" cy="457200"/>
+          </a:xfrm>
+          <a:prstGeom prst="roundRect">
+            <a:avLst/>
+          </a:prstGeom>
+          <a:solidFill>
+            <a:schemeClr val="bg1">
+              <a:lumMod val="95000"/>
+            </a:schemeClr>
+          </a:solidFill>
+          <a:ln>
+            <a:solidFill>
+              <a:schemeClr val="tx1"/>
+            </a:solidFill>
+          </a:ln>
+        </p:spPr>
+        <p:style>
+          <a:lnRef idx="2">
+            <a:schemeClr val="accent1">
+              <a:shade val="50000"/>
+            </a:schemeClr>
+          </a:lnRef>
+          <a:fillRef idx="1">
+            <a:schemeClr val="accent1"/>
+          </a:fillRef>
+          <a:effectRef idx="0">
+            <a:schemeClr val="accent1"/>
+          </a:effectRef>
+          <a:fontRef idx="minor">
+            <a:schemeClr val="lt1"/>
+          </a:fontRef>
+        </p:style>
+        <p:txBody>
+          <a:bodyPr rtlCol="0" anchor="ctr"/>
+          <a:lstStyle/>
+          <a:p>
+            <a:pPr algn="ctr"/>
+            <a:endParaRPr lang="en-US" b="1" dirty="0">
+              <a:solidFill>
+                <a:schemeClr val="tx1"/>
+              </a:solidFill>
+            </a:endParaRPr>
+          </a:p>
+        </p:txBody>
+      </p:sp>
+      <p:sp>
+        <p:nvSpPr>
+          <p:cNvPr id="28" name="Rounded Rectangle 27"/>
+          <p:cNvSpPr/>
+          <p:nvPr/>
+        </p:nvSpPr>
+        <p:spPr>
+          <a:xfrm>
+            <a:off x="2057400" y="4724400"/>
+            <a:ext cx="838200" cy="302260"/>
+          </a:xfrm>
+          <a:prstGeom prst="roundRect">
+            <a:avLst/>
+          </a:prstGeom>
+          <a:solidFill>
+            <a:schemeClr val="bg1">
+              <a:lumMod val="85000"/>
+            </a:schemeClr>
+          </a:solidFill>
+          <a:ln>
+            <a:solidFill>
+              <a:schemeClr val="tx1"/>
+            </a:solidFill>
+          </a:ln>
+        </p:spPr>
+        <p:style>
+          <a:lnRef idx="2">
+            <a:schemeClr val="accent1">
+              <a:shade val="50000"/>
+            </a:schemeClr>
+          </a:lnRef>
+          <a:fillRef idx="1">
+            <a:schemeClr val="accent1"/>
+          </a:fillRef>
+          <a:effectRef idx="0">
+            <a:schemeClr val="accent1"/>
+          </a:effectRef>
+          <a:fontRef idx="minor">
+            <a:schemeClr val="lt1"/>
+          </a:fontRef>
+        </p:style>
+        <p:txBody>
+          <a:bodyPr rtlCol="0" anchor="ctr"/>
+          <a:lstStyle/>
+          <a:p>
+            <a:pPr algn="ctr"/>
+            <a:r>
+              <a:rPr lang="en-US" b="1" dirty="0" smtClean="0">
+                <a:solidFill>
+                  <a:schemeClr val="tx1"/>
+                </a:solidFill>
+              </a:rPr>
+              <a:t>Key</a:t>
+            </a:r>
+            <a:endParaRPr lang="en-US" b="1" dirty="0">
+              <a:solidFill>
+                <a:schemeClr val="tx1"/>
+              </a:solidFill>
+            </a:endParaRPr>
+          </a:p>
+        </p:txBody>
+      </p:sp>
+      <p:sp>
+        <p:nvSpPr>
+          <p:cNvPr id="29" name="Rounded Rectangle 28"/>
+          <p:cNvSpPr/>
+          <p:nvPr/>
+        </p:nvSpPr>
+        <p:spPr>
+          <a:xfrm>
+            <a:off x="2971800" y="4724400"/>
+            <a:ext cx="1442508" cy="302260"/>
+          </a:xfrm>
+          <a:prstGeom prst="roundRect">
+            <a:avLst/>
+          </a:prstGeom>
+          <a:solidFill>
+            <a:schemeClr val="bg1">
+              <a:lumMod val="85000"/>
+            </a:schemeClr>
+          </a:solidFill>
+          <a:ln>
+            <a:solidFill>
+              <a:schemeClr val="tx1"/>
+            </a:solidFill>
+          </a:ln>
+        </p:spPr>
+        <p:style>
+          <a:lnRef idx="2">
+            <a:schemeClr val="accent1">
+              <a:shade val="50000"/>
+            </a:schemeClr>
+          </a:lnRef>
+          <a:fillRef idx="1">
+            <a:schemeClr val="accent1"/>
+          </a:fillRef>
+          <a:effectRef idx="0">
+            <a:schemeClr val="accent1"/>
+          </a:effectRef>
+          <a:fontRef idx="minor">
+            <a:schemeClr val="lt1"/>
+          </a:fontRef>
+        </p:style>
+        <p:txBody>
+          <a:bodyPr rtlCol="0" anchor="ctr"/>
+          <a:lstStyle/>
+          <a:p>
+            <a:pPr algn="ctr"/>
+            <a:r>
+              <a:rPr lang="en-US" b="1" dirty="0" smtClean="0">
+                <a:solidFill>
+                  <a:schemeClr val="tx1"/>
+                </a:solidFill>
+              </a:rPr>
+              <a:t>Token 1</a:t>
+            </a:r>
+            <a:endParaRPr lang="en-US" b="1" dirty="0">
+              <a:solidFill>
+                <a:schemeClr val="tx1"/>
+              </a:solidFill>
+            </a:endParaRPr>
+          </a:p>
+        </p:txBody>
+      </p:sp>
+      <p:sp>
+        <p:nvSpPr>
+          <p:cNvPr id="30" name="Rounded Rectangle 29"/>
+          <p:cNvSpPr/>
+          <p:nvPr/>
+        </p:nvSpPr>
+        <p:spPr>
+          <a:xfrm>
+            <a:off x="4495800" y="4724400"/>
+            <a:ext cx="1442508" cy="302260"/>
+          </a:xfrm>
+          <a:prstGeom prst="roundRect">
+            <a:avLst/>
+          </a:prstGeom>
+          <a:solidFill>
+            <a:schemeClr val="bg1">
+              <a:lumMod val="85000"/>
+            </a:schemeClr>
+          </a:solidFill>
+          <a:ln>
+            <a:solidFill>
+              <a:schemeClr val="tx1"/>
+            </a:solidFill>
+          </a:ln>
+        </p:spPr>
+        <p:style>
+          <a:lnRef idx="2">
+            <a:schemeClr val="accent1">
+              <a:shade val="50000"/>
+            </a:schemeClr>
+          </a:lnRef>
+          <a:fillRef idx="1">
+            <a:schemeClr val="accent1"/>
+          </a:fillRef>
+          <a:effectRef idx="0">
+            <a:schemeClr val="accent1"/>
+          </a:effectRef>
+          <a:fontRef idx="minor">
+            <a:schemeClr val="lt1"/>
+          </a:fontRef>
+        </p:style>
+        <p:txBody>
+          <a:bodyPr rtlCol="0" anchor="ctr"/>
+          <a:lstStyle/>
+          <a:p>
+            <a:pPr algn="ctr"/>
+            <a:r>
+              <a:rPr lang="en-US" b="1" dirty="0" smtClean="0">
+                <a:solidFill>
+                  <a:schemeClr val="tx1"/>
+                </a:solidFill>
+              </a:rPr>
+              <a:t>Token 2</a:t>
+            </a:r>
+            <a:endParaRPr lang="en-US" b="1" dirty="0">
+              <a:solidFill>
+                <a:schemeClr val="tx1"/>
+              </a:solidFill>
+            </a:endParaRPr>
+          </a:p>
+        </p:txBody>
+      </p:sp>
+      <p:sp>
+        <p:nvSpPr>
+          <p:cNvPr id="31" name="Rounded Rectangle 30"/>
+          <p:cNvSpPr/>
+          <p:nvPr/>
+        </p:nvSpPr>
+        <p:spPr>
+          <a:xfrm>
+            <a:off x="7162800" y="4724400"/>
+            <a:ext cx="1442508" cy="302260"/>
+          </a:xfrm>
+          <a:prstGeom prst="roundRect">
+            <a:avLst/>
+          </a:prstGeom>
+          <a:solidFill>
+            <a:schemeClr val="bg1">
+              <a:lumMod val="85000"/>
+            </a:schemeClr>
+          </a:solidFill>
+          <a:ln>
+            <a:solidFill>
+              <a:schemeClr val="tx1"/>
+            </a:solidFill>
+          </a:ln>
+        </p:spPr>
+        <p:style>
+          <a:lnRef idx="2">
+            <a:schemeClr val="accent1">
+              <a:shade val="50000"/>
+            </a:schemeClr>
+          </a:lnRef>
+          <a:fillRef idx="1">
+            <a:schemeClr val="accent1"/>
+          </a:fillRef>
+          <a:effectRef idx="0">
+            <a:schemeClr val="accent1"/>
+          </a:effectRef>
+          <a:fontRef idx="minor">
+            <a:schemeClr val="lt1"/>
+          </a:fontRef>
+        </p:style>
+        <p:txBody>
+          <a:bodyPr rtlCol="0" anchor="ctr"/>
+          <a:lstStyle/>
+          <a:p>
+            <a:pPr algn="ctr"/>
+            <a:r>
+              <a:rPr lang="en-US" b="1" dirty="0" smtClean="0">
+                <a:solidFill>
+                  <a:schemeClr val="tx1"/>
+                </a:solidFill>
+              </a:rPr>
+              <a:t>Token N</a:t>
+            </a:r>
+            <a:endParaRPr lang="en-US" b="1" dirty="0">
+              <a:solidFill>
+                <a:schemeClr val="tx1"/>
+              </a:solidFill>
+            </a:endParaRPr>
+          </a:p>
+        </p:txBody>
+      </p:sp>
+      <p:sp>
+        <p:nvSpPr>
+          <p:cNvPr id="32" name="Rounded Rectangle 31"/>
+          <p:cNvSpPr/>
+          <p:nvPr/>
+        </p:nvSpPr>
+        <p:spPr>
+          <a:xfrm>
+            <a:off x="6096000" y="4724400"/>
+            <a:ext cx="914400" cy="302260"/>
+          </a:xfrm>
+          <a:prstGeom prst="roundRect">
+            <a:avLst/>
+          </a:prstGeom>
+          <a:noFill/>
+          <a:ln>
+            <a:noFill/>
+          </a:ln>
+        </p:spPr>
+        <p:style>
+          <a:lnRef idx="2">
+            <a:schemeClr val="accent1">
+              <a:shade val="50000"/>
+            </a:schemeClr>
+          </a:lnRef>
+          <a:fillRef idx="1">
+            <a:schemeClr val="accent1"/>
+          </a:fillRef>
+          <a:effectRef idx="0">
+            <a:schemeClr val="accent1"/>
+          </a:effectRef>
+          <a:fontRef idx="minor">
+            <a:schemeClr val="lt1"/>
+          </a:fontRef>
+        </p:style>
+        <p:txBody>
+          <a:bodyPr rtlCol="0" anchor="ctr"/>
+          <a:lstStyle/>
+          <a:p>
+            <a:pPr algn="ctr"/>
+            <a:r>
+              <a:rPr lang="en-US" b="1" dirty="0" smtClean="0">
+                <a:solidFill>
+                  <a:schemeClr val="tx1"/>
+                </a:solidFill>
+              </a:rPr>
+              <a:t>…</a:t>
+            </a:r>
+            <a:endParaRPr lang="en-US" b="1" dirty="0">
+              <a:solidFill>
+                <a:schemeClr val="tx1"/>
+              </a:solidFill>
+            </a:endParaRPr>
+          </a:p>
+        </p:txBody>
+      </p:sp>
+      <p:sp>
+        <p:nvSpPr>
+          <p:cNvPr id="33" name="Rounded Rectangle 32"/>
+          <p:cNvSpPr/>
+          <p:nvPr/>
+        </p:nvSpPr>
+        <p:spPr>
+          <a:xfrm>
+            <a:off x="457200" y="3352800"/>
+            <a:ext cx="1447800" cy="302260"/>
+          </a:xfrm>
+          <a:prstGeom prst="roundRect">
+            <a:avLst/>
+          </a:prstGeom>
+          <a:noFill/>
+          <a:ln>
+            <a:noFill/>
+          </a:ln>
+        </p:spPr>
+        <p:style>
+          <a:lnRef idx="2">
+            <a:schemeClr val="accent1">
+              <a:shade val="50000"/>
+            </a:schemeClr>
+          </a:lnRef>
+          <a:fillRef idx="1">
+            <a:schemeClr val="accent1"/>
+          </a:fillRef>
+          <a:effectRef idx="0">
+            <a:schemeClr val="accent1"/>
+          </a:effectRef>
+          <a:fontRef idx="minor">
+            <a:schemeClr val="lt1"/>
+          </a:fontRef>
+        </p:style>
+        <p:txBody>
+          <a:bodyPr rtlCol="0" anchor="ctr"/>
+          <a:lstStyle/>
+          <a:p>
+            <a:pPr algn="ctr"/>
+            <a:r>
+              <a:rPr lang="en-US" b="1" dirty="0" smtClean="0">
+                <a:solidFill>
+                  <a:schemeClr val="tx1"/>
+                </a:solidFill>
+              </a:rPr>
+              <a:t>Term View</a:t>
+            </a:r>
+            <a:endParaRPr lang="en-US" b="1" dirty="0">
+              <a:solidFill>
+                <a:schemeClr val="tx1"/>
+              </a:solidFill>
+            </a:endParaRPr>
+          </a:p>
+        </p:txBody>
+      </p:sp>
+      <p:sp>
+        <p:nvSpPr>
+          <p:cNvPr id="34" name="Rounded Rectangle 33"/>
+          <p:cNvSpPr/>
+          <p:nvPr/>
+        </p:nvSpPr>
+        <p:spPr>
+          <a:xfrm>
+            <a:off x="533400" y="4038600"/>
+            <a:ext cx="1295400" cy="302260"/>
+          </a:xfrm>
+          <a:prstGeom prst="roundRect">
+            <a:avLst/>
+          </a:prstGeom>
+          <a:noFill/>
+          <a:ln>
+            <a:noFill/>
+          </a:ln>
+        </p:spPr>
+        <p:style>
+          <a:lnRef idx="2">
+            <a:schemeClr val="accent1">
+              <a:shade val="50000"/>
+            </a:schemeClr>
+          </a:lnRef>
+          <a:fillRef idx="1">
+            <a:schemeClr val="accent1"/>
+          </a:fillRef>
+          <a:effectRef idx="0">
+            <a:schemeClr val="accent1"/>
+          </a:effectRef>
+          <a:fontRef idx="minor">
+            <a:schemeClr val="lt1"/>
+          </a:fontRef>
+        </p:style>
+        <p:txBody>
+          <a:bodyPr rtlCol="0" anchor="ctr"/>
+          <a:lstStyle/>
+          <a:p>
+            <a:pPr algn="ctr"/>
+            <a:r>
+              <a:rPr lang="en-US" b="1" dirty="0" smtClean="0">
+                <a:solidFill>
+                  <a:schemeClr val="tx1"/>
+                </a:solidFill>
+              </a:rPr>
+              <a:t>POS View</a:t>
+            </a:r>
+            <a:endParaRPr lang="en-US" b="1" dirty="0">
+              <a:solidFill>
+                <a:schemeClr val="tx1"/>
+              </a:solidFill>
+            </a:endParaRPr>
+          </a:p>
+        </p:txBody>
+      </p:sp>
+      <p:sp>
+        <p:nvSpPr>
+          <p:cNvPr id="35" name="Rounded Rectangle 34"/>
+          <p:cNvSpPr/>
+          <p:nvPr/>
+        </p:nvSpPr>
+        <p:spPr>
+          <a:xfrm>
+            <a:off x="533400" y="4724400"/>
+            <a:ext cx="1295400" cy="302260"/>
+          </a:xfrm>
+          <a:prstGeom prst="roundRect">
+            <a:avLst/>
+          </a:prstGeom>
+          <a:noFill/>
+          <a:ln>
+            <a:noFill/>
+          </a:ln>
+        </p:spPr>
+        <p:style>
+          <a:lnRef idx="2">
+            <a:schemeClr val="accent1">
+              <a:shade val="50000"/>
+            </a:schemeClr>
+          </a:lnRef>
+          <a:fillRef idx="1">
+            <a:schemeClr val="accent1"/>
+          </a:fillRef>
+          <a:effectRef idx="0">
+            <a:schemeClr val="accent1"/>
+          </a:effectRef>
+          <a:fontRef idx="minor">
+            <a:schemeClr val="lt1"/>
+          </a:fontRef>
+        </p:style>
+        <p:txBody>
+          <a:bodyPr rtlCol="0" anchor="ctr"/>
+          <a:lstStyle/>
+          <a:p>
+            <a:pPr algn="ctr"/>
+            <a:r>
+              <a:rPr lang="en-US" b="1" dirty="0" smtClean="0">
+                <a:solidFill>
+                  <a:schemeClr val="tx1"/>
+                </a:solidFill>
+              </a:rPr>
+              <a:t>XXXX View</a:t>
+            </a:r>
+            <a:endParaRPr lang="en-US" b="1" dirty="0">
+              <a:solidFill>
+                <a:schemeClr val="tx1"/>
+              </a:solidFill>
+            </a:endParaRPr>
+          </a:p>
+        </p:txBody>
+      </p:sp>
     </p:spTree>
   </p:cSld>
   <p:clrMapOvr>
